--- a/docs/source/deep-learning/nn-introduction/nn-image.pptx
+++ b/docs/source/deep-learning/nn-introduction/nn-image.pptx
@@ -6,6 +6,8 @@
   </p:sldMasterIdLst>
   <p:sldIdLst>
     <p:sldId id="256" r:id="rId2"/>
+    <p:sldId id="257" r:id="rId3"/>
+    <p:sldId id="258" r:id="rId4"/>
   </p:sldIdLst>
   <p:sldSz cx="12192000" cy="6858000"/>
   <p:notesSz cx="6858000" cy="9144000"/>
@@ -104,6 +106,11 @@
       </a:defRPr>
     </a:lvl9pPr>
   </p:defaultTextStyle>
+  <p:extLst>
+    <p:ext uri="{EFAFB233-063F-42B5-8137-9DF3F51BA10A}">
+      <p15:sldGuideLst xmlns:p15="http://schemas.microsoft.com/office/powerpoint/2012/main"/>
+    </p:ext>
+  </p:extLst>
 </p:presentation>
 </file>
 
@@ -256,7 +263,7 @@
           <a:p>
             <a:fld id="{38523A3D-B8FD-408C-89CB-84E8ADAB88BF}" type="datetimeFigureOut">
               <a:rPr lang="en-GB" smtClean="0"/>
-              <a:t>09/12/2025</a:t>
+              <a:t>17/12/2025</a:t>
             </a:fld>
             <a:endParaRPr lang="en-GB"/>
           </a:p>
@@ -456,7 +463,7 @@
           <a:p>
             <a:fld id="{38523A3D-B8FD-408C-89CB-84E8ADAB88BF}" type="datetimeFigureOut">
               <a:rPr lang="en-GB" smtClean="0"/>
-              <a:t>09/12/2025</a:t>
+              <a:t>17/12/2025</a:t>
             </a:fld>
             <a:endParaRPr lang="en-GB"/>
           </a:p>
@@ -666,7 +673,7 @@
           <a:p>
             <a:fld id="{38523A3D-B8FD-408C-89CB-84E8ADAB88BF}" type="datetimeFigureOut">
               <a:rPr lang="en-GB" smtClean="0"/>
-              <a:t>09/12/2025</a:t>
+              <a:t>17/12/2025</a:t>
             </a:fld>
             <a:endParaRPr lang="en-GB"/>
           </a:p>
@@ -866,7 +873,7 @@
           <a:p>
             <a:fld id="{38523A3D-B8FD-408C-89CB-84E8ADAB88BF}" type="datetimeFigureOut">
               <a:rPr lang="en-GB" smtClean="0"/>
-              <a:t>09/12/2025</a:t>
+              <a:t>17/12/2025</a:t>
             </a:fld>
             <a:endParaRPr lang="en-GB"/>
           </a:p>
@@ -1142,7 +1149,7 @@
           <a:p>
             <a:fld id="{38523A3D-B8FD-408C-89CB-84E8ADAB88BF}" type="datetimeFigureOut">
               <a:rPr lang="en-GB" smtClean="0"/>
-              <a:t>09/12/2025</a:t>
+              <a:t>17/12/2025</a:t>
             </a:fld>
             <a:endParaRPr lang="en-GB"/>
           </a:p>
@@ -1410,7 +1417,7 @@
           <a:p>
             <a:fld id="{38523A3D-B8FD-408C-89CB-84E8ADAB88BF}" type="datetimeFigureOut">
               <a:rPr lang="en-GB" smtClean="0"/>
-              <a:t>09/12/2025</a:t>
+              <a:t>17/12/2025</a:t>
             </a:fld>
             <a:endParaRPr lang="en-GB"/>
           </a:p>
@@ -1825,7 +1832,7 @@
           <a:p>
             <a:fld id="{38523A3D-B8FD-408C-89CB-84E8ADAB88BF}" type="datetimeFigureOut">
               <a:rPr lang="en-GB" smtClean="0"/>
-              <a:t>09/12/2025</a:t>
+              <a:t>17/12/2025</a:t>
             </a:fld>
             <a:endParaRPr lang="en-GB"/>
           </a:p>
@@ -1967,7 +1974,7 @@
           <a:p>
             <a:fld id="{38523A3D-B8FD-408C-89CB-84E8ADAB88BF}" type="datetimeFigureOut">
               <a:rPr lang="en-GB" smtClean="0"/>
-              <a:t>09/12/2025</a:t>
+              <a:t>17/12/2025</a:t>
             </a:fld>
             <a:endParaRPr lang="en-GB"/>
           </a:p>
@@ -2080,7 +2087,7 @@
           <a:p>
             <a:fld id="{38523A3D-B8FD-408C-89CB-84E8ADAB88BF}" type="datetimeFigureOut">
               <a:rPr lang="en-GB" smtClean="0"/>
-              <a:t>09/12/2025</a:t>
+              <a:t>17/12/2025</a:t>
             </a:fld>
             <a:endParaRPr lang="en-GB"/>
           </a:p>
@@ -2393,7 +2400,7 @@
           <a:p>
             <a:fld id="{38523A3D-B8FD-408C-89CB-84E8ADAB88BF}" type="datetimeFigureOut">
               <a:rPr lang="en-GB" smtClean="0"/>
-              <a:t>09/12/2025</a:t>
+              <a:t>17/12/2025</a:t>
             </a:fld>
             <a:endParaRPr lang="en-GB"/>
           </a:p>
@@ -2682,7 +2689,7 @@
           <a:p>
             <a:fld id="{38523A3D-B8FD-408C-89CB-84E8ADAB88BF}" type="datetimeFigureOut">
               <a:rPr lang="en-GB" smtClean="0"/>
-              <a:t>09/12/2025</a:t>
+              <a:t>17/12/2025</a:t>
             </a:fld>
             <a:endParaRPr lang="en-GB"/>
           </a:p>
@@ -2925,7 +2932,7 @@
           <a:p>
             <a:fld id="{38523A3D-B8FD-408C-89CB-84E8ADAB88BF}" type="datetimeFigureOut">
               <a:rPr lang="en-GB" smtClean="0"/>
-              <a:t>09/12/2025</a:t>
+              <a:t>17/12/2025</a:t>
             </a:fld>
             <a:endParaRPr lang="en-GB"/>
           </a:p>
@@ -7379,6 +7386,8891 @@
 </p:sld>
 </file>
 
+<file path=ppt/slides/slide2.xml><?xml version="1.0" encoding="utf-8"?>
+<p:sld xmlns:a="http://schemas.openxmlformats.org/drawingml/2006/main" xmlns:r="http://schemas.openxmlformats.org/officeDocument/2006/relationships" xmlns:p="http://schemas.openxmlformats.org/presentationml/2006/main">
+  <p:cSld>
+    <p:spTree>
+      <p:nvGrpSpPr>
+        <p:cNvPr id="1" name="">
+          <a:extLst>
+            <a:ext uri="{FF2B5EF4-FFF2-40B4-BE49-F238E27FC236}">
+              <a16:creationId xmlns:a16="http://schemas.microsoft.com/office/drawing/2014/main" id="{8D2F5B10-F3FC-AECB-3270-716F898BC2E8}"/>
+            </a:ext>
+          </a:extLst>
+        </p:cNvPr>
+        <p:cNvGrpSpPr/>
+        <p:nvPr/>
+      </p:nvGrpSpPr>
+      <p:grpSpPr>
+        <a:xfrm>
+          <a:off x="0" y="0"/>
+          <a:ext cx="0" cy="0"/>
+          <a:chOff x="0" y="0"/>
+          <a:chExt cx="0" cy="0"/>
+        </a:xfrm>
+      </p:grpSpPr>
+      <p:grpSp>
+        <p:nvGrpSpPr>
+          <p:cNvPr id="10" name="Group 9">
+            <a:extLst>
+              <a:ext uri="{FF2B5EF4-FFF2-40B4-BE49-F238E27FC236}">
+                <a16:creationId xmlns:a16="http://schemas.microsoft.com/office/drawing/2014/main" id="{45D972B4-DEAE-EF39-9EAE-84CA15E843DD}"/>
+              </a:ext>
+            </a:extLst>
+          </p:cNvPr>
+          <p:cNvGrpSpPr/>
+          <p:nvPr/>
+        </p:nvGrpSpPr>
+        <p:grpSpPr>
+          <a:xfrm>
+            <a:off x="1525224" y="466317"/>
+            <a:ext cx="3000599" cy="2655312"/>
+            <a:chOff x="1525224" y="466317"/>
+            <a:chExt cx="3000599" cy="2655312"/>
+          </a:xfrm>
+        </p:grpSpPr>
+        <p:sp>
+          <p:nvSpPr>
+            <p:cNvPr id="19" name="TextBox 18">
+              <a:extLst>
+                <a:ext uri="{FF2B5EF4-FFF2-40B4-BE49-F238E27FC236}">
+                  <a16:creationId xmlns:a16="http://schemas.microsoft.com/office/drawing/2014/main" id="{21F9E68C-0821-F9AE-92FB-99C02A15564E}"/>
+                </a:ext>
+              </a:extLst>
+            </p:cNvPr>
+            <p:cNvSpPr txBox="1"/>
+            <p:nvPr/>
+          </p:nvSpPr>
+          <p:spPr>
+            <a:xfrm>
+              <a:off x="1543419" y="1559056"/>
+              <a:ext cx="242374" cy="1200329"/>
+            </a:xfrm>
+            <a:prstGeom prst="rect">
+              <a:avLst/>
+            </a:prstGeom>
+            <a:noFill/>
+          </p:spPr>
+          <p:txBody>
+            <a:bodyPr wrap="none" rtlCol="0">
+              <a:spAutoFit/>
+            </a:bodyPr>
+            <a:lstStyle/>
+            <a:p>
+              <a:r>
+                <a:rPr lang="en-GB" dirty="0"/>
+                <a:t>.</a:t>
+              </a:r>
+            </a:p>
+            <a:p>
+              <a:r>
+                <a:rPr lang="en-GB" dirty="0"/>
+                <a:t>.</a:t>
+              </a:r>
+            </a:p>
+            <a:p>
+              <a:r>
+                <a:rPr lang="en-GB" dirty="0"/>
+                <a:t>.</a:t>
+              </a:r>
+            </a:p>
+            <a:p>
+              <a:r>
+                <a:rPr lang="en-GB" dirty="0"/>
+                <a:t>.</a:t>
+              </a:r>
+            </a:p>
+          </p:txBody>
+        </p:sp>
+        <p:sp>
+          <p:nvSpPr>
+            <p:cNvPr id="20" name="TextBox 19">
+              <a:extLst>
+                <a:ext uri="{FF2B5EF4-FFF2-40B4-BE49-F238E27FC236}">
+                  <a16:creationId xmlns:a16="http://schemas.microsoft.com/office/drawing/2014/main" id="{C1A5DAEF-9F50-1A9C-F299-00D2CE23BD38}"/>
+                </a:ext>
+              </a:extLst>
+            </p:cNvPr>
+            <p:cNvSpPr txBox="1"/>
+            <p:nvPr/>
+          </p:nvSpPr>
+          <p:spPr>
+            <a:xfrm>
+              <a:off x="2450550" y="1677281"/>
+              <a:ext cx="242374" cy="923330"/>
+            </a:xfrm>
+            <a:prstGeom prst="rect">
+              <a:avLst/>
+            </a:prstGeom>
+            <a:noFill/>
+          </p:spPr>
+          <p:txBody>
+            <a:bodyPr wrap="none" rtlCol="0">
+              <a:spAutoFit/>
+            </a:bodyPr>
+            <a:lstStyle/>
+            <a:p>
+              <a:r>
+                <a:rPr lang="en-GB" dirty="0"/>
+                <a:t>.</a:t>
+              </a:r>
+            </a:p>
+            <a:p>
+              <a:r>
+                <a:rPr lang="en-GB" dirty="0"/>
+                <a:t>.</a:t>
+              </a:r>
+            </a:p>
+            <a:p>
+              <a:r>
+                <a:rPr lang="en-GB" dirty="0"/>
+                <a:t>.</a:t>
+              </a:r>
+            </a:p>
+          </p:txBody>
+        </p:sp>
+        <p:cxnSp>
+          <p:nvCxnSpPr>
+            <p:cNvPr id="108" name="Straight Connector 107">
+              <a:extLst>
+                <a:ext uri="{FF2B5EF4-FFF2-40B4-BE49-F238E27FC236}">
+                  <a16:creationId xmlns:a16="http://schemas.microsoft.com/office/drawing/2014/main" id="{D15A7AE3-9E2E-8B87-8C0F-2BE357A7CE6E}"/>
+                </a:ext>
+              </a:extLst>
+            </p:cNvPr>
+            <p:cNvCxnSpPr>
+              <a:cxnSpLocks/>
+            </p:cNvCxnSpPr>
+            <p:nvPr/>
+          </p:nvCxnSpPr>
+          <p:spPr>
+            <a:xfrm>
+              <a:off x="1651819" y="837708"/>
+              <a:ext cx="926199" cy="141585"/>
+            </a:xfrm>
+            <a:prstGeom prst="line">
+              <a:avLst/>
+            </a:prstGeom>
+          </p:spPr>
+          <p:style>
+            <a:lnRef idx="1">
+              <a:schemeClr val="accent1"/>
+            </a:lnRef>
+            <a:fillRef idx="0">
+              <a:schemeClr val="accent1"/>
+            </a:fillRef>
+            <a:effectRef idx="0">
+              <a:schemeClr val="accent1"/>
+            </a:effectRef>
+            <a:fontRef idx="minor">
+              <a:schemeClr val="tx1"/>
+            </a:fontRef>
+          </p:style>
+        </p:cxnSp>
+        <p:cxnSp>
+          <p:nvCxnSpPr>
+            <p:cNvPr id="111" name="Straight Connector 110">
+              <a:extLst>
+                <a:ext uri="{FF2B5EF4-FFF2-40B4-BE49-F238E27FC236}">
+                  <a16:creationId xmlns:a16="http://schemas.microsoft.com/office/drawing/2014/main" id="{3DBCACAE-3CE4-A0CC-3324-4EC83C160E39}"/>
+                </a:ext>
+              </a:extLst>
+            </p:cNvPr>
+            <p:cNvCxnSpPr>
+              <a:cxnSpLocks/>
+            </p:cNvCxnSpPr>
+            <p:nvPr/>
+          </p:nvCxnSpPr>
+          <p:spPr>
+            <a:xfrm flipV="1">
+              <a:off x="1642834" y="979293"/>
+              <a:ext cx="935184" cy="211813"/>
+            </a:xfrm>
+            <a:prstGeom prst="line">
+              <a:avLst/>
+            </a:prstGeom>
+          </p:spPr>
+          <p:style>
+            <a:lnRef idx="1">
+              <a:schemeClr val="accent1"/>
+            </a:lnRef>
+            <a:fillRef idx="0">
+              <a:schemeClr val="accent1"/>
+            </a:fillRef>
+            <a:effectRef idx="0">
+              <a:schemeClr val="accent1"/>
+            </a:effectRef>
+            <a:fontRef idx="minor">
+              <a:schemeClr val="tx1"/>
+            </a:fontRef>
+          </p:style>
+        </p:cxnSp>
+        <p:cxnSp>
+          <p:nvCxnSpPr>
+            <p:cNvPr id="113" name="Straight Connector 112">
+              <a:extLst>
+                <a:ext uri="{FF2B5EF4-FFF2-40B4-BE49-F238E27FC236}">
+                  <a16:creationId xmlns:a16="http://schemas.microsoft.com/office/drawing/2014/main" id="{B9B67CCB-7BA4-5D5C-A9FB-8780A28E907F}"/>
+                </a:ext>
+              </a:extLst>
+            </p:cNvPr>
+            <p:cNvCxnSpPr>
+              <a:cxnSpLocks/>
+            </p:cNvCxnSpPr>
+            <p:nvPr/>
+          </p:nvCxnSpPr>
+          <p:spPr>
+            <a:xfrm flipV="1">
+              <a:off x="1669517" y="985192"/>
+              <a:ext cx="908501" cy="525043"/>
+            </a:xfrm>
+            <a:prstGeom prst="line">
+              <a:avLst/>
+            </a:prstGeom>
+          </p:spPr>
+          <p:style>
+            <a:lnRef idx="1">
+              <a:schemeClr val="accent1"/>
+            </a:lnRef>
+            <a:fillRef idx="0">
+              <a:schemeClr val="accent1"/>
+            </a:fillRef>
+            <a:effectRef idx="0">
+              <a:schemeClr val="accent1"/>
+            </a:effectRef>
+            <a:fontRef idx="minor">
+              <a:schemeClr val="tx1"/>
+            </a:fontRef>
+          </p:style>
+        </p:cxnSp>
+        <p:cxnSp>
+          <p:nvCxnSpPr>
+            <p:cNvPr id="116" name="Straight Connector 115">
+              <a:extLst>
+                <a:ext uri="{FF2B5EF4-FFF2-40B4-BE49-F238E27FC236}">
+                  <a16:creationId xmlns:a16="http://schemas.microsoft.com/office/drawing/2014/main" id="{4C247128-75B3-EDB5-BB68-44968B0E2D96}"/>
+                </a:ext>
+              </a:extLst>
+            </p:cNvPr>
+            <p:cNvCxnSpPr>
+              <a:cxnSpLocks/>
+            </p:cNvCxnSpPr>
+            <p:nvPr/>
+          </p:nvCxnSpPr>
+          <p:spPr>
+            <a:xfrm flipV="1">
+              <a:off x="1646093" y="985192"/>
+              <a:ext cx="920126" cy="1922566"/>
+            </a:xfrm>
+            <a:prstGeom prst="line">
+              <a:avLst/>
+            </a:prstGeom>
+          </p:spPr>
+          <p:style>
+            <a:lnRef idx="1">
+              <a:schemeClr val="accent1"/>
+            </a:lnRef>
+            <a:fillRef idx="0">
+              <a:schemeClr val="accent1"/>
+            </a:fillRef>
+            <a:effectRef idx="0">
+              <a:schemeClr val="accent1"/>
+            </a:effectRef>
+            <a:fontRef idx="minor">
+              <a:schemeClr val="tx1"/>
+            </a:fontRef>
+          </p:style>
+        </p:cxnSp>
+        <p:cxnSp>
+          <p:nvCxnSpPr>
+            <p:cNvPr id="119" name="Straight Connector 118">
+              <a:extLst>
+                <a:ext uri="{FF2B5EF4-FFF2-40B4-BE49-F238E27FC236}">
+                  <a16:creationId xmlns:a16="http://schemas.microsoft.com/office/drawing/2014/main" id="{77D4DB52-3B81-3FCD-9A96-DCE82A3AD4EE}"/>
+                </a:ext>
+              </a:extLst>
+            </p:cNvPr>
+            <p:cNvCxnSpPr>
+              <a:cxnSpLocks/>
+            </p:cNvCxnSpPr>
+            <p:nvPr/>
+          </p:nvCxnSpPr>
+          <p:spPr>
+            <a:xfrm>
+              <a:off x="1653447" y="1193893"/>
+              <a:ext cx="912772" cy="127562"/>
+            </a:xfrm>
+            <a:prstGeom prst="line">
+              <a:avLst/>
+            </a:prstGeom>
+          </p:spPr>
+          <p:style>
+            <a:lnRef idx="1">
+              <a:schemeClr val="dk1"/>
+            </a:lnRef>
+            <a:fillRef idx="0">
+              <a:schemeClr val="dk1"/>
+            </a:fillRef>
+            <a:effectRef idx="0">
+              <a:schemeClr val="dk1"/>
+            </a:effectRef>
+            <a:fontRef idx="minor">
+              <a:schemeClr val="tx1"/>
+            </a:fontRef>
+          </p:style>
+        </p:cxnSp>
+        <p:cxnSp>
+          <p:nvCxnSpPr>
+            <p:cNvPr id="121" name="Straight Connector 120">
+              <a:extLst>
+                <a:ext uri="{FF2B5EF4-FFF2-40B4-BE49-F238E27FC236}">
+                  <a16:creationId xmlns:a16="http://schemas.microsoft.com/office/drawing/2014/main" id="{3DF94CC7-1AF2-4707-9B0A-BE183540630C}"/>
+                </a:ext>
+              </a:extLst>
+            </p:cNvPr>
+            <p:cNvCxnSpPr>
+              <a:cxnSpLocks/>
+            </p:cNvCxnSpPr>
+            <p:nvPr/>
+          </p:nvCxnSpPr>
+          <p:spPr>
+            <a:xfrm>
+              <a:off x="1669517" y="839033"/>
+              <a:ext cx="920300" cy="494221"/>
+            </a:xfrm>
+            <a:prstGeom prst="line">
+              <a:avLst/>
+            </a:prstGeom>
+          </p:spPr>
+          <p:style>
+            <a:lnRef idx="1">
+              <a:schemeClr val="dk1"/>
+            </a:lnRef>
+            <a:fillRef idx="0">
+              <a:schemeClr val="dk1"/>
+            </a:fillRef>
+            <a:effectRef idx="0">
+              <a:schemeClr val="dk1"/>
+            </a:effectRef>
+            <a:fontRef idx="minor">
+              <a:schemeClr val="tx1"/>
+            </a:fontRef>
+          </p:style>
+        </p:cxnSp>
+        <p:cxnSp>
+          <p:nvCxnSpPr>
+            <p:cNvPr id="123" name="Straight Connector 122">
+              <a:extLst>
+                <a:ext uri="{FF2B5EF4-FFF2-40B4-BE49-F238E27FC236}">
+                  <a16:creationId xmlns:a16="http://schemas.microsoft.com/office/drawing/2014/main" id="{3E871E22-BAB4-DB14-2D3D-CBBA2EEAC8D1}"/>
+                </a:ext>
+              </a:extLst>
+            </p:cNvPr>
+            <p:cNvCxnSpPr>
+              <a:cxnSpLocks/>
+            </p:cNvCxnSpPr>
+            <p:nvPr/>
+          </p:nvCxnSpPr>
+          <p:spPr>
+            <a:xfrm>
+              <a:off x="1657306" y="837708"/>
+              <a:ext cx="932511" cy="831809"/>
+            </a:xfrm>
+            <a:prstGeom prst="line">
+              <a:avLst/>
+            </a:prstGeom>
+          </p:spPr>
+          <p:style>
+            <a:lnRef idx="1">
+              <a:schemeClr val="dk1"/>
+            </a:lnRef>
+            <a:fillRef idx="0">
+              <a:schemeClr val="dk1"/>
+            </a:fillRef>
+            <a:effectRef idx="0">
+              <a:schemeClr val="dk1"/>
+            </a:effectRef>
+            <a:fontRef idx="minor">
+              <a:schemeClr val="tx1"/>
+            </a:fontRef>
+          </p:style>
+        </p:cxnSp>
+        <p:cxnSp>
+          <p:nvCxnSpPr>
+            <p:cNvPr id="125" name="Straight Connector 124">
+              <a:extLst>
+                <a:ext uri="{FF2B5EF4-FFF2-40B4-BE49-F238E27FC236}">
+                  <a16:creationId xmlns:a16="http://schemas.microsoft.com/office/drawing/2014/main" id="{A16A0660-06E9-3E6F-13D0-488FF8CC2E93}"/>
+                </a:ext>
+              </a:extLst>
+            </p:cNvPr>
+            <p:cNvCxnSpPr>
+              <a:cxnSpLocks/>
+            </p:cNvCxnSpPr>
+            <p:nvPr/>
+          </p:nvCxnSpPr>
+          <p:spPr>
+            <a:xfrm>
+              <a:off x="1655939" y="831760"/>
+              <a:ext cx="922079" cy="1976333"/>
+            </a:xfrm>
+            <a:prstGeom prst="line">
+              <a:avLst/>
+            </a:prstGeom>
+          </p:spPr>
+          <p:style>
+            <a:lnRef idx="1">
+              <a:schemeClr val="dk1"/>
+            </a:lnRef>
+            <a:fillRef idx="0">
+              <a:schemeClr val="dk1"/>
+            </a:fillRef>
+            <a:effectRef idx="0">
+              <a:schemeClr val="dk1"/>
+            </a:effectRef>
+            <a:fontRef idx="minor">
+              <a:schemeClr val="tx1"/>
+            </a:fontRef>
+          </p:style>
+        </p:cxnSp>
+        <p:cxnSp>
+          <p:nvCxnSpPr>
+            <p:cNvPr id="127" name="Straight Connector 126">
+              <a:extLst>
+                <a:ext uri="{FF2B5EF4-FFF2-40B4-BE49-F238E27FC236}">
+                  <a16:creationId xmlns:a16="http://schemas.microsoft.com/office/drawing/2014/main" id="{7E728B63-5B32-71A8-FFD9-6F8D180D5499}"/>
+                </a:ext>
+              </a:extLst>
+            </p:cNvPr>
+            <p:cNvCxnSpPr>
+              <a:cxnSpLocks/>
+            </p:cNvCxnSpPr>
+            <p:nvPr/>
+          </p:nvCxnSpPr>
+          <p:spPr>
+            <a:xfrm>
+              <a:off x="1661364" y="1197005"/>
+              <a:ext cx="928453" cy="454814"/>
+            </a:xfrm>
+            <a:prstGeom prst="line">
+              <a:avLst/>
+            </a:prstGeom>
+          </p:spPr>
+          <p:style>
+            <a:lnRef idx="1">
+              <a:schemeClr val="dk1"/>
+            </a:lnRef>
+            <a:fillRef idx="0">
+              <a:schemeClr val="dk1"/>
+            </a:fillRef>
+            <a:effectRef idx="0">
+              <a:schemeClr val="dk1"/>
+            </a:effectRef>
+            <a:fontRef idx="minor">
+              <a:schemeClr val="tx1"/>
+            </a:fontRef>
+          </p:style>
+        </p:cxnSp>
+        <p:cxnSp>
+          <p:nvCxnSpPr>
+            <p:cNvPr id="129" name="Straight Connector 128">
+              <a:extLst>
+                <a:ext uri="{FF2B5EF4-FFF2-40B4-BE49-F238E27FC236}">
+                  <a16:creationId xmlns:a16="http://schemas.microsoft.com/office/drawing/2014/main" id="{2C00C82B-BAC4-76E4-EA60-B6024F9DF724}"/>
+                </a:ext>
+              </a:extLst>
+            </p:cNvPr>
+            <p:cNvCxnSpPr>
+              <a:cxnSpLocks/>
+            </p:cNvCxnSpPr>
+            <p:nvPr/>
+          </p:nvCxnSpPr>
+          <p:spPr>
+            <a:xfrm>
+              <a:off x="1664692" y="1207389"/>
+              <a:ext cx="925125" cy="1624301"/>
+            </a:xfrm>
+            <a:prstGeom prst="line">
+              <a:avLst/>
+            </a:prstGeom>
+          </p:spPr>
+          <p:style>
+            <a:lnRef idx="1">
+              <a:schemeClr val="dk1"/>
+            </a:lnRef>
+            <a:fillRef idx="0">
+              <a:schemeClr val="dk1"/>
+            </a:fillRef>
+            <a:effectRef idx="0">
+              <a:schemeClr val="dk1"/>
+            </a:effectRef>
+            <a:fontRef idx="minor">
+              <a:schemeClr val="tx1"/>
+            </a:fontRef>
+          </p:style>
+        </p:cxnSp>
+        <p:cxnSp>
+          <p:nvCxnSpPr>
+            <p:cNvPr id="131" name="Straight Connector 130">
+              <a:extLst>
+                <a:ext uri="{FF2B5EF4-FFF2-40B4-BE49-F238E27FC236}">
+                  <a16:creationId xmlns:a16="http://schemas.microsoft.com/office/drawing/2014/main" id="{4A2A0DE5-C920-A849-5FEC-A80861E87013}"/>
+                </a:ext>
+              </a:extLst>
+            </p:cNvPr>
+            <p:cNvCxnSpPr>
+              <a:cxnSpLocks/>
+            </p:cNvCxnSpPr>
+            <p:nvPr/>
+          </p:nvCxnSpPr>
+          <p:spPr>
+            <a:xfrm flipV="1">
+              <a:off x="1672631" y="1327355"/>
+              <a:ext cx="917186" cy="180377"/>
+            </a:xfrm>
+            <a:prstGeom prst="line">
+              <a:avLst/>
+            </a:prstGeom>
+          </p:spPr>
+          <p:style>
+            <a:lnRef idx="1">
+              <a:schemeClr val="dk1"/>
+            </a:lnRef>
+            <a:fillRef idx="0">
+              <a:schemeClr val="dk1"/>
+            </a:fillRef>
+            <a:effectRef idx="0">
+              <a:schemeClr val="dk1"/>
+            </a:effectRef>
+            <a:fontRef idx="minor">
+              <a:schemeClr val="tx1"/>
+            </a:fontRef>
+          </p:style>
+        </p:cxnSp>
+        <p:cxnSp>
+          <p:nvCxnSpPr>
+            <p:cNvPr id="133" name="Straight Connector 132">
+              <a:extLst>
+                <a:ext uri="{FF2B5EF4-FFF2-40B4-BE49-F238E27FC236}">
+                  <a16:creationId xmlns:a16="http://schemas.microsoft.com/office/drawing/2014/main" id="{448EF0E3-B108-90B8-F39A-75581DD7CBB2}"/>
+                </a:ext>
+              </a:extLst>
+            </p:cNvPr>
+            <p:cNvCxnSpPr>
+              <a:cxnSpLocks/>
+            </p:cNvCxnSpPr>
+            <p:nvPr/>
+          </p:nvCxnSpPr>
+          <p:spPr>
+            <a:xfrm>
+              <a:off x="1683687" y="1512902"/>
+              <a:ext cx="906130" cy="127119"/>
+            </a:xfrm>
+            <a:prstGeom prst="line">
+              <a:avLst/>
+            </a:prstGeom>
+          </p:spPr>
+          <p:style>
+            <a:lnRef idx="1">
+              <a:schemeClr val="dk1"/>
+            </a:lnRef>
+            <a:fillRef idx="0">
+              <a:schemeClr val="dk1"/>
+            </a:fillRef>
+            <a:effectRef idx="0">
+              <a:schemeClr val="dk1"/>
+            </a:effectRef>
+            <a:fontRef idx="minor">
+              <a:schemeClr val="tx1"/>
+            </a:fontRef>
+          </p:style>
+        </p:cxnSp>
+        <p:cxnSp>
+          <p:nvCxnSpPr>
+            <p:cNvPr id="135" name="Straight Connector 134">
+              <a:extLst>
+                <a:ext uri="{FF2B5EF4-FFF2-40B4-BE49-F238E27FC236}">
+                  <a16:creationId xmlns:a16="http://schemas.microsoft.com/office/drawing/2014/main" id="{AE383A32-52C3-5135-155C-2C2002BB997F}"/>
+                </a:ext>
+              </a:extLst>
+            </p:cNvPr>
+            <p:cNvCxnSpPr>
+              <a:cxnSpLocks/>
+            </p:cNvCxnSpPr>
+            <p:nvPr/>
+          </p:nvCxnSpPr>
+          <p:spPr>
+            <a:xfrm>
+              <a:off x="1683687" y="1527874"/>
+              <a:ext cx="912029" cy="1297917"/>
+            </a:xfrm>
+            <a:prstGeom prst="line">
+              <a:avLst/>
+            </a:prstGeom>
+          </p:spPr>
+          <p:style>
+            <a:lnRef idx="1">
+              <a:schemeClr val="dk1"/>
+            </a:lnRef>
+            <a:fillRef idx="0">
+              <a:schemeClr val="dk1"/>
+            </a:fillRef>
+            <a:effectRef idx="0">
+              <a:schemeClr val="dk1"/>
+            </a:effectRef>
+            <a:fontRef idx="minor">
+              <a:schemeClr val="tx1"/>
+            </a:fontRef>
+          </p:style>
+        </p:cxnSp>
+        <p:cxnSp>
+          <p:nvCxnSpPr>
+            <p:cNvPr id="137" name="Straight Connector 136">
+              <a:extLst>
+                <a:ext uri="{FF2B5EF4-FFF2-40B4-BE49-F238E27FC236}">
+                  <a16:creationId xmlns:a16="http://schemas.microsoft.com/office/drawing/2014/main" id="{0FA7A118-1B4A-2BE0-79C6-B02BAA84FE2D}"/>
+                </a:ext>
+              </a:extLst>
+            </p:cNvPr>
+            <p:cNvCxnSpPr>
+              <a:cxnSpLocks/>
+            </p:cNvCxnSpPr>
+            <p:nvPr/>
+          </p:nvCxnSpPr>
+          <p:spPr>
+            <a:xfrm flipV="1">
+              <a:off x="1654190" y="2819892"/>
+              <a:ext cx="935627" cy="74259"/>
+            </a:xfrm>
+            <a:prstGeom prst="line">
+              <a:avLst/>
+            </a:prstGeom>
+          </p:spPr>
+          <p:style>
+            <a:lnRef idx="1">
+              <a:schemeClr val="dk1"/>
+            </a:lnRef>
+            <a:fillRef idx="0">
+              <a:schemeClr val="dk1"/>
+            </a:fillRef>
+            <a:effectRef idx="0">
+              <a:schemeClr val="dk1"/>
+            </a:effectRef>
+            <a:fontRef idx="minor">
+              <a:schemeClr val="tx1"/>
+            </a:fontRef>
+          </p:style>
+        </p:cxnSp>
+        <p:cxnSp>
+          <p:nvCxnSpPr>
+            <p:cNvPr id="139" name="Straight Connector 138">
+              <a:extLst>
+                <a:ext uri="{FF2B5EF4-FFF2-40B4-BE49-F238E27FC236}">
+                  <a16:creationId xmlns:a16="http://schemas.microsoft.com/office/drawing/2014/main" id="{E3499D4E-8CE7-E694-0F52-83AC2F19D179}"/>
+                </a:ext>
+              </a:extLst>
+            </p:cNvPr>
+            <p:cNvCxnSpPr>
+              <a:cxnSpLocks/>
+            </p:cNvCxnSpPr>
+            <p:nvPr/>
+          </p:nvCxnSpPr>
+          <p:spPr>
+            <a:xfrm flipV="1">
+              <a:off x="1660371" y="1321455"/>
+              <a:ext cx="923546" cy="1557883"/>
+            </a:xfrm>
+            <a:prstGeom prst="line">
+              <a:avLst/>
+            </a:prstGeom>
+          </p:spPr>
+          <p:style>
+            <a:lnRef idx="1">
+              <a:schemeClr val="dk1"/>
+            </a:lnRef>
+            <a:fillRef idx="0">
+              <a:schemeClr val="dk1"/>
+            </a:fillRef>
+            <a:effectRef idx="0">
+              <a:schemeClr val="dk1"/>
+            </a:effectRef>
+            <a:fontRef idx="minor">
+              <a:schemeClr val="tx1"/>
+            </a:fontRef>
+          </p:style>
+        </p:cxnSp>
+        <p:cxnSp>
+          <p:nvCxnSpPr>
+            <p:cNvPr id="141" name="Straight Connector 140">
+              <a:extLst>
+                <a:ext uri="{FF2B5EF4-FFF2-40B4-BE49-F238E27FC236}">
+                  <a16:creationId xmlns:a16="http://schemas.microsoft.com/office/drawing/2014/main" id="{3DC7A515-E9DC-D457-28BD-C19A1C498561}"/>
+                </a:ext>
+              </a:extLst>
+            </p:cNvPr>
+            <p:cNvCxnSpPr>
+              <a:cxnSpLocks/>
+            </p:cNvCxnSpPr>
+            <p:nvPr/>
+          </p:nvCxnSpPr>
+          <p:spPr>
+            <a:xfrm flipV="1">
+              <a:off x="1653335" y="1645920"/>
+              <a:ext cx="930582" cy="1240230"/>
+            </a:xfrm>
+            <a:prstGeom prst="line">
+              <a:avLst/>
+            </a:prstGeom>
+          </p:spPr>
+          <p:style>
+            <a:lnRef idx="1">
+              <a:schemeClr val="dk1"/>
+            </a:lnRef>
+            <a:fillRef idx="0">
+              <a:schemeClr val="dk1"/>
+            </a:fillRef>
+            <a:effectRef idx="0">
+              <a:schemeClr val="dk1"/>
+            </a:effectRef>
+            <a:fontRef idx="minor">
+              <a:schemeClr val="tx1"/>
+            </a:fontRef>
+          </p:style>
+        </p:cxnSp>
+        <p:cxnSp>
+          <p:nvCxnSpPr>
+            <p:cNvPr id="143" name="Straight Connector 142">
+              <a:extLst>
+                <a:ext uri="{FF2B5EF4-FFF2-40B4-BE49-F238E27FC236}">
+                  <a16:creationId xmlns:a16="http://schemas.microsoft.com/office/drawing/2014/main" id="{39DD3B56-962B-41FA-4412-802F27A06B6D}"/>
+                </a:ext>
+              </a:extLst>
+            </p:cNvPr>
+            <p:cNvCxnSpPr>
+              <a:cxnSpLocks/>
+            </p:cNvCxnSpPr>
+            <p:nvPr/>
+          </p:nvCxnSpPr>
+          <p:spPr>
+            <a:xfrm flipV="1">
+              <a:off x="2573573" y="967494"/>
+              <a:ext cx="824455" cy="21498"/>
+            </a:xfrm>
+            <a:prstGeom prst="line">
+              <a:avLst/>
+            </a:prstGeom>
+          </p:spPr>
+          <p:style>
+            <a:lnRef idx="1">
+              <a:schemeClr val="dk1"/>
+            </a:lnRef>
+            <a:fillRef idx="0">
+              <a:schemeClr val="dk1"/>
+            </a:fillRef>
+            <a:effectRef idx="0">
+              <a:schemeClr val="dk1"/>
+            </a:effectRef>
+            <a:fontRef idx="minor">
+              <a:schemeClr val="tx1"/>
+            </a:fontRef>
+          </p:style>
+        </p:cxnSp>
+        <p:cxnSp>
+          <p:nvCxnSpPr>
+            <p:cNvPr id="145" name="Straight Connector 144">
+              <a:extLst>
+                <a:ext uri="{FF2B5EF4-FFF2-40B4-BE49-F238E27FC236}">
+                  <a16:creationId xmlns:a16="http://schemas.microsoft.com/office/drawing/2014/main" id="{E25FD4EB-849F-2543-FD66-5D5EBF22344C}"/>
+                </a:ext>
+              </a:extLst>
+            </p:cNvPr>
+            <p:cNvCxnSpPr>
+              <a:cxnSpLocks/>
+            </p:cNvCxnSpPr>
+            <p:nvPr/>
+          </p:nvCxnSpPr>
+          <p:spPr>
+            <a:xfrm>
+              <a:off x="2560140" y="966474"/>
+              <a:ext cx="855586" cy="366780"/>
+            </a:xfrm>
+            <a:prstGeom prst="line">
+              <a:avLst/>
+            </a:prstGeom>
+          </p:spPr>
+          <p:style>
+            <a:lnRef idx="1">
+              <a:schemeClr val="dk1"/>
+            </a:lnRef>
+            <a:fillRef idx="0">
+              <a:schemeClr val="dk1"/>
+            </a:fillRef>
+            <a:effectRef idx="0">
+              <a:schemeClr val="dk1"/>
+            </a:effectRef>
+            <a:fontRef idx="minor">
+              <a:schemeClr val="tx1"/>
+            </a:fontRef>
+          </p:style>
+        </p:cxnSp>
+        <p:cxnSp>
+          <p:nvCxnSpPr>
+            <p:cNvPr id="148" name="Straight Connector 147">
+              <a:extLst>
+                <a:ext uri="{FF2B5EF4-FFF2-40B4-BE49-F238E27FC236}">
+                  <a16:creationId xmlns:a16="http://schemas.microsoft.com/office/drawing/2014/main" id="{6D110BA4-93E8-83C4-D513-D205772F513A}"/>
+                </a:ext>
+              </a:extLst>
+            </p:cNvPr>
+            <p:cNvCxnSpPr>
+              <a:cxnSpLocks/>
+            </p:cNvCxnSpPr>
+            <p:nvPr/>
+          </p:nvCxnSpPr>
+          <p:spPr>
+            <a:xfrm>
+              <a:off x="2574310" y="966200"/>
+              <a:ext cx="835517" cy="691519"/>
+            </a:xfrm>
+            <a:prstGeom prst="line">
+              <a:avLst/>
+            </a:prstGeom>
+          </p:spPr>
+          <p:style>
+            <a:lnRef idx="1">
+              <a:schemeClr val="dk1"/>
+            </a:lnRef>
+            <a:fillRef idx="0">
+              <a:schemeClr val="dk1"/>
+            </a:fillRef>
+            <a:effectRef idx="0">
+              <a:schemeClr val="dk1"/>
+            </a:effectRef>
+            <a:fontRef idx="minor">
+              <a:schemeClr val="tx1"/>
+            </a:fontRef>
+          </p:style>
+        </p:cxnSp>
+        <p:cxnSp>
+          <p:nvCxnSpPr>
+            <p:cNvPr id="150" name="Straight Connector 149">
+              <a:extLst>
+                <a:ext uri="{FF2B5EF4-FFF2-40B4-BE49-F238E27FC236}">
+                  <a16:creationId xmlns:a16="http://schemas.microsoft.com/office/drawing/2014/main" id="{261B75C9-EEFF-B58D-424C-4BE04B7C9F00}"/>
+                </a:ext>
+              </a:extLst>
+            </p:cNvPr>
+            <p:cNvCxnSpPr>
+              <a:cxnSpLocks/>
+            </p:cNvCxnSpPr>
+            <p:nvPr/>
+          </p:nvCxnSpPr>
+          <p:spPr>
+            <a:xfrm>
+              <a:off x="2554543" y="959388"/>
+              <a:ext cx="867083" cy="1860504"/>
+            </a:xfrm>
+            <a:prstGeom prst="line">
+              <a:avLst/>
+            </a:prstGeom>
+          </p:spPr>
+          <p:style>
+            <a:lnRef idx="1">
+              <a:schemeClr val="dk1"/>
+            </a:lnRef>
+            <a:fillRef idx="0">
+              <a:schemeClr val="dk1"/>
+            </a:fillRef>
+            <a:effectRef idx="0">
+              <a:schemeClr val="dk1"/>
+            </a:effectRef>
+            <a:fontRef idx="minor">
+              <a:schemeClr val="tx1"/>
+            </a:fontRef>
+          </p:style>
+        </p:cxnSp>
+        <p:cxnSp>
+          <p:nvCxnSpPr>
+            <p:cNvPr id="152" name="Straight Connector 151">
+              <a:extLst>
+                <a:ext uri="{FF2B5EF4-FFF2-40B4-BE49-F238E27FC236}">
+                  <a16:creationId xmlns:a16="http://schemas.microsoft.com/office/drawing/2014/main" id="{426CEA59-C892-1C5B-7023-3798851C2C7E}"/>
+                </a:ext>
+              </a:extLst>
+            </p:cNvPr>
+            <p:cNvCxnSpPr>
+              <a:cxnSpLocks/>
+            </p:cNvCxnSpPr>
+            <p:nvPr/>
+          </p:nvCxnSpPr>
+          <p:spPr>
+            <a:xfrm flipV="1">
+              <a:off x="2549323" y="973394"/>
+              <a:ext cx="848705" cy="339585"/>
+            </a:xfrm>
+            <a:prstGeom prst="line">
+              <a:avLst/>
+            </a:prstGeom>
+          </p:spPr>
+          <p:style>
+            <a:lnRef idx="1">
+              <a:schemeClr val="dk1"/>
+            </a:lnRef>
+            <a:fillRef idx="0">
+              <a:schemeClr val="dk1"/>
+            </a:fillRef>
+            <a:effectRef idx="0">
+              <a:schemeClr val="dk1"/>
+            </a:effectRef>
+            <a:fontRef idx="minor">
+              <a:schemeClr val="tx1"/>
+            </a:fontRef>
+          </p:style>
+        </p:cxnSp>
+        <p:cxnSp>
+          <p:nvCxnSpPr>
+            <p:cNvPr id="154" name="Straight Connector 153">
+              <a:extLst>
+                <a:ext uri="{FF2B5EF4-FFF2-40B4-BE49-F238E27FC236}">
+                  <a16:creationId xmlns:a16="http://schemas.microsoft.com/office/drawing/2014/main" id="{3A31E076-3D89-9954-525B-09484D186A98}"/>
+                </a:ext>
+              </a:extLst>
+            </p:cNvPr>
+            <p:cNvCxnSpPr>
+              <a:cxnSpLocks/>
+            </p:cNvCxnSpPr>
+            <p:nvPr/>
+          </p:nvCxnSpPr>
+          <p:spPr>
+            <a:xfrm>
+              <a:off x="2578242" y="1330783"/>
+              <a:ext cx="861082" cy="14270"/>
+            </a:xfrm>
+            <a:prstGeom prst="line">
+              <a:avLst/>
+            </a:prstGeom>
+          </p:spPr>
+          <p:style>
+            <a:lnRef idx="1">
+              <a:schemeClr val="dk1"/>
+            </a:lnRef>
+            <a:fillRef idx="0">
+              <a:schemeClr val="dk1"/>
+            </a:fillRef>
+            <a:effectRef idx="0">
+              <a:schemeClr val="dk1"/>
+            </a:effectRef>
+            <a:fontRef idx="minor">
+              <a:schemeClr val="tx1"/>
+            </a:fontRef>
+          </p:style>
+        </p:cxnSp>
+        <p:cxnSp>
+          <p:nvCxnSpPr>
+            <p:cNvPr id="156" name="Straight Connector 155">
+              <a:extLst>
+                <a:ext uri="{FF2B5EF4-FFF2-40B4-BE49-F238E27FC236}">
+                  <a16:creationId xmlns:a16="http://schemas.microsoft.com/office/drawing/2014/main" id="{91C4A4A0-C402-B5E0-676D-24C8D949D79A}"/>
+                </a:ext>
+              </a:extLst>
+            </p:cNvPr>
+            <p:cNvCxnSpPr>
+              <a:cxnSpLocks/>
+            </p:cNvCxnSpPr>
+            <p:nvPr/>
+          </p:nvCxnSpPr>
+          <p:spPr>
+            <a:xfrm>
+              <a:off x="2592008" y="1319723"/>
+              <a:ext cx="817819" cy="343895"/>
+            </a:xfrm>
+            <a:prstGeom prst="line">
+              <a:avLst/>
+            </a:prstGeom>
+          </p:spPr>
+          <p:style>
+            <a:lnRef idx="1">
+              <a:schemeClr val="dk1"/>
+            </a:lnRef>
+            <a:fillRef idx="0">
+              <a:schemeClr val="dk1"/>
+            </a:fillRef>
+            <a:effectRef idx="0">
+              <a:schemeClr val="dk1"/>
+            </a:effectRef>
+            <a:fontRef idx="minor">
+              <a:schemeClr val="tx1"/>
+            </a:fontRef>
+          </p:style>
+        </p:cxnSp>
+        <p:cxnSp>
+          <p:nvCxnSpPr>
+            <p:cNvPr id="158" name="Straight Connector 157">
+              <a:extLst>
+                <a:ext uri="{FF2B5EF4-FFF2-40B4-BE49-F238E27FC236}">
+                  <a16:creationId xmlns:a16="http://schemas.microsoft.com/office/drawing/2014/main" id="{8EBF0DCE-14A4-21BA-43B7-5D78BBDEADAC}"/>
+                </a:ext>
+              </a:extLst>
+            </p:cNvPr>
+            <p:cNvCxnSpPr>
+              <a:cxnSpLocks/>
+            </p:cNvCxnSpPr>
+            <p:nvPr/>
+          </p:nvCxnSpPr>
+          <p:spPr>
+            <a:xfrm>
+              <a:off x="2568410" y="1306059"/>
+              <a:ext cx="870914" cy="1537430"/>
+            </a:xfrm>
+            <a:prstGeom prst="line">
+              <a:avLst/>
+            </a:prstGeom>
+          </p:spPr>
+          <p:style>
+            <a:lnRef idx="1">
+              <a:schemeClr val="dk1"/>
+            </a:lnRef>
+            <a:fillRef idx="0">
+              <a:schemeClr val="dk1"/>
+            </a:fillRef>
+            <a:effectRef idx="0">
+              <a:schemeClr val="dk1"/>
+            </a:effectRef>
+            <a:fontRef idx="minor">
+              <a:schemeClr val="tx1"/>
+            </a:fontRef>
+          </p:style>
+        </p:cxnSp>
+        <p:cxnSp>
+          <p:nvCxnSpPr>
+            <p:cNvPr id="160" name="Straight Connector 159">
+              <a:extLst>
+                <a:ext uri="{FF2B5EF4-FFF2-40B4-BE49-F238E27FC236}">
+                  <a16:creationId xmlns:a16="http://schemas.microsoft.com/office/drawing/2014/main" id="{A58EBD38-2A53-1783-4992-7197153B0D38}"/>
+                </a:ext>
+              </a:extLst>
+            </p:cNvPr>
+            <p:cNvCxnSpPr>
+              <a:cxnSpLocks/>
+            </p:cNvCxnSpPr>
+            <p:nvPr/>
+          </p:nvCxnSpPr>
+          <p:spPr>
+            <a:xfrm flipV="1">
+              <a:off x="2580209" y="979293"/>
+              <a:ext cx="823719" cy="672526"/>
+            </a:xfrm>
+            <a:prstGeom prst="line">
+              <a:avLst/>
+            </a:prstGeom>
+          </p:spPr>
+          <p:style>
+            <a:lnRef idx="1">
+              <a:schemeClr val="dk1"/>
+            </a:lnRef>
+            <a:fillRef idx="0">
+              <a:schemeClr val="dk1"/>
+            </a:fillRef>
+            <a:effectRef idx="0">
+              <a:schemeClr val="dk1"/>
+            </a:effectRef>
+            <a:fontRef idx="minor">
+              <a:schemeClr val="tx1"/>
+            </a:fontRef>
+          </p:style>
+        </p:cxnSp>
+        <p:cxnSp>
+          <p:nvCxnSpPr>
+            <p:cNvPr id="162" name="Straight Connector 161">
+              <a:extLst>
+                <a:ext uri="{FF2B5EF4-FFF2-40B4-BE49-F238E27FC236}">
+                  <a16:creationId xmlns:a16="http://schemas.microsoft.com/office/drawing/2014/main" id="{2ACD3104-574A-9848-E449-A5BCDEA42100}"/>
+                </a:ext>
+              </a:extLst>
+            </p:cNvPr>
+            <p:cNvCxnSpPr>
+              <a:cxnSpLocks/>
+            </p:cNvCxnSpPr>
+            <p:nvPr/>
+          </p:nvCxnSpPr>
+          <p:spPr>
+            <a:xfrm flipV="1">
+              <a:off x="2585016" y="1339154"/>
+              <a:ext cx="824811" cy="327637"/>
+            </a:xfrm>
+            <a:prstGeom prst="line">
+              <a:avLst/>
+            </a:prstGeom>
+          </p:spPr>
+          <p:style>
+            <a:lnRef idx="1">
+              <a:schemeClr val="dk1"/>
+            </a:lnRef>
+            <a:fillRef idx="0">
+              <a:schemeClr val="dk1"/>
+            </a:fillRef>
+            <a:effectRef idx="0">
+              <a:schemeClr val="dk1"/>
+            </a:effectRef>
+            <a:fontRef idx="minor">
+              <a:schemeClr val="tx1"/>
+            </a:fontRef>
+          </p:style>
+        </p:cxnSp>
+        <p:cxnSp>
+          <p:nvCxnSpPr>
+            <p:cNvPr id="165" name="Straight Connector 164">
+              <a:extLst>
+                <a:ext uri="{FF2B5EF4-FFF2-40B4-BE49-F238E27FC236}">
+                  <a16:creationId xmlns:a16="http://schemas.microsoft.com/office/drawing/2014/main" id="{2C56F781-CEE5-6CE1-2590-948561D3B704}"/>
+                </a:ext>
+              </a:extLst>
+            </p:cNvPr>
+            <p:cNvCxnSpPr>
+              <a:cxnSpLocks/>
+            </p:cNvCxnSpPr>
+            <p:nvPr/>
+          </p:nvCxnSpPr>
+          <p:spPr>
+            <a:xfrm>
+              <a:off x="2578751" y="1657296"/>
+              <a:ext cx="807479" cy="423"/>
+            </a:xfrm>
+            <a:prstGeom prst="line">
+              <a:avLst/>
+            </a:prstGeom>
+          </p:spPr>
+          <p:style>
+            <a:lnRef idx="1">
+              <a:schemeClr val="dk1"/>
+            </a:lnRef>
+            <a:fillRef idx="0">
+              <a:schemeClr val="dk1"/>
+            </a:fillRef>
+            <a:effectRef idx="0">
+              <a:schemeClr val="dk1"/>
+            </a:effectRef>
+            <a:fontRef idx="minor">
+              <a:schemeClr val="tx1"/>
+            </a:fontRef>
+          </p:style>
+        </p:cxnSp>
+        <p:cxnSp>
+          <p:nvCxnSpPr>
+            <p:cNvPr id="167" name="Straight Connector 166">
+              <a:extLst>
+                <a:ext uri="{FF2B5EF4-FFF2-40B4-BE49-F238E27FC236}">
+                  <a16:creationId xmlns:a16="http://schemas.microsoft.com/office/drawing/2014/main" id="{07338167-D315-5C26-1A35-A274546EAACE}"/>
+                </a:ext>
+              </a:extLst>
+            </p:cNvPr>
+            <p:cNvCxnSpPr>
+              <a:cxnSpLocks/>
+            </p:cNvCxnSpPr>
+            <p:nvPr/>
+          </p:nvCxnSpPr>
+          <p:spPr>
+            <a:xfrm>
+              <a:off x="2566956" y="1637765"/>
+              <a:ext cx="854670" cy="1152630"/>
+            </a:xfrm>
+            <a:prstGeom prst="line">
+              <a:avLst/>
+            </a:prstGeom>
+          </p:spPr>
+          <p:style>
+            <a:lnRef idx="1">
+              <a:schemeClr val="dk1"/>
+            </a:lnRef>
+            <a:fillRef idx="0">
+              <a:schemeClr val="dk1"/>
+            </a:fillRef>
+            <a:effectRef idx="0">
+              <a:schemeClr val="dk1"/>
+            </a:effectRef>
+            <a:fontRef idx="minor">
+              <a:schemeClr val="tx1"/>
+            </a:fontRef>
+          </p:style>
+        </p:cxnSp>
+        <p:cxnSp>
+          <p:nvCxnSpPr>
+            <p:cNvPr id="169" name="Straight Connector 168">
+              <a:extLst>
+                <a:ext uri="{FF2B5EF4-FFF2-40B4-BE49-F238E27FC236}">
+                  <a16:creationId xmlns:a16="http://schemas.microsoft.com/office/drawing/2014/main" id="{ABE62E1E-B5FA-7D8B-9E31-012CF4897FFA}"/>
+                </a:ext>
+              </a:extLst>
+            </p:cNvPr>
+            <p:cNvCxnSpPr>
+              <a:cxnSpLocks/>
+            </p:cNvCxnSpPr>
+            <p:nvPr/>
+          </p:nvCxnSpPr>
+          <p:spPr>
+            <a:xfrm flipV="1">
+              <a:off x="2619314" y="979293"/>
+              <a:ext cx="766916" cy="1805202"/>
+            </a:xfrm>
+            <a:prstGeom prst="line">
+              <a:avLst/>
+            </a:prstGeom>
+          </p:spPr>
+          <p:style>
+            <a:lnRef idx="1">
+              <a:schemeClr val="dk1"/>
+            </a:lnRef>
+            <a:fillRef idx="0">
+              <a:schemeClr val="dk1"/>
+            </a:fillRef>
+            <a:effectRef idx="0">
+              <a:schemeClr val="dk1"/>
+            </a:effectRef>
+            <a:fontRef idx="minor">
+              <a:schemeClr val="tx1"/>
+            </a:fontRef>
+          </p:style>
+        </p:cxnSp>
+        <p:cxnSp>
+          <p:nvCxnSpPr>
+            <p:cNvPr id="171" name="Straight Connector 170">
+              <a:extLst>
+                <a:ext uri="{FF2B5EF4-FFF2-40B4-BE49-F238E27FC236}">
+                  <a16:creationId xmlns:a16="http://schemas.microsoft.com/office/drawing/2014/main" id="{47919C0F-263E-BA76-09DA-52AE3E03F0B6}"/>
+                </a:ext>
+              </a:extLst>
+            </p:cNvPr>
+            <p:cNvCxnSpPr>
+              <a:cxnSpLocks/>
+            </p:cNvCxnSpPr>
+            <p:nvPr/>
+          </p:nvCxnSpPr>
+          <p:spPr>
+            <a:xfrm flipV="1">
+              <a:off x="2591024" y="1333254"/>
+              <a:ext cx="807004" cy="1472255"/>
+            </a:xfrm>
+            <a:prstGeom prst="line">
+              <a:avLst/>
+            </a:prstGeom>
+          </p:spPr>
+          <p:style>
+            <a:lnRef idx="1">
+              <a:schemeClr val="dk1"/>
+            </a:lnRef>
+            <a:fillRef idx="0">
+              <a:schemeClr val="dk1"/>
+            </a:fillRef>
+            <a:effectRef idx="0">
+              <a:schemeClr val="dk1"/>
+            </a:effectRef>
+            <a:fontRef idx="minor">
+              <a:schemeClr val="tx1"/>
+            </a:fontRef>
+          </p:style>
+        </p:cxnSp>
+        <p:cxnSp>
+          <p:nvCxnSpPr>
+            <p:cNvPr id="173" name="Straight Connector 172">
+              <a:extLst>
+                <a:ext uri="{FF2B5EF4-FFF2-40B4-BE49-F238E27FC236}">
+                  <a16:creationId xmlns:a16="http://schemas.microsoft.com/office/drawing/2014/main" id="{3E395308-E1BB-CC63-5F08-BE2E5B3E61E1}"/>
+                </a:ext>
+              </a:extLst>
+            </p:cNvPr>
+            <p:cNvCxnSpPr>
+              <a:cxnSpLocks/>
+            </p:cNvCxnSpPr>
+            <p:nvPr/>
+          </p:nvCxnSpPr>
+          <p:spPr>
+            <a:xfrm flipV="1">
+              <a:off x="2579553" y="1645920"/>
+              <a:ext cx="824375" cy="1153763"/>
+            </a:xfrm>
+            <a:prstGeom prst="line">
+              <a:avLst/>
+            </a:prstGeom>
+          </p:spPr>
+          <p:style>
+            <a:lnRef idx="1">
+              <a:schemeClr val="dk1"/>
+            </a:lnRef>
+            <a:fillRef idx="0">
+              <a:schemeClr val="dk1"/>
+            </a:fillRef>
+            <a:effectRef idx="0">
+              <a:schemeClr val="dk1"/>
+            </a:effectRef>
+            <a:fontRef idx="minor">
+              <a:schemeClr val="tx1"/>
+            </a:fontRef>
+          </p:style>
+        </p:cxnSp>
+        <p:cxnSp>
+          <p:nvCxnSpPr>
+            <p:cNvPr id="175" name="Straight Connector 174">
+              <a:extLst>
+                <a:ext uri="{FF2B5EF4-FFF2-40B4-BE49-F238E27FC236}">
+                  <a16:creationId xmlns:a16="http://schemas.microsoft.com/office/drawing/2014/main" id="{A25D1F45-61CF-C72D-074A-A009D19307DD}"/>
+                </a:ext>
+              </a:extLst>
+            </p:cNvPr>
+            <p:cNvCxnSpPr>
+              <a:cxnSpLocks/>
+            </p:cNvCxnSpPr>
+            <p:nvPr/>
+          </p:nvCxnSpPr>
+          <p:spPr>
+            <a:xfrm>
+              <a:off x="2543718" y="2794066"/>
+              <a:ext cx="877908" cy="19926"/>
+            </a:xfrm>
+            <a:prstGeom prst="line">
+              <a:avLst/>
+            </a:prstGeom>
+          </p:spPr>
+          <p:style>
+            <a:lnRef idx="1">
+              <a:schemeClr val="dk1"/>
+            </a:lnRef>
+            <a:fillRef idx="0">
+              <a:schemeClr val="dk1"/>
+            </a:fillRef>
+            <a:effectRef idx="0">
+              <a:schemeClr val="dk1"/>
+            </a:effectRef>
+            <a:fontRef idx="minor">
+              <a:schemeClr val="tx1"/>
+            </a:fontRef>
+          </p:style>
+        </p:cxnSp>
+        <p:cxnSp>
+          <p:nvCxnSpPr>
+            <p:cNvPr id="177" name="Straight Connector 176">
+              <a:extLst>
+                <a:ext uri="{FF2B5EF4-FFF2-40B4-BE49-F238E27FC236}">
+                  <a16:creationId xmlns:a16="http://schemas.microsoft.com/office/drawing/2014/main" id="{10F601B7-1F55-2C5B-1B00-B01665B13EF2}"/>
+                </a:ext>
+              </a:extLst>
+            </p:cNvPr>
+            <p:cNvCxnSpPr>
+              <a:cxnSpLocks/>
+            </p:cNvCxnSpPr>
+            <p:nvPr/>
+          </p:nvCxnSpPr>
+          <p:spPr>
+            <a:xfrm>
+              <a:off x="3394321" y="952975"/>
+              <a:ext cx="806020" cy="338984"/>
+            </a:xfrm>
+            <a:prstGeom prst="line">
+              <a:avLst/>
+            </a:prstGeom>
+          </p:spPr>
+          <p:style>
+            <a:lnRef idx="1">
+              <a:schemeClr val="dk1"/>
+            </a:lnRef>
+            <a:fillRef idx="0">
+              <a:schemeClr val="dk1"/>
+            </a:fillRef>
+            <a:effectRef idx="0">
+              <a:schemeClr val="dk1"/>
+            </a:effectRef>
+            <a:fontRef idx="minor">
+              <a:schemeClr val="tx1"/>
+            </a:fontRef>
+          </p:style>
+        </p:cxnSp>
+        <p:cxnSp>
+          <p:nvCxnSpPr>
+            <p:cNvPr id="182" name="Straight Connector 181">
+              <a:extLst>
+                <a:ext uri="{FF2B5EF4-FFF2-40B4-BE49-F238E27FC236}">
+                  <a16:creationId xmlns:a16="http://schemas.microsoft.com/office/drawing/2014/main" id="{A1FB1B73-7700-5694-91B1-DC207ED72AB7}"/>
+                </a:ext>
+              </a:extLst>
+            </p:cNvPr>
+            <p:cNvCxnSpPr>
+              <a:cxnSpLocks/>
+            </p:cNvCxnSpPr>
+            <p:nvPr/>
+          </p:nvCxnSpPr>
+          <p:spPr>
+            <a:xfrm>
+              <a:off x="3358567" y="975494"/>
+              <a:ext cx="841774" cy="676325"/>
+            </a:xfrm>
+            <a:prstGeom prst="line">
+              <a:avLst/>
+            </a:prstGeom>
+          </p:spPr>
+          <p:style>
+            <a:lnRef idx="1">
+              <a:schemeClr val="dk1"/>
+            </a:lnRef>
+            <a:fillRef idx="0">
+              <a:schemeClr val="dk1"/>
+            </a:fillRef>
+            <a:effectRef idx="0">
+              <a:schemeClr val="dk1"/>
+            </a:effectRef>
+            <a:fontRef idx="minor">
+              <a:schemeClr val="tx1"/>
+            </a:fontRef>
+          </p:style>
+        </p:cxnSp>
+        <p:cxnSp>
+          <p:nvCxnSpPr>
+            <p:cNvPr id="184" name="Straight Connector 183">
+              <a:extLst>
+                <a:ext uri="{FF2B5EF4-FFF2-40B4-BE49-F238E27FC236}">
+                  <a16:creationId xmlns:a16="http://schemas.microsoft.com/office/drawing/2014/main" id="{DDDC6CAB-01B4-7BAD-9756-AE77D6E2856A}"/>
+                </a:ext>
+              </a:extLst>
+            </p:cNvPr>
+            <p:cNvCxnSpPr>
+              <a:cxnSpLocks/>
+            </p:cNvCxnSpPr>
+            <p:nvPr/>
+          </p:nvCxnSpPr>
+          <p:spPr>
+            <a:xfrm>
+              <a:off x="3381434" y="993557"/>
+              <a:ext cx="854303" cy="1024022"/>
+            </a:xfrm>
+            <a:prstGeom prst="line">
+              <a:avLst/>
+            </a:prstGeom>
+          </p:spPr>
+          <p:style>
+            <a:lnRef idx="1">
+              <a:schemeClr val="dk1"/>
+            </a:lnRef>
+            <a:fillRef idx="0">
+              <a:schemeClr val="dk1"/>
+            </a:fillRef>
+            <a:effectRef idx="0">
+              <a:schemeClr val="dk1"/>
+            </a:effectRef>
+            <a:fontRef idx="minor">
+              <a:schemeClr val="tx1"/>
+            </a:fontRef>
+          </p:style>
+        </p:cxnSp>
+        <p:cxnSp>
+          <p:nvCxnSpPr>
+            <p:cNvPr id="186" name="Straight Connector 185">
+              <a:extLst>
+                <a:ext uri="{FF2B5EF4-FFF2-40B4-BE49-F238E27FC236}">
+                  <a16:creationId xmlns:a16="http://schemas.microsoft.com/office/drawing/2014/main" id="{97561933-6094-A98C-D829-367275FEF5AC}"/>
+                </a:ext>
+              </a:extLst>
+            </p:cNvPr>
+            <p:cNvCxnSpPr>
+              <a:cxnSpLocks/>
+            </p:cNvCxnSpPr>
+            <p:nvPr/>
+          </p:nvCxnSpPr>
+          <p:spPr>
+            <a:xfrm>
+              <a:off x="3372267" y="980433"/>
+              <a:ext cx="816275" cy="1745069"/>
+            </a:xfrm>
+            <a:prstGeom prst="line">
+              <a:avLst/>
+            </a:prstGeom>
+          </p:spPr>
+          <p:style>
+            <a:lnRef idx="1">
+              <a:schemeClr val="dk1"/>
+            </a:lnRef>
+            <a:fillRef idx="0">
+              <a:schemeClr val="dk1"/>
+            </a:fillRef>
+            <a:effectRef idx="0">
+              <a:schemeClr val="dk1"/>
+            </a:effectRef>
+            <a:fontRef idx="minor">
+              <a:schemeClr val="tx1"/>
+            </a:fontRef>
+          </p:style>
+        </p:cxnSp>
+        <p:cxnSp>
+          <p:nvCxnSpPr>
+            <p:cNvPr id="188" name="Straight Connector 187">
+              <a:extLst>
+                <a:ext uri="{FF2B5EF4-FFF2-40B4-BE49-F238E27FC236}">
+                  <a16:creationId xmlns:a16="http://schemas.microsoft.com/office/drawing/2014/main" id="{19F08A7A-682E-9259-0B5F-43138850BFB2}"/>
+                </a:ext>
+              </a:extLst>
+            </p:cNvPr>
+            <p:cNvCxnSpPr>
+              <a:cxnSpLocks/>
+            </p:cNvCxnSpPr>
+            <p:nvPr/>
+          </p:nvCxnSpPr>
+          <p:spPr>
+            <a:xfrm flipV="1">
+              <a:off x="3393103" y="1291959"/>
+              <a:ext cx="795439" cy="32571"/>
+            </a:xfrm>
+            <a:prstGeom prst="line">
+              <a:avLst/>
+            </a:prstGeom>
+          </p:spPr>
+          <p:style>
+            <a:lnRef idx="1">
+              <a:schemeClr val="dk1"/>
+            </a:lnRef>
+            <a:fillRef idx="0">
+              <a:schemeClr val="dk1"/>
+            </a:fillRef>
+            <a:effectRef idx="0">
+              <a:schemeClr val="dk1"/>
+            </a:effectRef>
+            <a:fontRef idx="minor">
+              <a:schemeClr val="tx1"/>
+            </a:fontRef>
+          </p:style>
+        </p:cxnSp>
+        <p:cxnSp>
+          <p:nvCxnSpPr>
+            <p:cNvPr id="190" name="Straight Connector 189">
+              <a:extLst>
+                <a:ext uri="{FF2B5EF4-FFF2-40B4-BE49-F238E27FC236}">
+                  <a16:creationId xmlns:a16="http://schemas.microsoft.com/office/drawing/2014/main" id="{45CDF990-8256-16CB-17F0-AB244937236B}"/>
+                </a:ext>
+              </a:extLst>
+            </p:cNvPr>
+            <p:cNvCxnSpPr>
+              <a:cxnSpLocks/>
+            </p:cNvCxnSpPr>
+            <p:nvPr/>
+          </p:nvCxnSpPr>
+          <p:spPr>
+            <a:xfrm>
+              <a:off x="3393103" y="1329886"/>
+              <a:ext cx="806020" cy="338984"/>
+            </a:xfrm>
+            <a:prstGeom prst="line">
+              <a:avLst/>
+            </a:prstGeom>
+          </p:spPr>
+          <p:style>
+            <a:lnRef idx="1">
+              <a:schemeClr val="dk1"/>
+            </a:lnRef>
+            <a:fillRef idx="0">
+              <a:schemeClr val="dk1"/>
+            </a:fillRef>
+            <a:effectRef idx="0">
+              <a:schemeClr val="dk1"/>
+            </a:effectRef>
+            <a:fontRef idx="minor">
+              <a:schemeClr val="tx1"/>
+            </a:fontRef>
+          </p:style>
+        </p:cxnSp>
+        <p:cxnSp>
+          <p:nvCxnSpPr>
+            <p:cNvPr id="191" name="Straight Connector 190">
+              <a:extLst>
+                <a:ext uri="{FF2B5EF4-FFF2-40B4-BE49-F238E27FC236}">
+                  <a16:creationId xmlns:a16="http://schemas.microsoft.com/office/drawing/2014/main" id="{E7D3B515-1A92-9E81-8317-720233482930}"/>
+                </a:ext>
+              </a:extLst>
+            </p:cNvPr>
+            <p:cNvCxnSpPr>
+              <a:cxnSpLocks/>
+            </p:cNvCxnSpPr>
+            <p:nvPr/>
+          </p:nvCxnSpPr>
+          <p:spPr>
+            <a:xfrm>
+              <a:off x="3417613" y="1353370"/>
+              <a:ext cx="788627" cy="652411"/>
+            </a:xfrm>
+            <a:prstGeom prst="line">
+              <a:avLst/>
+            </a:prstGeom>
+          </p:spPr>
+          <p:style>
+            <a:lnRef idx="1">
+              <a:schemeClr val="dk1"/>
+            </a:lnRef>
+            <a:fillRef idx="0">
+              <a:schemeClr val="dk1"/>
+            </a:fillRef>
+            <a:effectRef idx="0">
+              <a:schemeClr val="dk1"/>
+            </a:effectRef>
+            <a:fontRef idx="minor">
+              <a:schemeClr val="tx1"/>
+            </a:fontRef>
+          </p:style>
+        </p:cxnSp>
+        <p:cxnSp>
+          <p:nvCxnSpPr>
+            <p:cNvPr id="193" name="Straight Connector 192">
+              <a:extLst>
+                <a:ext uri="{FF2B5EF4-FFF2-40B4-BE49-F238E27FC236}">
+                  <a16:creationId xmlns:a16="http://schemas.microsoft.com/office/drawing/2014/main" id="{7A63EA61-CD36-0FAC-C09A-013C2F73DCE7}"/>
+                </a:ext>
+              </a:extLst>
+            </p:cNvPr>
+            <p:cNvCxnSpPr>
+              <a:cxnSpLocks/>
+            </p:cNvCxnSpPr>
+            <p:nvPr/>
+          </p:nvCxnSpPr>
+          <p:spPr>
+            <a:xfrm>
+              <a:off x="3405501" y="1348641"/>
+              <a:ext cx="806638" cy="1382760"/>
+            </a:xfrm>
+            <a:prstGeom prst="line">
+              <a:avLst/>
+            </a:prstGeom>
+          </p:spPr>
+          <p:style>
+            <a:lnRef idx="1">
+              <a:schemeClr val="dk1"/>
+            </a:lnRef>
+            <a:fillRef idx="0">
+              <a:schemeClr val="dk1"/>
+            </a:fillRef>
+            <a:effectRef idx="0">
+              <a:schemeClr val="dk1"/>
+            </a:effectRef>
+            <a:fontRef idx="minor">
+              <a:schemeClr val="tx1"/>
+            </a:fontRef>
+          </p:style>
+        </p:cxnSp>
+        <p:cxnSp>
+          <p:nvCxnSpPr>
+            <p:cNvPr id="195" name="Straight Connector 194">
+              <a:extLst>
+                <a:ext uri="{FF2B5EF4-FFF2-40B4-BE49-F238E27FC236}">
+                  <a16:creationId xmlns:a16="http://schemas.microsoft.com/office/drawing/2014/main" id="{85578AA1-1B8D-E621-06AE-DBD49B45B827}"/>
+                </a:ext>
+              </a:extLst>
+            </p:cNvPr>
+            <p:cNvCxnSpPr>
+              <a:cxnSpLocks/>
+            </p:cNvCxnSpPr>
+            <p:nvPr/>
+          </p:nvCxnSpPr>
+          <p:spPr>
+            <a:xfrm flipV="1">
+              <a:off x="3392909" y="1297858"/>
+              <a:ext cx="813331" cy="363013"/>
+            </a:xfrm>
+            <a:prstGeom prst="line">
+              <a:avLst/>
+            </a:prstGeom>
+          </p:spPr>
+          <p:style>
+            <a:lnRef idx="1">
+              <a:schemeClr val="dk1"/>
+            </a:lnRef>
+            <a:fillRef idx="0">
+              <a:schemeClr val="dk1"/>
+            </a:fillRef>
+            <a:effectRef idx="0">
+              <a:schemeClr val="dk1"/>
+            </a:effectRef>
+            <a:fontRef idx="minor">
+              <a:schemeClr val="tx1"/>
+            </a:fontRef>
+          </p:style>
+        </p:cxnSp>
+        <p:cxnSp>
+          <p:nvCxnSpPr>
+            <p:cNvPr id="197" name="Straight Connector 196">
+              <a:extLst>
+                <a:ext uri="{FF2B5EF4-FFF2-40B4-BE49-F238E27FC236}">
+                  <a16:creationId xmlns:a16="http://schemas.microsoft.com/office/drawing/2014/main" id="{9A50F1C0-7AA0-BAB7-34B8-03E08CF17321}"/>
+                </a:ext>
+              </a:extLst>
+            </p:cNvPr>
+            <p:cNvCxnSpPr>
+              <a:cxnSpLocks/>
+            </p:cNvCxnSpPr>
+            <p:nvPr/>
+          </p:nvCxnSpPr>
+          <p:spPr>
+            <a:xfrm flipV="1">
+              <a:off x="3433738" y="1663618"/>
+              <a:ext cx="754804" cy="13669"/>
+            </a:xfrm>
+            <a:prstGeom prst="line">
+              <a:avLst/>
+            </a:prstGeom>
+          </p:spPr>
+          <p:style>
+            <a:lnRef idx="1">
+              <a:schemeClr val="dk1"/>
+            </a:lnRef>
+            <a:fillRef idx="0">
+              <a:schemeClr val="dk1"/>
+            </a:fillRef>
+            <a:effectRef idx="0">
+              <a:schemeClr val="dk1"/>
+            </a:effectRef>
+            <a:fontRef idx="minor">
+              <a:schemeClr val="tx1"/>
+            </a:fontRef>
+          </p:style>
+        </p:cxnSp>
+        <p:cxnSp>
+          <p:nvCxnSpPr>
+            <p:cNvPr id="199" name="Straight Connector 198">
+              <a:extLst>
+                <a:ext uri="{FF2B5EF4-FFF2-40B4-BE49-F238E27FC236}">
+                  <a16:creationId xmlns:a16="http://schemas.microsoft.com/office/drawing/2014/main" id="{A8158796-398D-2FC2-BB9F-010CE46E8A1B}"/>
+                </a:ext>
+              </a:extLst>
+            </p:cNvPr>
+            <p:cNvCxnSpPr>
+              <a:cxnSpLocks/>
+            </p:cNvCxnSpPr>
+            <p:nvPr/>
+          </p:nvCxnSpPr>
+          <p:spPr>
+            <a:xfrm>
+              <a:off x="3405809" y="1654089"/>
+              <a:ext cx="806020" cy="338984"/>
+            </a:xfrm>
+            <a:prstGeom prst="line">
+              <a:avLst/>
+            </a:prstGeom>
+          </p:spPr>
+          <p:style>
+            <a:lnRef idx="1">
+              <a:schemeClr val="dk1"/>
+            </a:lnRef>
+            <a:fillRef idx="0">
+              <a:schemeClr val="dk1"/>
+            </a:fillRef>
+            <a:effectRef idx="0">
+              <a:schemeClr val="dk1"/>
+            </a:effectRef>
+            <a:fontRef idx="minor">
+              <a:schemeClr val="tx1"/>
+            </a:fontRef>
+          </p:style>
+        </p:cxnSp>
+        <p:cxnSp>
+          <p:nvCxnSpPr>
+            <p:cNvPr id="200" name="Straight Connector 199">
+              <a:extLst>
+                <a:ext uri="{FF2B5EF4-FFF2-40B4-BE49-F238E27FC236}">
+                  <a16:creationId xmlns:a16="http://schemas.microsoft.com/office/drawing/2014/main" id="{7E1E21F4-F554-050F-D5CE-C074B70D5604}"/>
+                </a:ext>
+              </a:extLst>
+            </p:cNvPr>
+            <p:cNvCxnSpPr>
+              <a:cxnSpLocks/>
+            </p:cNvCxnSpPr>
+            <p:nvPr/>
+          </p:nvCxnSpPr>
+          <p:spPr>
+            <a:xfrm>
+              <a:off x="3388421" y="1665876"/>
+              <a:ext cx="817819" cy="1065525"/>
+            </a:xfrm>
+            <a:prstGeom prst="line">
+              <a:avLst/>
+            </a:prstGeom>
+          </p:spPr>
+          <p:style>
+            <a:lnRef idx="1">
+              <a:schemeClr val="dk1"/>
+            </a:lnRef>
+            <a:fillRef idx="0">
+              <a:schemeClr val="dk1"/>
+            </a:fillRef>
+            <a:effectRef idx="0">
+              <a:schemeClr val="dk1"/>
+            </a:effectRef>
+            <a:fontRef idx="minor">
+              <a:schemeClr val="tx1"/>
+            </a:fontRef>
+          </p:style>
+        </p:cxnSp>
+        <p:cxnSp>
+          <p:nvCxnSpPr>
+            <p:cNvPr id="202" name="Straight Connector 201">
+              <a:extLst>
+                <a:ext uri="{FF2B5EF4-FFF2-40B4-BE49-F238E27FC236}">
+                  <a16:creationId xmlns:a16="http://schemas.microsoft.com/office/drawing/2014/main" id="{AC39F172-7C68-0702-114E-3EEA8C5AADE2}"/>
+                </a:ext>
+              </a:extLst>
+            </p:cNvPr>
+            <p:cNvCxnSpPr>
+              <a:cxnSpLocks/>
+            </p:cNvCxnSpPr>
+            <p:nvPr/>
+          </p:nvCxnSpPr>
+          <p:spPr>
+            <a:xfrm flipV="1">
+              <a:off x="3405809" y="1297858"/>
+              <a:ext cx="770934" cy="1494795"/>
+            </a:xfrm>
+            <a:prstGeom prst="line">
+              <a:avLst/>
+            </a:prstGeom>
+          </p:spPr>
+          <p:style>
+            <a:lnRef idx="1">
+              <a:schemeClr val="dk1"/>
+            </a:lnRef>
+            <a:fillRef idx="0">
+              <a:schemeClr val="dk1"/>
+            </a:fillRef>
+            <a:effectRef idx="0">
+              <a:schemeClr val="dk1"/>
+            </a:effectRef>
+            <a:fontRef idx="minor">
+              <a:schemeClr val="tx1"/>
+            </a:fontRef>
+          </p:style>
+        </p:cxnSp>
+        <p:cxnSp>
+          <p:nvCxnSpPr>
+            <p:cNvPr id="204" name="Straight Connector 203">
+              <a:extLst>
+                <a:ext uri="{FF2B5EF4-FFF2-40B4-BE49-F238E27FC236}">
+                  <a16:creationId xmlns:a16="http://schemas.microsoft.com/office/drawing/2014/main" id="{549E4BAE-57BF-8261-5195-C6A38BA41CA9}"/>
+                </a:ext>
+              </a:extLst>
+            </p:cNvPr>
+            <p:cNvCxnSpPr>
+              <a:cxnSpLocks/>
+            </p:cNvCxnSpPr>
+            <p:nvPr/>
+          </p:nvCxnSpPr>
+          <p:spPr>
+            <a:xfrm flipV="1">
+              <a:off x="3399413" y="1645920"/>
+              <a:ext cx="800928" cy="1151757"/>
+            </a:xfrm>
+            <a:prstGeom prst="line">
+              <a:avLst/>
+            </a:prstGeom>
+          </p:spPr>
+          <p:style>
+            <a:lnRef idx="1">
+              <a:schemeClr val="dk1"/>
+            </a:lnRef>
+            <a:fillRef idx="0">
+              <a:schemeClr val="dk1"/>
+            </a:fillRef>
+            <a:effectRef idx="0">
+              <a:schemeClr val="dk1"/>
+            </a:effectRef>
+            <a:fontRef idx="minor">
+              <a:schemeClr val="tx1"/>
+            </a:fontRef>
+          </p:style>
+        </p:cxnSp>
+        <p:cxnSp>
+          <p:nvCxnSpPr>
+            <p:cNvPr id="206" name="Straight Connector 205">
+              <a:extLst>
+                <a:ext uri="{FF2B5EF4-FFF2-40B4-BE49-F238E27FC236}">
+                  <a16:creationId xmlns:a16="http://schemas.microsoft.com/office/drawing/2014/main" id="{53EA9CDD-C03A-8882-4DBB-5944D9B34273}"/>
+                </a:ext>
+              </a:extLst>
+            </p:cNvPr>
+            <p:cNvCxnSpPr>
+              <a:cxnSpLocks/>
+            </p:cNvCxnSpPr>
+            <p:nvPr/>
+          </p:nvCxnSpPr>
+          <p:spPr>
+            <a:xfrm flipV="1">
+              <a:off x="3415726" y="1952687"/>
+              <a:ext cx="802313" cy="837708"/>
+            </a:xfrm>
+            <a:prstGeom prst="line">
+              <a:avLst/>
+            </a:prstGeom>
+          </p:spPr>
+          <p:style>
+            <a:lnRef idx="1">
+              <a:schemeClr val="dk1"/>
+            </a:lnRef>
+            <a:fillRef idx="0">
+              <a:schemeClr val="dk1"/>
+            </a:fillRef>
+            <a:effectRef idx="0">
+              <a:schemeClr val="dk1"/>
+            </a:effectRef>
+            <a:fontRef idx="minor">
+              <a:schemeClr val="tx1"/>
+            </a:fontRef>
+          </p:style>
+        </p:cxnSp>
+        <p:cxnSp>
+          <p:nvCxnSpPr>
+            <p:cNvPr id="208" name="Straight Connector 207">
+              <a:extLst>
+                <a:ext uri="{FF2B5EF4-FFF2-40B4-BE49-F238E27FC236}">
+                  <a16:creationId xmlns:a16="http://schemas.microsoft.com/office/drawing/2014/main" id="{C4F32E2A-DE1B-4E72-0D4E-52FB80AFA714}"/>
+                </a:ext>
+              </a:extLst>
+            </p:cNvPr>
+            <p:cNvCxnSpPr>
+              <a:cxnSpLocks/>
+            </p:cNvCxnSpPr>
+            <p:nvPr/>
+          </p:nvCxnSpPr>
+          <p:spPr>
+            <a:xfrm flipV="1">
+              <a:off x="3417162" y="2701905"/>
+              <a:ext cx="800877" cy="80192"/>
+            </a:xfrm>
+            <a:prstGeom prst="line">
+              <a:avLst/>
+            </a:prstGeom>
+          </p:spPr>
+          <p:style>
+            <a:lnRef idx="1">
+              <a:schemeClr val="dk1"/>
+            </a:lnRef>
+            <a:fillRef idx="0">
+              <a:schemeClr val="dk1"/>
+            </a:fillRef>
+            <a:effectRef idx="0">
+              <a:schemeClr val="dk1"/>
+            </a:effectRef>
+            <a:fontRef idx="minor">
+              <a:schemeClr val="tx1"/>
+            </a:fontRef>
+          </p:style>
+        </p:cxnSp>
+        <p:sp>
+          <p:nvSpPr>
+            <p:cNvPr id="81" name="TextBox 80">
+              <a:extLst>
+                <a:ext uri="{FF2B5EF4-FFF2-40B4-BE49-F238E27FC236}">
+                  <a16:creationId xmlns:a16="http://schemas.microsoft.com/office/drawing/2014/main" id="{FC19CE6A-7E86-CAF9-F96C-09E42E89170A}"/>
+                </a:ext>
+              </a:extLst>
+            </p:cNvPr>
+            <p:cNvSpPr txBox="1"/>
+            <p:nvPr/>
+          </p:nvSpPr>
+          <p:spPr>
+            <a:xfrm>
+              <a:off x="4070612" y="1896323"/>
+              <a:ext cx="242374" cy="646331"/>
+            </a:xfrm>
+            <a:prstGeom prst="rect">
+              <a:avLst/>
+            </a:prstGeom>
+            <a:noFill/>
+          </p:spPr>
+          <p:txBody>
+            <a:bodyPr wrap="none" rtlCol="0">
+              <a:spAutoFit/>
+            </a:bodyPr>
+            <a:lstStyle/>
+            <a:p>
+              <a:r>
+                <a:rPr lang="en-GB" dirty="0"/>
+                <a:t>.</a:t>
+              </a:r>
+            </a:p>
+            <a:p>
+              <a:r>
+                <a:rPr lang="en-GB" dirty="0"/>
+                <a:t>.</a:t>
+              </a:r>
+            </a:p>
+          </p:txBody>
+        </p:sp>
+        <p:grpSp>
+          <p:nvGrpSpPr>
+            <p:cNvPr id="82" name="Group 81">
+              <a:extLst>
+                <a:ext uri="{FF2B5EF4-FFF2-40B4-BE49-F238E27FC236}">
+                  <a16:creationId xmlns:a16="http://schemas.microsoft.com/office/drawing/2014/main" id="{0F184AF2-4D14-50A0-84F1-0D0C0BE60EE0}"/>
+                </a:ext>
+              </a:extLst>
+            </p:cNvPr>
+            <p:cNvGrpSpPr/>
+            <p:nvPr/>
+          </p:nvGrpSpPr>
+          <p:grpSpPr>
+            <a:xfrm>
+              <a:off x="4087723" y="1184796"/>
+              <a:ext cx="369172" cy="310126"/>
+              <a:chOff x="1552576" y="642938"/>
+              <a:chExt cx="369172" cy="310126"/>
+            </a:xfrm>
+          </p:grpSpPr>
+          <p:sp>
+            <p:nvSpPr>
+              <p:cNvPr id="83" name="Oval 82">
+                <a:extLst>
+                  <a:ext uri="{FF2B5EF4-FFF2-40B4-BE49-F238E27FC236}">
+                    <a16:creationId xmlns:a16="http://schemas.microsoft.com/office/drawing/2014/main" id="{24CE1F83-C7E9-C967-3AB5-9B27901606D7}"/>
+                  </a:ext>
+                </a:extLst>
+              </p:cNvPr>
+              <p:cNvSpPr/>
+              <p:nvPr/>
+            </p:nvSpPr>
+            <p:spPr>
+              <a:xfrm>
+                <a:off x="1552576" y="642938"/>
+                <a:ext cx="192882" cy="192881"/>
+              </a:xfrm>
+              <a:prstGeom prst="ellipse">
+                <a:avLst/>
+              </a:prstGeom>
+              <a:solidFill>
+                <a:schemeClr val="bg1"/>
+              </a:solidFill>
+              <a:ln>
+                <a:solidFill>
+                  <a:schemeClr val="tx1"/>
+                </a:solidFill>
+              </a:ln>
+            </p:spPr>
+            <p:style>
+              <a:lnRef idx="2">
+                <a:schemeClr val="accent1">
+                  <a:shade val="50000"/>
+                </a:schemeClr>
+              </a:lnRef>
+              <a:fillRef idx="1">
+                <a:schemeClr val="accent1"/>
+              </a:fillRef>
+              <a:effectRef idx="0">
+                <a:schemeClr val="accent1"/>
+              </a:effectRef>
+              <a:fontRef idx="minor">
+                <a:schemeClr val="lt1"/>
+              </a:fontRef>
+            </p:style>
+            <p:txBody>
+              <a:bodyPr rtlCol="0" anchor="ctr"/>
+              <a:lstStyle/>
+              <a:p>
+                <a:pPr algn="ctr"/>
+                <a:endParaRPr lang="en-GB"/>
+              </a:p>
+            </p:txBody>
+          </p:sp>
+          <p:sp>
+            <p:nvSpPr>
+              <p:cNvPr id="84" name="TextBox 83">
+                <a:extLst>
+                  <a:ext uri="{FF2B5EF4-FFF2-40B4-BE49-F238E27FC236}">
+                    <a16:creationId xmlns:a16="http://schemas.microsoft.com/office/drawing/2014/main" id="{D3E97A17-C939-399F-E7BB-251C2E58CB4B}"/>
+                  </a:ext>
+                </a:extLst>
+              </p:cNvPr>
+              <p:cNvSpPr txBox="1"/>
+              <p:nvPr/>
+            </p:nvSpPr>
+            <p:spPr>
+              <a:xfrm>
+                <a:off x="1668152" y="699148"/>
+                <a:ext cx="253596" cy="253916"/>
+              </a:xfrm>
+              <a:prstGeom prst="rect">
+                <a:avLst/>
+              </a:prstGeom>
+              <a:noFill/>
+            </p:spPr>
+            <p:txBody>
+              <a:bodyPr wrap="none" rtlCol="0">
+                <a:spAutoFit/>
+              </a:bodyPr>
+              <a:lstStyle/>
+              <a:p>
+                <a:r>
+                  <a:rPr lang="en-GB" sz="1050" dirty="0"/>
+                  <a:t>1</a:t>
+                </a:r>
+              </a:p>
+            </p:txBody>
+          </p:sp>
+        </p:grpSp>
+        <p:grpSp>
+          <p:nvGrpSpPr>
+            <p:cNvPr id="85" name="Group 84">
+              <a:extLst>
+                <a:ext uri="{FF2B5EF4-FFF2-40B4-BE49-F238E27FC236}">
+                  <a16:creationId xmlns:a16="http://schemas.microsoft.com/office/drawing/2014/main" id="{5505A17F-0E4B-09C6-4750-D7EC49B7F785}"/>
+                </a:ext>
+              </a:extLst>
+            </p:cNvPr>
+            <p:cNvGrpSpPr/>
+            <p:nvPr/>
+          </p:nvGrpSpPr>
+          <p:grpSpPr>
+            <a:xfrm>
+              <a:off x="4087723" y="1535888"/>
+              <a:ext cx="369172" cy="310126"/>
+              <a:chOff x="1552576" y="642938"/>
+              <a:chExt cx="369172" cy="310126"/>
+            </a:xfrm>
+          </p:grpSpPr>
+          <p:sp>
+            <p:nvSpPr>
+              <p:cNvPr id="86" name="Oval 85">
+                <a:extLst>
+                  <a:ext uri="{FF2B5EF4-FFF2-40B4-BE49-F238E27FC236}">
+                    <a16:creationId xmlns:a16="http://schemas.microsoft.com/office/drawing/2014/main" id="{957F2641-D54A-2BC1-EC06-ADF3AFAE19F0}"/>
+                  </a:ext>
+                </a:extLst>
+              </p:cNvPr>
+              <p:cNvSpPr/>
+              <p:nvPr/>
+            </p:nvSpPr>
+            <p:spPr>
+              <a:xfrm>
+                <a:off x="1552576" y="642938"/>
+                <a:ext cx="192882" cy="192881"/>
+              </a:xfrm>
+              <a:prstGeom prst="ellipse">
+                <a:avLst/>
+              </a:prstGeom>
+              <a:solidFill>
+                <a:schemeClr val="bg1"/>
+              </a:solidFill>
+              <a:ln>
+                <a:solidFill>
+                  <a:schemeClr val="tx1"/>
+                </a:solidFill>
+              </a:ln>
+            </p:spPr>
+            <p:style>
+              <a:lnRef idx="2">
+                <a:schemeClr val="accent1">
+                  <a:shade val="50000"/>
+                </a:schemeClr>
+              </a:lnRef>
+              <a:fillRef idx="1">
+                <a:schemeClr val="accent1"/>
+              </a:fillRef>
+              <a:effectRef idx="0">
+                <a:schemeClr val="accent1"/>
+              </a:effectRef>
+              <a:fontRef idx="minor">
+                <a:schemeClr val="lt1"/>
+              </a:fontRef>
+            </p:style>
+            <p:txBody>
+              <a:bodyPr rtlCol="0" anchor="ctr"/>
+              <a:lstStyle/>
+              <a:p>
+                <a:pPr algn="ctr"/>
+                <a:endParaRPr lang="en-GB"/>
+              </a:p>
+            </p:txBody>
+          </p:sp>
+          <p:sp>
+            <p:nvSpPr>
+              <p:cNvPr id="87" name="TextBox 86">
+                <a:extLst>
+                  <a:ext uri="{FF2B5EF4-FFF2-40B4-BE49-F238E27FC236}">
+                    <a16:creationId xmlns:a16="http://schemas.microsoft.com/office/drawing/2014/main" id="{EDE89AF5-E4EB-582C-1CAD-ACCC92423B8C}"/>
+                  </a:ext>
+                </a:extLst>
+              </p:cNvPr>
+              <p:cNvSpPr txBox="1"/>
+              <p:nvPr/>
+            </p:nvSpPr>
+            <p:spPr>
+              <a:xfrm>
+                <a:off x="1668152" y="699148"/>
+                <a:ext cx="253596" cy="253916"/>
+              </a:xfrm>
+              <a:prstGeom prst="rect">
+                <a:avLst/>
+              </a:prstGeom>
+              <a:noFill/>
+            </p:spPr>
+            <p:txBody>
+              <a:bodyPr wrap="none" rtlCol="0">
+                <a:spAutoFit/>
+              </a:bodyPr>
+              <a:lstStyle/>
+              <a:p>
+                <a:r>
+                  <a:rPr lang="en-GB" sz="1050" dirty="0"/>
+                  <a:t>2</a:t>
+                </a:r>
+              </a:p>
+            </p:txBody>
+          </p:sp>
+        </p:grpSp>
+        <p:grpSp>
+          <p:nvGrpSpPr>
+            <p:cNvPr id="91" name="Group 90">
+              <a:extLst>
+                <a:ext uri="{FF2B5EF4-FFF2-40B4-BE49-F238E27FC236}">
+                  <a16:creationId xmlns:a16="http://schemas.microsoft.com/office/drawing/2014/main" id="{5CFF68D0-14C5-8182-9531-84AF14372F5C}"/>
+                </a:ext>
+              </a:extLst>
+            </p:cNvPr>
+            <p:cNvGrpSpPr/>
+            <p:nvPr/>
+          </p:nvGrpSpPr>
+          <p:grpSpPr>
+            <a:xfrm>
+              <a:off x="4087723" y="2604322"/>
+              <a:ext cx="438100" cy="310126"/>
+              <a:chOff x="1552576" y="642938"/>
+              <a:chExt cx="438100" cy="310126"/>
+            </a:xfrm>
+          </p:grpSpPr>
+          <p:sp>
+            <p:nvSpPr>
+              <p:cNvPr id="92" name="Oval 91">
+                <a:extLst>
+                  <a:ext uri="{FF2B5EF4-FFF2-40B4-BE49-F238E27FC236}">
+                    <a16:creationId xmlns:a16="http://schemas.microsoft.com/office/drawing/2014/main" id="{14E84921-6E6E-2235-A0CD-B93F71DB0F2B}"/>
+                  </a:ext>
+                </a:extLst>
+              </p:cNvPr>
+              <p:cNvSpPr/>
+              <p:nvPr/>
+            </p:nvSpPr>
+            <p:spPr>
+              <a:xfrm>
+                <a:off x="1552576" y="642938"/>
+                <a:ext cx="192882" cy="192881"/>
+              </a:xfrm>
+              <a:prstGeom prst="ellipse">
+                <a:avLst/>
+              </a:prstGeom>
+              <a:solidFill>
+                <a:schemeClr val="bg1"/>
+              </a:solidFill>
+              <a:ln>
+                <a:solidFill>
+                  <a:schemeClr val="tx1"/>
+                </a:solidFill>
+              </a:ln>
+            </p:spPr>
+            <p:style>
+              <a:lnRef idx="2">
+                <a:schemeClr val="accent1">
+                  <a:shade val="50000"/>
+                </a:schemeClr>
+              </a:lnRef>
+              <a:fillRef idx="1">
+                <a:schemeClr val="accent1"/>
+              </a:fillRef>
+              <a:effectRef idx="0">
+                <a:schemeClr val="accent1"/>
+              </a:effectRef>
+              <a:fontRef idx="minor">
+                <a:schemeClr val="lt1"/>
+              </a:fontRef>
+            </p:style>
+            <p:txBody>
+              <a:bodyPr rtlCol="0" anchor="ctr"/>
+              <a:lstStyle/>
+              <a:p>
+                <a:pPr algn="ctr"/>
+                <a:endParaRPr lang="en-GB"/>
+              </a:p>
+            </p:txBody>
+          </p:sp>
+          <p:sp>
+            <p:nvSpPr>
+              <p:cNvPr id="93" name="TextBox 92">
+                <a:extLst>
+                  <a:ext uri="{FF2B5EF4-FFF2-40B4-BE49-F238E27FC236}">
+                    <a16:creationId xmlns:a16="http://schemas.microsoft.com/office/drawing/2014/main" id="{14714C33-3C60-9C2A-54B4-8D481F112C17}"/>
+                  </a:ext>
+                </a:extLst>
+              </p:cNvPr>
+              <p:cNvSpPr txBox="1"/>
+              <p:nvPr/>
+            </p:nvSpPr>
+            <p:spPr>
+              <a:xfrm>
+                <a:off x="1668152" y="699148"/>
+                <a:ext cx="322524" cy="253916"/>
+              </a:xfrm>
+              <a:prstGeom prst="rect">
+                <a:avLst/>
+              </a:prstGeom>
+              <a:noFill/>
+            </p:spPr>
+            <p:txBody>
+              <a:bodyPr wrap="none" rtlCol="0">
+                <a:spAutoFit/>
+              </a:bodyPr>
+              <a:lstStyle/>
+              <a:p>
+                <a:r>
+                  <a:rPr lang="en-GB" sz="1050" dirty="0"/>
+                  <a:t>10</a:t>
+                </a:r>
+              </a:p>
+            </p:txBody>
+          </p:sp>
+        </p:grpSp>
+        <p:grpSp>
+          <p:nvGrpSpPr>
+            <p:cNvPr id="179" name="Group 178">
+              <a:extLst>
+                <a:ext uri="{FF2B5EF4-FFF2-40B4-BE49-F238E27FC236}">
+                  <a16:creationId xmlns:a16="http://schemas.microsoft.com/office/drawing/2014/main" id="{FC6555C7-C784-1259-C83D-0C05D2CC90BE}"/>
+                </a:ext>
+              </a:extLst>
+            </p:cNvPr>
+            <p:cNvGrpSpPr/>
+            <p:nvPr/>
+          </p:nvGrpSpPr>
+          <p:grpSpPr>
+            <a:xfrm>
+              <a:off x="4087723" y="1866454"/>
+              <a:ext cx="369172" cy="310126"/>
+              <a:chOff x="1552576" y="642938"/>
+              <a:chExt cx="369172" cy="310126"/>
+            </a:xfrm>
+          </p:grpSpPr>
+          <p:sp>
+            <p:nvSpPr>
+              <p:cNvPr id="180" name="Oval 179">
+                <a:extLst>
+                  <a:ext uri="{FF2B5EF4-FFF2-40B4-BE49-F238E27FC236}">
+                    <a16:creationId xmlns:a16="http://schemas.microsoft.com/office/drawing/2014/main" id="{38554045-936C-2439-6221-3DA9C13F92E8}"/>
+                  </a:ext>
+                </a:extLst>
+              </p:cNvPr>
+              <p:cNvSpPr/>
+              <p:nvPr/>
+            </p:nvSpPr>
+            <p:spPr>
+              <a:xfrm>
+                <a:off x="1552576" y="642938"/>
+                <a:ext cx="192882" cy="192881"/>
+              </a:xfrm>
+              <a:prstGeom prst="ellipse">
+                <a:avLst/>
+              </a:prstGeom>
+              <a:solidFill>
+                <a:schemeClr val="bg1"/>
+              </a:solidFill>
+              <a:ln>
+                <a:solidFill>
+                  <a:schemeClr val="tx1"/>
+                </a:solidFill>
+              </a:ln>
+            </p:spPr>
+            <p:style>
+              <a:lnRef idx="2">
+                <a:schemeClr val="accent1">
+                  <a:shade val="50000"/>
+                </a:schemeClr>
+              </a:lnRef>
+              <a:fillRef idx="1">
+                <a:schemeClr val="accent1"/>
+              </a:fillRef>
+              <a:effectRef idx="0">
+                <a:schemeClr val="accent1"/>
+              </a:effectRef>
+              <a:fontRef idx="minor">
+                <a:schemeClr val="lt1"/>
+              </a:fontRef>
+            </p:style>
+            <p:txBody>
+              <a:bodyPr rtlCol="0" anchor="ctr"/>
+              <a:lstStyle/>
+              <a:p>
+                <a:pPr algn="ctr"/>
+                <a:endParaRPr lang="en-GB" dirty="0"/>
+              </a:p>
+            </p:txBody>
+          </p:sp>
+          <p:sp>
+            <p:nvSpPr>
+              <p:cNvPr id="181" name="TextBox 180">
+                <a:extLst>
+                  <a:ext uri="{FF2B5EF4-FFF2-40B4-BE49-F238E27FC236}">
+                    <a16:creationId xmlns:a16="http://schemas.microsoft.com/office/drawing/2014/main" id="{0D47A46D-2CF2-6C60-3C9F-1C5BF1EFA492}"/>
+                  </a:ext>
+                </a:extLst>
+              </p:cNvPr>
+              <p:cNvSpPr txBox="1"/>
+              <p:nvPr/>
+            </p:nvSpPr>
+            <p:spPr>
+              <a:xfrm>
+                <a:off x="1668152" y="699148"/>
+                <a:ext cx="253596" cy="253916"/>
+              </a:xfrm>
+              <a:prstGeom prst="rect">
+                <a:avLst/>
+              </a:prstGeom>
+              <a:noFill/>
+            </p:spPr>
+            <p:txBody>
+              <a:bodyPr wrap="none" rtlCol="0">
+                <a:spAutoFit/>
+              </a:bodyPr>
+              <a:lstStyle/>
+              <a:p>
+                <a:r>
+                  <a:rPr lang="en-GB" sz="1050" dirty="0"/>
+                  <a:t>3</a:t>
+                </a:r>
+              </a:p>
+            </p:txBody>
+          </p:sp>
+        </p:grpSp>
+        <p:grpSp>
+          <p:nvGrpSpPr>
+            <p:cNvPr id="40" name="Group 39">
+              <a:extLst>
+                <a:ext uri="{FF2B5EF4-FFF2-40B4-BE49-F238E27FC236}">
+                  <a16:creationId xmlns:a16="http://schemas.microsoft.com/office/drawing/2014/main" id="{98C66E08-28FB-E278-381E-26A3631C644F}"/>
+                </a:ext>
+              </a:extLst>
+            </p:cNvPr>
+            <p:cNvGrpSpPr/>
+            <p:nvPr/>
+          </p:nvGrpSpPr>
+          <p:grpSpPr>
+            <a:xfrm>
+              <a:off x="1567015" y="737160"/>
+              <a:ext cx="369172" cy="310126"/>
+              <a:chOff x="1552576" y="642938"/>
+              <a:chExt cx="369172" cy="310126"/>
+            </a:xfrm>
+          </p:grpSpPr>
+          <p:sp>
+            <p:nvSpPr>
+              <p:cNvPr id="39" name="TextBox 38">
+                <a:extLst>
+                  <a:ext uri="{FF2B5EF4-FFF2-40B4-BE49-F238E27FC236}">
+                    <a16:creationId xmlns:a16="http://schemas.microsoft.com/office/drawing/2014/main" id="{D0BE7834-65E6-10E5-A2B1-5DD84A863C5F}"/>
+                  </a:ext>
+                </a:extLst>
+              </p:cNvPr>
+              <p:cNvSpPr txBox="1"/>
+              <p:nvPr/>
+            </p:nvSpPr>
+            <p:spPr>
+              <a:xfrm>
+                <a:off x="1668152" y="699148"/>
+                <a:ext cx="253596" cy="253916"/>
+              </a:xfrm>
+              <a:prstGeom prst="rect">
+                <a:avLst/>
+              </a:prstGeom>
+              <a:noFill/>
+            </p:spPr>
+            <p:txBody>
+              <a:bodyPr wrap="none" rtlCol="0">
+                <a:spAutoFit/>
+              </a:bodyPr>
+              <a:lstStyle/>
+              <a:p>
+                <a:r>
+                  <a:rPr lang="en-GB" sz="1050" dirty="0"/>
+                  <a:t>1</a:t>
+                </a:r>
+              </a:p>
+            </p:txBody>
+          </p:sp>
+          <p:sp>
+            <p:nvSpPr>
+              <p:cNvPr id="9" name="Oval 8">
+                <a:extLst>
+                  <a:ext uri="{FF2B5EF4-FFF2-40B4-BE49-F238E27FC236}">
+                    <a16:creationId xmlns:a16="http://schemas.microsoft.com/office/drawing/2014/main" id="{940D4899-47AB-634A-A05D-0D903E0DF622}"/>
+                  </a:ext>
+                </a:extLst>
+              </p:cNvPr>
+              <p:cNvSpPr/>
+              <p:nvPr/>
+            </p:nvSpPr>
+            <p:spPr>
+              <a:xfrm>
+                <a:off x="1552576" y="642938"/>
+                <a:ext cx="192882" cy="192881"/>
+              </a:xfrm>
+              <a:prstGeom prst="ellipse">
+                <a:avLst/>
+              </a:prstGeom>
+              <a:solidFill>
+                <a:schemeClr val="bg1"/>
+              </a:solidFill>
+              <a:ln>
+                <a:solidFill>
+                  <a:schemeClr val="tx1"/>
+                </a:solidFill>
+              </a:ln>
+            </p:spPr>
+            <p:style>
+              <a:lnRef idx="2">
+                <a:schemeClr val="accent1">
+                  <a:shade val="50000"/>
+                </a:schemeClr>
+              </a:lnRef>
+              <a:fillRef idx="1">
+                <a:schemeClr val="accent1"/>
+              </a:fillRef>
+              <a:effectRef idx="0">
+                <a:schemeClr val="accent1"/>
+              </a:effectRef>
+              <a:fontRef idx="minor">
+                <a:schemeClr val="lt1"/>
+              </a:fontRef>
+            </p:style>
+            <p:txBody>
+              <a:bodyPr rtlCol="0" anchor="ctr"/>
+              <a:lstStyle/>
+              <a:p>
+                <a:pPr algn="ctr"/>
+                <a:endParaRPr lang="en-GB" dirty="0"/>
+              </a:p>
+            </p:txBody>
+          </p:sp>
+        </p:grpSp>
+        <p:grpSp>
+          <p:nvGrpSpPr>
+            <p:cNvPr id="41" name="Group 40">
+              <a:extLst>
+                <a:ext uri="{FF2B5EF4-FFF2-40B4-BE49-F238E27FC236}">
+                  <a16:creationId xmlns:a16="http://schemas.microsoft.com/office/drawing/2014/main" id="{B78EF54D-C6DF-80EA-9604-F183CB352124}"/>
+                </a:ext>
+              </a:extLst>
+            </p:cNvPr>
+            <p:cNvGrpSpPr/>
+            <p:nvPr/>
+          </p:nvGrpSpPr>
+          <p:grpSpPr>
+            <a:xfrm>
+              <a:off x="1567015" y="1088252"/>
+              <a:ext cx="369172" cy="310126"/>
+              <a:chOff x="1552576" y="642938"/>
+              <a:chExt cx="369172" cy="310126"/>
+            </a:xfrm>
+          </p:grpSpPr>
+          <p:sp>
+            <p:nvSpPr>
+              <p:cNvPr id="42" name="Oval 41">
+                <a:extLst>
+                  <a:ext uri="{FF2B5EF4-FFF2-40B4-BE49-F238E27FC236}">
+                    <a16:creationId xmlns:a16="http://schemas.microsoft.com/office/drawing/2014/main" id="{4F402A05-C367-8048-2F4F-6C80A0DDFB7F}"/>
+                  </a:ext>
+                </a:extLst>
+              </p:cNvPr>
+              <p:cNvSpPr/>
+              <p:nvPr/>
+            </p:nvSpPr>
+            <p:spPr>
+              <a:xfrm>
+                <a:off x="1552576" y="642938"/>
+                <a:ext cx="192882" cy="192881"/>
+              </a:xfrm>
+              <a:prstGeom prst="ellipse">
+                <a:avLst/>
+              </a:prstGeom>
+              <a:solidFill>
+                <a:schemeClr val="bg1"/>
+              </a:solidFill>
+              <a:ln>
+                <a:solidFill>
+                  <a:schemeClr val="tx1"/>
+                </a:solidFill>
+              </a:ln>
+            </p:spPr>
+            <p:style>
+              <a:lnRef idx="2">
+                <a:schemeClr val="accent1">
+                  <a:shade val="50000"/>
+                </a:schemeClr>
+              </a:lnRef>
+              <a:fillRef idx="1">
+                <a:schemeClr val="accent1"/>
+              </a:fillRef>
+              <a:effectRef idx="0">
+                <a:schemeClr val="accent1"/>
+              </a:effectRef>
+              <a:fontRef idx="minor">
+                <a:schemeClr val="lt1"/>
+              </a:fontRef>
+            </p:style>
+            <p:txBody>
+              <a:bodyPr rtlCol="0" anchor="ctr"/>
+              <a:lstStyle/>
+              <a:p>
+                <a:pPr algn="ctr"/>
+                <a:endParaRPr lang="en-GB" dirty="0"/>
+              </a:p>
+            </p:txBody>
+          </p:sp>
+          <p:sp>
+            <p:nvSpPr>
+              <p:cNvPr id="43" name="TextBox 42">
+                <a:extLst>
+                  <a:ext uri="{FF2B5EF4-FFF2-40B4-BE49-F238E27FC236}">
+                    <a16:creationId xmlns:a16="http://schemas.microsoft.com/office/drawing/2014/main" id="{015E25FB-8BB3-66DE-BB8E-9021A8B075E1}"/>
+                  </a:ext>
+                </a:extLst>
+              </p:cNvPr>
+              <p:cNvSpPr txBox="1"/>
+              <p:nvPr/>
+            </p:nvSpPr>
+            <p:spPr>
+              <a:xfrm>
+                <a:off x="1668152" y="699148"/>
+                <a:ext cx="253596" cy="253916"/>
+              </a:xfrm>
+              <a:prstGeom prst="rect">
+                <a:avLst/>
+              </a:prstGeom>
+              <a:noFill/>
+            </p:spPr>
+            <p:txBody>
+              <a:bodyPr wrap="none" rtlCol="0">
+                <a:spAutoFit/>
+              </a:bodyPr>
+              <a:lstStyle/>
+              <a:p>
+                <a:r>
+                  <a:rPr lang="en-GB" sz="1050" dirty="0"/>
+                  <a:t>2</a:t>
+                </a:r>
+              </a:p>
+            </p:txBody>
+          </p:sp>
+        </p:grpSp>
+        <p:grpSp>
+          <p:nvGrpSpPr>
+            <p:cNvPr id="44" name="Group 43">
+              <a:extLst>
+                <a:ext uri="{FF2B5EF4-FFF2-40B4-BE49-F238E27FC236}">
+                  <a16:creationId xmlns:a16="http://schemas.microsoft.com/office/drawing/2014/main" id="{5FA3B4AA-7298-7D76-AD06-BB65C915A4CB}"/>
+                </a:ext>
+              </a:extLst>
+            </p:cNvPr>
+            <p:cNvGrpSpPr/>
+            <p:nvPr/>
+          </p:nvGrpSpPr>
+          <p:grpSpPr>
+            <a:xfrm>
+              <a:off x="1567015" y="1413413"/>
+              <a:ext cx="369172" cy="310126"/>
+              <a:chOff x="1552576" y="642938"/>
+              <a:chExt cx="369172" cy="310126"/>
+            </a:xfrm>
+          </p:grpSpPr>
+          <p:sp>
+            <p:nvSpPr>
+              <p:cNvPr id="45" name="Oval 44">
+                <a:extLst>
+                  <a:ext uri="{FF2B5EF4-FFF2-40B4-BE49-F238E27FC236}">
+                    <a16:creationId xmlns:a16="http://schemas.microsoft.com/office/drawing/2014/main" id="{3034FF07-1C44-B521-F472-E9DEF97C7A8D}"/>
+                  </a:ext>
+                </a:extLst>
+              </p:cNvPr>
+              <p:cNvSpPr/>
+              <p:nvPr/>
+            </p:nvSpPr>
+            <p:spPr>
+              <a:xfrm>
+                <a:off x="1552576" y="642938"/>
+                <a:ext cx="192882" cy="192881"/>
+              </a:xfrm>
+              <a:prstGeom prst="ellipse">
+                <a:avLst/>
+              </a:prstGeom>
+              <a:solidFill>
+                <a:schemeClr val="bg1"/>
+              </a:solidFill>
+              <a:ln>
+                <a:solidFill>
+                  <a:schemeClr val="tx1"/>
+                </a:solidFill>
+              </a:ln>
+            </p:spPr>
+            <p:style>
+              <a:lnRef idx="2">
+                <a:schemeClr val="accent1">
+                  <a:shade val="50000"/>
+                </a:schemeClr>
+              </a:lnRef>
+              <a:fillRef idx="1">
+                <a:schemeClr val="accent1"/>
+              </a:fillRef>
+              <a:effectRef idx="0">
+                <a:schemeClr val="accent1"/>
+              </a:effectRef>
+              <a:fontRef idx="minor">
+                <a:schemeClr val="lt1"/>
+              </a:fontRef>
+            </p:style>
+            <p:txBody>
+              <a:bodyPr rtlCol="0" anchor="ctr"/>
+              <a:lstStyle/>
+              <a:p>
+                <a:pPr algn="ctr"/>
+                <a:endParaRPr lang="en-GB" dirty="0"/>
+              </a:p>
+            </p:txBody>
+          </p:sp>
+          <p:sp>
+            <p:nvSpPr>
+              <p:cNvPr id="46" name="TextBox 45">
+                <a:extLst>
+                  <a:ext uri="{FF2B5EF4-FFF2-40B4-BE49-F238E27FC236}">
+                    <a16:creationId xmlns:a16="http://schemas.microsoft.com/office/drawing/2014/main" id="{4813243C-A7A1-C8E4-28B5-12A0C359802B}"/>
+                  </a:ext>
+                </a:extLst>
+              </p:cNvPr>
+              <p:cNvSpPr txBox="1"/>
+              <p:nvPr/>
+            </p:nvSpPr>
+            <p:spPr>
+              <a:xfrm>
+                <a:off x="1668152" y="699148"/>
+                <a:ext cx="253596" cy="253916"/>
+              </a:xfrm>
+              <a:prstGeom prst="rect">
+                <a:avLst/>
+              </a:prstGeom>
+              <a:noFill/>
+            </p:spPr>
+            <p:txBody>
+              <a:bodyPr wrap="none" rtlCol="0">
+                <a:spAutoFit/>
+              </a:bodyPr>
+              <a:lstStyle/>
+              <a:p>
+                <a:r>
+                  <a:rPr lang="en-GB" sz="1050" dirty="0"/>
+                  <a:t>3</a:t>
+                </a:r>
+              </a:p>
+            </p:txBody>
+          </p:sp>
+        </p:grpSp>
+        <p:grpSp>
+          <p:nvGrpSpPr>
+            <p:cNvPr id="53" name="Group 52">
+              <a:extLst>
+                <a:ext uri="{FF2B5EF4-FFF2-40B4-BE49-F238E27FC236}">
+                  <a16:creationId xmlns:a16="http://schemas.microsoft.com/office/drawing/2014/main" id="{5F8659F0-66D0-7695-6C80-9A76C44278F9}"/>
+                </a:ext>
+              </a:extLst>
+            </p:cNvPr>
+            <p:cNvGrpSpPr/>
+            <p:nvPr/>
+          </p:nvGrpSpPr>
+          <p:grpSpPr>
+            <a:xfrm>
+              <a:off x="1567015" y="2811503"/>
+              <a:ext cx="507030" cy="310126"/>
+              <a:chOff x="1552576" y="642938"/>
+              <a:chExt cx="507030" cy="310126"/>
+            </a:xfrm>
+          </p:grpSpPr>
+          <p:sp>
+            <p:nvSpPr>
+              <p:cNvPr id="54" name="Oval 53">
+                <a:extLst>
+                  <a:ext uri="{FF2B5EF4-FFF2-40B4-BE49-F238E27FC236}">
+                    <a16:creationId xmlns:a16="http://schemas.microsoft.com/office/drawing/2014/main" id="{EF740CD7-3558-727F-34DE-29EE1438543C}"/>
+                  </a:ext>
+                </a:extLst>
+              </p:cNvPr>
+              <p:cNvSpPr/>
+              <p:nvPr/>
+            </p:nvSpPr>
+            <p:spPr>
+              <a:xfrm>
+                <a:off x="1552576" y="642938"/>
+                <a:ext cx="192882" cy="192881"/>
+              </a:xfrm>
+              <a:prstGeom prst="ellipse">
+                <a:avLst/>
+              </a:prstGeom>
+              <a:solidFill>
+                <a:schemeClr val="bg1"/>
+              </a:solidFill>
+              <a:ln>
+                <a:solidFill>
+                  <a:schemeClr val="tx1"/>
+                </a:solidFill>
+              </a:ln>
+            </p:spPr>
+            <p:style>
+              <a:lnRef idx="2">
+                <a:schemeClr val="accent1">
+                  <a:shade val="50000"/>
+                </a:schemeClr>
+              </a:lnRef>
+              <a:fillRef idx="1">
+                <a:schemeClr val="accent1"/>
+              </a:fillRef>
+              <a:effectRef idx="0">
+                <a:schemeClr val="accent1"/>
+              </a:effectRef>
+              <a:fontRef idx="minor">
+                <a:schemeClr val="lt1"/>
+              </a:fontRef>
+            </p:style>
+            <p:txBody>
+              <a:bodyPr rtlCol="0" anchor="ctr"/>
+              <a:lstStyle/>
+              <a:p>
+                <a:pPr algn="ctr"/>
+                <a:endParaRPr lang="en-GB"/>
+              </a:p>
+            </p:txBody>
+          </p:sp>
+          <p:sp>
+            <p:nvSpPr>
+              <p:cNvPr id="55" name="TextBox 54">
+                <a:extLst>
+                  <a:ext uri="{FF2B5EF4-FFF2-40B4-BE49-F238E27FC236}">
+                    <a16:creationId xmlns:a16="http://schemas.microsoft.com/office/drawing/2014/main" id="{559C7488-F77F-2B79-464E-7A0E9CA97468}"/>
+                  </a:ext>
+                </a:extLst>
+              </p:cNvPr>
+              <p:cNvSpPr txBox="1"/>
+              <p:nvPr/>
+            </p:nvSpPr>
+            <p:spPr>
+              <a:xfrm>
+                <a:off x="1668152" y="699148"/>
+                <a:ext cx="391454" cy="253916"/>
+              </a:xfrm>
+              <a:prstGeom prst="rect">
+                <a:avLst/>
+              </a:prstGeom>
+              <a:noFill/>
+            </p:spPr>
+            <p:txBody>
+              <a:bodyPr wrap="none" rtlCol="0">
+                <a:spAutoFit/>
+              </a:bodyPr>
+              <a:lstStyle/>
+              <a:p>
+                <a:r>
+                  <a:rPr lang="en-GB" sz="1050" dirty="0"/>
+                  <a:t>784</a:t>
+                </a:r>
+              </a:p>
+            </p:txBody>
+          </p:sp>
+        </p:grpSp>
+        <p:grpSp>
+          <p:nvGrpSpPr>
+            <p:cNvPr id="56" name="Group 55">
+              <a:extLst>
+                <a:ext uri="{FF2B5EF4-FFF2-40B4-BE49-F238E27FC236}">
+                  <a16:creationId xmlns:a16="http://schemas.microsoft.com/office/drawing/2014/main" id="{5D5A3C62-75EE-F3CE-BD25-D45EAE43BE68}"/>
+                </a:ext>
+              </a:extLst>
+            </p:cNvPr>
+            <p:cNvGrpSpPr/>
+            <p:nvPr/>
+          </p:nvGrpSpPr>
+          <p:grpSpPr>
+            <a:xfrm>
+              <a:off x="2472874" y="871801"/>
+              <a:ext cx="369172" cy="310126"/>
+              <a:chOff x="1552576" y="642938"/>
+              <a:chExt cx="369172" cy="310126"/>
+            </a:xfrm>
+          </p:grpSpPr>
+          <p:sp>
+            <p:nvSpPr>
+              <p:cNvPr id="57" name="Oval 56">
+                <a:extLst>
+                  <a:ext uri="{FF2B5EF4-FFF2-40B4-BE49-F238E27FC236}">
+                    <a16:creationId xmlns:a16="http://schemas.microsoft.com/office/drawing/2014/main" id="{47EF78B8-14A9-61B5-707B-E4360E337F0B}"/>
+                  </a:ext>
+                </a:extLst>
+              </p:cNvPr>
+              <p:cNvSpPr/>
+              <p:nvPr/>
+            </p:nvSpPr>
+            <p:spPr>
+              <a:xfrm>
+                <a:off x="1552576" y="642938"/>
+                <a:ext cx="192882" cy="192881"/>
+              </a:xfrm>
+              <a:prstGeom prst="ellipse">
+                <a:avLst/>
+              </a:prstGeom>
+              <a:solidFill>
+                <a:schemeClr val="bg1"/>
+              </a:solidFill>
+              <a:ln>
+                <a:solidFill>
+                  <a:schemeClr val="tx1"/>
+                </a:solidFill>
+              </a:ln>
+            </p:spPr>
+            <p:style>
+              <a:lnRef idx="2">
+                <a:schemeClr val="accent1">
+                  <a:shade val="50000"/>
+                </a:schemeClr>
+              </a:lnRef>
+              <a:fillRef idx="1">
+                <a:schemeClr val="accent1"/>
+              </a:fillRef>
+              <a:effectRef idx="0">
+                <a:schemeClr val="accent1"/>
+              </a:effectRef>
+              <a:fontRef idx="minor">
+                <a:schemeClr val="lt1"/>
+              </a:fontRef>
+            </p:style>
+            <p:txBody>
+              <a:bodyPr rtlCol="0" anchor="ctr"/>
+              <a:lstStyle/>
+              <a:p>
+                <a:pPr algn="ctr"/>
+                <a:endParaRPr lang="en-GB" dirty="0"/>
+              </a:p>
+            </p:txBody>
+          </p:sp>
+          <p:sp>
+            <p:nvSpPr>
+              <p:cNvPr id="58" name="TextBox 57">
+                <a:extLst>
+                  <a:ext uri="{FF2B5EF4-FFF2-40B4-BE49-F238E27FC236}">
+                    <a16:creationId xmlns:a16="http://schemas.microsoft.com/office/drawing/2014/main" id="{D435C4DA-D108-BAF6-FF8D-994734B72C58}"/>
+                  </a:ext>
+                </a:extLst>
+              </p:cNvPr>
+              <p:cNvSpPr txBox="1"/>
+              <p:nvPr/>
+            </p:nvSpPr>
+            <p:spPr>
+              <a:xfrm>
+                <a:off x="1668152" y="699148"/>
+                <a:ext cx="253596" cy="253916"/>
+              </a:xfrm>
+              <a:prstGeom prst="rect">
+                <a:avLst/>
+              </a:prstGeom>
+              <a:noFill/>
+            </p:spPr>
+            <p:txBody>
+              <a:bodyPr wrap="none" rtlCol="0">
+                <a:spAutoFit/>
+              </a:bodyPr>
+              <a:lstStyle/>
+              <a:p>
+                <a:r>
+                  <a:rPr lang="en-GB" sz="1050" dirty="0"/>
+                  <a:t>1</a:t>
+                </a:r>
+              </a:p>
+            </p:txBody>
+          </p:sp>
+        </p:grpSp>
+        <p:grpSp>
+          <p:nvGrpSpPr>
+            <p:cNvPr id="59" name="Group 58">
+              <a:extLst>
+                <a:ext uri="{FF2B5EF4-FFF2-40B4-BE49-F238E27FC236}">
+                  <a16:creationId xmlns:a16="http://schemas.microsoft.com/office/drawing/2014/main" id="{55D497AA-E046-635C-C615-64B1D4936CB6}"/>
+                </a:ext>
+              </a:extLst>
+            </p:cNvPr>
+            <p:cNvGrpSpPr/>
+            <p:nvPr/>
+          </p:nvGrpSpPr>
+          <p:grpSpPr>
+            <a:xfrm>
+              <a:off x="2472874" y="1222893"/>
+              <a:ext cx="369172" cy="310126"/>
+              <a:chOff x="1552576" y="642938"/>
+              <a:chExt cx="369172" cy="310126"/>
+            </a:xfrm>
+          </p:grpSpPr>
+          <p:sp>
+            <p:nvSpPr>
+              <p:cNvPr id="60" name="Oval 59">
+                <a:extLst>
+                  <a:ext uri="{FF2B5EF4-FFF2-40B4-BE49-F238E27FC236}">
+                    <a16:creationId xmlns:a16="http://schemas.microsoft.com/office/drawing/2014/main" id="{F63DDBF3-00BF-DACF-6762-507911F184AB}"/>
+                  </a:ext>
+                </a:extLst>
+              </p:cNvPr>
+              <p:cNvSpPr/>
+              <p:nvPr/>
+            </p:nvSpPr>
+            <p:spPr>
+              <a:xfrm>
+                <a:off x="1552576" y="642938"/>
+                <a:ext cx="192882" cy="192881"/>
+              </a:xfrm>
+              <a:prstGeom prst="ellipse">
+                <a:avLst/>
+              </a:prstGeom>
+              <a:solidFill>
+                <a:schemeClr val="bg1"/>
+              </a:solidFill>
+              <a:ln>
+                <a:solidFill>
+                  <a:schemeClr val="tx1"/>
+                </a:solidFill>
+              </a:ln>
+            </p:spPr>
+            <p:style>
+              <a:lnRef idx="2">
+                <a:schemeClr val="accent1">
+                  <a:shade val="50000"/>
+                </a:schemeClr>
+              </a:lnRef>
+              <a:fillRef idx="1">
+                <a:schemeClr val="accent1"/>
+              </a:fillRef>
+              <a:effectRef idx="0">
+                <a:schemeClr val="accent1"/>
+              </a:effectRef>
+              <a:fontRef idx="minor">
+                <a:schemeClr val="lt1"/>
+              </a:fontRef>
+            </p:style>
+            <p:txBody>
+              <a:bodyPr rtlCol="0" anchor="ctr"/>
+              <a:lstStyle/>
+              <a:p>
+                <a:pPr algn="ctr"/>
+                <a:endParaRPr lang="en-GB" dirty="0"/>
+              </a:p>
+            </p:txBody>
+          </p:sp>
+          <p:sp>
+            <p:nvSpPr>
+              <p:cNvPr id="61" name="TextBox 60">
+                <a:extLst>
+                  <a:ext uri="{FF2B5EF4-FFF2-40B4-BE49-F238E27FC236}">
+                    <a16:creationId xmlns:a16="http://schemas.microsoft.com/office/drawing/2014/main" id="{98973BC6-41C2-C415-19BA-3F19E39D2FA0}"/>
+                  </a:ext>
+                </a:extLst>
+              </p:cNvPr>
+              <p:cNvSpPr txBox="1"/>
+              <p:nvPr/>
+            </p:nvSpPr>
+            <p:spPr>
+              <a:xfrm>
+                <a:off x="1668152" y="699148"/>
+                <a:ext cx="253596" cy="253916"/>
+              </a:xfrm>
+              <a:prstGeom prst="rect">
+                <a:avLst/>
+              </a:prstGeom>
+              <a:noFill/>
+            </p:spPr>
+            <p:txBody>
+              <a:bodyPr wrap="none" rtlCol="0">
+                <a:spAutoFit/>
+              </a:bodyPr>
+              <a:lstStyle/>
+              <a:p>
+                <a:r>
+                  <a:rPr lang="en-GB" sz="1050" dirty="0"/>
+                  <a:t>2</a:t>
+                </a:r>
+              </a:p>
+            </p:txBody>
+          </p:sp>
+        </p:grpSp>
+        <p:grpSp>
+          <p:nvGrpSpPr>
+            <p:cNvPr id="62" name="Group 61">
+              <a:extLst>
+                <a:ext uri="{FF2B5EF4-FFF2-40B4-BE49-F238E27FC236}">
+                  <a16:creationId xmlns:a16="http://schemas.microsoft.com/office/drawing/2014/main" id="{D8FCC8CF-ED48-A4F0-F94D-7CDB514D1C62}"/>
+                </a:ext>
+              </a:extLst>
+            </p:cNvPr>
+            <p:cNvGrpSpPr/>
+            <p:nvPr/>
+          </p:nvGrpSpPr>
+          <p:grpSpPr>
+            <a:xfrm>
+              <a:off x="2472874" y="1548054"/>
+              <a:ext cx="369172" cy="310126"/>
+              <a:chOff x="1552576" y="642938"/>
+              <a:chExt cx="369172" cy="310126"/>
+            </a:xfrm>
+          </p:grpSpPr>
+          <p:sp>
+            <p:nvSpPr>
+              <p:cNvPr id="63" name="Oval 62">
+                <a:extLst>
+                  <a:ext uri="{FF2B5EF4-FFF2-40B4-BE49-F238E27FC236}">
+                    <a16:creationId xmlns:a16="http://schemas.microsoft.com/office/drawing/2014/main" id="{B5931F69-A9D5-EC84-349D-2964EED739DC}"/>
+                  </a:ext>
+                </a:extLst>
+              </p:cNvPr>
+              <p:cNvSpPr/>
+              <p:nvPr/>
+            </p:nvSpPr>
+            <p:spPr>
+              <a:xfrm>
+                <a:off x="1552576" y="642938"/>
+                <a:ext cx="192882" cy="192881"/>
+              </a:xfrm>
+              <a:prstGeom prst="ellipse">
+                <a:avLst/>
+              </a:prstGeom>
+              <a:solidFill>
+                <a:schemeClr val="bg1"/>
+              </a:solidFill>
+              <a:ln>
+                <a:solidFill>
+                  <a:schemeClr val="tx1"/>
+                </a:solidFill>
+              </a:ln>
+            </p:spPr>
+            <p:style>
+              <a:lnRef idx="2">
+                <a:schemeClr val="accent1">
+                  <a:shade val="50000"/>
+                </a:schemeClr>
+              </a:lnRef>
+              <a:fillRef idx="1">
+                <a:schemeClr val="accent1"/>
+              </a:fillRef>
+              <a:effectRef idx="0">
+                <a:schemeClr val="accent1"/>
+              </a:effectRef>
+              <a:fontRef idx="minor">
+                <a:schemeClr val="lt1"/>
+              </a:fontRef>
+            </p:style>
+            <p:txBody>
+              <a:bodyPr rtlCol="0" anchor="ctr"/>
+              <a:lstStyle/>
+              <a:p>
+                <a:pPr algn="ctr"/>
+                <a:endParaRPr lang="en-GB"/>
+              </a:p>
+            </p:txBody>
+          </p:sp>
+          <p:sp>
+            <p:nvSpPr>
+              <p:cNvPr id="64" name="TextBox 63">
+                <a:extLst>
+                  <a:ext uri="{FF2B5EF4-FFF2-40B4-BE49-F238E27FC236}">
+                    <a16:creationId xmlns:a16="http://schemas.microsoft.com/office/drawing/2014/main" id="{5D5E3154-D69B-7AE7-F40D-0B94788EB25F}"/>
+                  </a:ext>
+                </a:extLst>
+              </p:cNvPr>
+              <p:cNvSpPr txBox="1"/>
+              <p:nvPr/>
+            </p:nvSpPr>
+            <p:spPr>
+              <a:xfrm>
+                <a:off x="1668152" y="699148"/>
+                <a:ext cx="253596" cy="253916"/>
+              </a:xfrm>
+              <a:prstGeom prst="rect">
+                <a:avLst/>
+              </a:prstGeom>
+              <a:noFill/>
+            </p:spPr>
+            <p:txBody>
+              <a:bodyPr wrap="none" rtlCol="0">
+                <a:spAutoFit/>
+              </a:bodyPr>
+              <a:lstStyle/>
+              <a:p>
+                <a:r>
+                  <a:rPr lang="en-GB" sz="1050" dirty="0"/>
+                  <a:t>3</a:t>
+                </a:r>
+              </a:p>
+            </p:txBody>
+          </p:sp>
+        </p:grpSp>
+        <p:grpSp>
+          <p:nvGrpSpPr>
+            <p:cNvPr id="65" name="Group 64">
+              <a:extLst>
+                <a:ext uri="{FF2B5EF4-FFF2-40B4-BE49-F238E27FC236}">
+                  <a16:creationId xmlns:a16="http://schemas.microsoft.com/office/drawing/2014/main" id="{37DCBBE3-B78A-BE9D-904A-E98EC5E470F5}"/>
+                </a:ext>
+              </a:extLst>
+            </p:cNvPr>
+            <p:cNvGrpSpPr/>
+            <p:nvPr/>
+          </p:nvGrpSpPr>
+          <p:grpSpPr>
+            <a:xfrm>
+              <a:off x="2472874" y="2689859"/>
+              <a:ext cx="507030" cy="310126"/>
+              <a:chOff x="1552576" y="642938"/>
+              <a:chExt cx="507030" cy="310126"/>
+            </a:xfrm>
+          </p:grpSpPr>
+          <p:sp>
+            <p:nvSpPr>
+              <p:cNvPr id="66" name="Oval 65">
+                <a:extLst>
+                  <a:ext uri="{FF2B5EF4-FFF2-40B4-BE49-F238E27FC236}">
+                    <a16:creationId xmlns:a16="http://schemas.microsoft.com/office/drawing/2014/main" id="{E6ADC372-A4A4-6E0E-2F75-BD043255EF3E}"/>
+                  </a:ext>
+                </a:extLst>
+              </p:cNvPr>
+              <p:cNvSpPr/>
+              <p:nvPr/>
+            </p:nvSpPr>
+            <p:spPr>
+              <a:xfrm>
+                <a:off x="1552576" y="642938"/>
+                <a:ext cx="192882" cy="192881"/>
+              </a:xfrm>
+              <a:prstGeom prst="ellipse">
+                <a:avLst/>
+              </a:prstGeom>
+              <a:solidFill>
+                <a:schemeClr val="bg1"/>
+              </a:solidFill>
+              <a:ln>
+                <a:solidFill>
+                  <a:schemeClr val="tx1"/>
+                </a:solidFill>
+              </a:ln>
+            </p:spPr>
+            <p:style>
+              <a:lnRef idx="2">
+                <a:schemeClr val="accent1">
+                  <a:shade val="50000"/>
+                </a:schemeClr>
+              </a:lnRef>
+              <a:fillRef idx="1">
+                <a:schemeClr val="accent1"/>
+              </a:fillRef>
+              <a:effectRef idx="0">
+                <a:schemeClr val="accent1"/>
+              </a:effectRef>
+              <a:fontRef idx="minor">
+                <a:schemeClr val="lt1"/>
+              </a:fontRef>
+            </p:style>
+            <p:txBody>
+              <a:bodyPr rtlCol="0" anchor="ctr"/>
+              <a:lstStyle/>
+              <a:p>
+                <a:pPr algn="ctr"/>
+                <a:endParaRPr lang="en-GB"/>
+              </a:p>
+            </p:txBody>
+          </p:sp>
+          <p:sp>
+            <p:nvSpPr>
+              <p:cNvPr id="67" name="TextBox 66">
+                <a:extLst>
+                  <a:ext uri="{FF2B5EF4-FFF2-40B4-BE49-F238E27FC236}">
+                    <a16:creationId xmlns:a16="http://schemas.microsoft.com/office/drawing/2014/main" id="{CD8F9017-0186-C8F9-00E2-BCCDA1193BB2}"/>
+                  </a:ext>
+                </a:extLst>
+              </p:cNvPr>
+              <p:cNvSpPr txBox="1"/>
+              <p:nvPr/>
+            </p:nvSpPr>
+            <p:spPr>
+              <a:xfrm>
+                <a:off x="1668152" y="699148"/>
+                <a:ext cx="391454" cy="253916"/>
+              </a:xfrm>
+              <a:prstGeom prst="rect">
+                <a:avLst/>
+              </a:prstGeom>
+              <a:noFill/>
+            </p:spPr>
+            <p:txBody>
+              <a:bodyPr wrap="none" rtlCol="0">
+                <a:spAutoFit/>
+              </a:bodyPr>
+              <a:lstStyle/>
+              <a:p>
+                <a:r>
+                  <a:rPr lang="en-GB" sz="1050" dirty="0"/>
+                  <a:t>512</a:t>
+                </a:r>
+              </a:p>
+            </p:txBody>
+          </p:sp>
+        </p:grpSp>
+        <p:sp>
+          <p:nvSpPr>
+            <p:cNvPr id="94" name="TextBox 93">
+              <a:extLst>
+                <a:ext uri="{FF2B5EF4-FFF2-40B4-BE49-F238E27FC236}">
+                  <a16:creationId xmlns:a16="http://schemas.microsoft.com/office/drawing/2014/main" id="{D2AC6B76-1F8C-3146-3793-E19CD40DDE0B}"/>
+                </a:ext>
+              </a:extLst>
+            </p:cNvPr>
+            <p:cNvSpPr txBox="1"/>
+            <p:nvPr/>
+          </p:nvSpPr>
+          <p:spPr>
+            <a:xfrm>
+              <a:off x="3274748" y="1677281"/>
+              <a:ext cx="242374" cy="923330"/>
+            </a:xfrm>
+            <a:prstGeom prst="rect">
+              <a:avLst/>
+            </a:prstGeom>
+            <a:noFill/>
+          </p:spPr>
+          <p:txBody>
+            <a:bodyPr wrap="none" rtlCol="0">
+              <a:spAutoFit/>
+            </a:bodyPr>
+            <a:lstStyle/>
+            <a:p>
+              <a:r>
+                <a:rPr lang="en-GB" dirty="0"/>
+                <a:t>.</a:t>
+              </a:r>
+            </a:p>
+            <a:p>
+              <a:r>
+                <a:rPr lang="en-GB" dirty="0"/>
+                <a:t>.</a:t>
+              </a:r>
+            </a:p>
+            <a:p>
+              <a:r>
+                <a:rPr lang="en-GB" dirty="0"/>
+                <a:t>.</a:t>
+              </a:r>
+            </a:p>
+          </p:txBody>
+        </p:sp>
+        <p:grpSp>
+          <p:nvGrpSpPr>
+            <p:cNvPr id="95" name="Group 94">
+              <a:extLst>
+                <a:ext uri="{FF2B5EF4-FFF2-40B4-BE49-F238E27FC236}">
+                  <a16:creationId xmlns:a16="http://schemas.microsoft.com/office/drawing/2014/main" id="{9A574296-674E-3E69-B916-D1B310620555}"/>
+                </a:ext>
+              </a:extLst>
+            </p:cNvPr>
+            <p:cNvGrpSpPr/>
+            <p:nvPr/>
+          </p:nvGrpSpPr>
+          <p:grpSpPr>
+            <a:xfrm>
+              <a:off x="3297071" y="871801"/>
+              <a:ext cx="369172" cy="310126"/>
+              <a:chOff x="1552576" y="642938"/>
+              <a:chExt cx="369172" cy="310126"/>
+            </a:xfrm>
+          </p:grpSpPr>
+          <p:sp>
+            <p:nvSpPr>
+              <p:cNvPr id="96" name="Oval 95">
+                <a:extLst>
+                  <a:ext uri="{FF2B5EF4-FFF2-40B4-BE49-F238E27FC236}">
+                    <a16:creationId xmlns:a16="http://schemas.microsoft.com/office/drawing/2014/main" id="{BF1582B0-F7B5-E330-E499-1F6C113ED134}"/>
+                  </a:ext>
+                </a:extLst>
+              </p:cNvPr>
+              <p:cNvSpPr/>
+              <p:nvPr/>
+            </p:nvSpPr>
+            <p:spPr>
+              <a:xfrm>
+                <a:off x="1552576" y="642938"/>
+                <a:ext cx="192882" cy="192881"/>
+              </a:xfrm>
+              <a:prstGeom prst="ellipse">
+                <a:avLst/>
+              </a:prstGeom>
+              <a:solidFill>
+                <a:schemeClr val="bg1"/>
+              </a:solidFill>
+              <a:ln>
+                <a:solidFill>
+                  <a:schemeClr val="tx1"/>
+                </a:solidFill>
+              </a:ln>
+            </p:spPr>
+            <p:style>
+              <a:lnRef idx="2">
+                <a:schemeClr val="accent1">
+                  <a:shade val="50000"/>
+                </a:schemeClr>
+              </a:lnRef>
+              <a:fillRef idx="1">
+                <a:schemeClr val="accent1"/>
+              </a:fillRef>
+              <a:effectRef idx="0">
+                <a:schemeClr val="accent1"/>
+              </a:effectRef>
+              <a:fontRef idx="minor">
+                <a:schemeClr val="lt1"/>
+              </a:fontRef>
+            </p:style>
+            <p:txBody>
+              <a:bodyPr rtlCol="0" anchor="ctr"/>
+              <a:lstStyle/>
+              <a:p>
+                <a:pPr algn="ctr"/>
+                <a:endParaRPr lang="en-GB" dirty="0"/>
+              </a:p>
+            </p:txBody>
+          </p:sp>
+          <p:sp>
+            <p:nvSpPr>
+              <p:cNvPr id="97" name="TextBox 96">
+                <a:extLst>
+                  <a:ext uri="{FF2B5EF4-FFF2-40B4-BE49-F238E27FC236}">
+                    <a16:creationId xmlns:a16="http://schemas.microsoft.com/office/drawing/2014/main" id="{DD48B31D-DAAA-345C-BC93-A710933EFF2D}"/>
+                  </a:ext>
+                </a:extLst>
+              </p:cNvPr>
+              <p:cNvSpPr txBox="1"/>
+              <p:nvPr/>
+            </p:nvSpPr>
+            <p:spPr>
+              <a:xfrm>
+                <a:off x="1668152" y="699148"/>
+                <a:ext cx="253596" cy="253916"/>
+              </a:xfrm>
+              <a:prstGeom prst="rect">
+                <a:avLst/>
+              </a:prstGeom>
+              <a:noFill/>
+            </p:spPr>
+            <p:txBody>
+              <a:bodyPr wrap="none" rtlCol="0">
+                <a:spAutoFit/>
+              </a:bodyPr>
+              <a:lstStyle/>
+              <a:p>
+                <a:r>
+                  <a:rPr lang="en-GB" sz="1050" dirty="0"/>
+                  <a:t>1</a:t>
+                </a:r>
+              </a:p>
+            </p:txBody>
+          </p:sp>
+        </p:grpSp>
+        <p:grpSp>
+          <p:nvGrpSpPr>
+            <p:cNvPr id="98" name="Group 97">
+              <a:extLst>
+                <a:ext uri="{FF2B5EF4-FFF2-40B4-BE49-F238E27FC236}">
+                  <a16:creationId xmlns:a16="http://schemas.microsoft.com/office/drawing/2014/main" id="{F376D7DD-2FFE-5374-A161-6BAB86816315}"/>
+                </a:ext>
+              </a:extLst>
+            </p:cNvPr>
+            <p:cNvGrpSpPr/>
+            <p:nvPr/>
+          </p:nvGrpSpPr>
+          <p:grpSpPr>
+            <a:xfrm>
+              <a:off x="3297071" y="1222893"/>
+              <a:ext cx="369172" cy="310126"/>
+              <a:chOff x="1552576" y="642938"/>
+              <a:chExt cx="369172" cy="310126"/>
+            </a:xfrm>
+          </p:grpSpPr>
+          <p:sp>
+            <p:nvSpPr>
+              <p:cNvPr id="99" name="Oval 98">
+                <a:extLst>
+                  <a:ext uri="{FF2B5EF4-FFF2-40B4-BE49-F238E27FC236}">
+                    <a16:creationId xmlns:a16="http://schemas.microsoft.com/office/drawing/2014/main" id="{6040475A-DE69-EACD-7CDA-D5B3914C7778}"/>
+                  </a:ext>
+                </a:extLst>
+              </p:cNvPr>
+              <p:cNvSpPr/>
+              <p:nvPr/>
+            </p:nvSpPr>
+            <p:spPr>
+              <a:xfrm>
+                <a:off x="1552576" y="642938"/>
+                <a:ext cx="192882" cy="192881"/>
+              </a:xfrm>
+              <a:prstGeom prst="ellipse">
+                <a:avLst/>
+              </a:prstGeom>
+              <a:solidFill>
+                <a:schemeClr val="bg1"/>
+              </a:solidFill>
+              <a:ln>
+                <a:solidFill>
+                  <a:schemeClr val="tx1"/>
+                </a:solidFill>
+              </a:ln>
+            </p:spPr>
+            <p:style>
+              <a:lnRef idx="2">
+                <a:schemeClr val="accent1">
+                  <a:shade val="50000"/>
+                </a:schemeClr>
+              </a:lnRef>
+              <a:fillRef idx="1">
+                <a:schemeClr val="accent1"/>
+              </a:fillRef>
+              <a:effectRef idx="0">
+                <a:schemeClr val="accent1"/>
+              </a:effectRef>
+              <a:fontRef idx="minor">
+                <a:schemeClr val="lt1"/>
+              </a:fontRef>
+            </p:style>
+            <p:txBody>
+              <a:bodyPr rtlCol="0" anchor="ctr"/>
+              <a:lstStyle/>
+              <a:p>
+                <a:pPr algn="ctr"/>
+                <a:endParaRPr lang="en-GB"/>
+              </a:p>
+            </p:txBody>
+          </p:sp>
+          <p:sp>
+            <p:nvSpPr>
+              <p:cNvPr id="100" name="TextBox 99">
+                <a:extLst>
+                  <a:ext uri="{FF2B5EF4-FFF2-40B4-BE49-F238E27FC236}">
+                    <a16:creationId xmlns:a16="http://schemas.microsoft.com/office/drawing/2014/main" id="{60BF7C02-C09C-5E63-D7B6-AB7BD9F29C1E}"/>
+                  </a:ext>
+                </a:extLst>
+              </p:cNvPr>
+              <p:cNvSpPr txBox="1"/>
+              <p:nvPr/>
+            </p:nvSpPr>
+            <p:spPr>
+              <a:xfrm>
+                <a:off x="1668152" y="699148"/>
+                <a:ext cx="253596" cy="253916"/>
+              </a:xfrm>
+              <a:prstGeom prst="rect">
+                <a:avLst/>
+              </a:prstGeom>
+              <a:noFill/>
+            </p:spPr>
+            <p:txBody>
+              <a:bodyPr wrap="none" rtlCol="0">
+                <a:spAutoFit/>
+              </a:bodyPr>
+              <a:lstStyle/>
+              <a:p>
+                <a:r>
+                  <a:rPr lang="en-GB" sz="1050" dirty="0"/>
+                  <a:t>2</a:t>
+                </a:r>
+              </a:p>
+            </p:txBody>
+          </p:sp>
+        </p:grpSp>
+        <p:grpSp>
+          <p:nvGrpSpPr>
+            <p:cNvPr id="104" name="Group 103">
+              <a:extLst>
+                <a:ext uri="{FF2B5EF4-FFF2-40B4-BE49-F238E27FC236}">
+                  <a16:creationId xmlns:a16="http://schemas.microsoft.com/office/drawing/2014/main" id="{E4BAE1AD-0EBE-A243-07A7-6DF90D12CF6B}"/>
+                </a:ext>
+              </a:extLst>
+            </p:cNvPr>
+            <p:cNvGrpSpPr/>
+            <p:nvPr/>
+          </p:nvGrpSpPr>
+          <p:grpSpPr>
+            <a:xfrm>
+              <a:off x="3297071" y="2689859"/>
+              <a:ext cx="507030" cy="310126"/>
+              <a:chOff x="1552576" y="642938"/>
+              <a:chExt cx="507030" cy="310126"/>
+            </a:xfrm>
+          </p:grpSpPr>
+          <p:sp>
+            <p:nvSpPr>
+              <p:cNvPr id="105" name="Oval 104">
+                <a:extLst>
+                  <a:ext uri="{FF2B5EF4-FFF2-40B4-BE49-F238E27FC236}">
+                    <a16:creationId xmlns:a16="http://schemas.microsoft.com/office/drawing/2014/main" id="{0CFAB23D-9827-9D0F-EE34-6505D429FD23}"/>
+                  </a:ext>
+                </a:extLst>
+              </p:cNvPr>
+              <p:cNvSpPr/>
+              <p:nvPr/>
+            </p:nvSpPr>
+            <p:spPr>
+              <a:xfrm>
+                <a:off x="1552576" y="642938"/>
+                <a:ext cx="192882" cy="192881"/>
+              </a:xfrm>
+              <a:prstGeom prst="ellipse">
+                <a:avLst/>
+              </a:prstGeom>
+              <a:solidFill>
+                <a:schemeClr val="bg1"/>
+              </a:solidFill>
+              <a:ln>
+                <a:solidFill>
+                  <a:schemeClr val="tx1"/>
+                </a:solidFill>
+              </a:ln>
+            </p:spPr>
+            <p:style>
+              <a:lnRef idx="2">
+                <a:schemeClr val="accent1">
+                  <a:shade val="50000"/>
+                </a:schemeClr>
+              </a:lnRef>
+              <a:fillRef idx="1">
+                <a:schemeClr val="accent1"/>
+              </a:fillRef>
+              <a:effectRef idx="0">
+                <a:schemeClr val="accent1"/>
+              </a:effectRef>
+              <a:fontRef idx="minor">
+                <a:schemeClr val="lt1"/>
+              </a:fontRef>
+            </p:style>
+            <p:txBody>
+              <a:bodyPr rtlCol="0" anchor="ctr"/>
+              <a:lstStyle/>
+              <a:p>
+                <a:pPr algn="ctr"/>
+                <a:endParaRPr lang="en-GB"/>
+              </a:p>
+            </p:txBody>
+          </p:sp>
+          <p:sp>
+            <p:nvSpPr>
+              <p:cNvPr id="106" name="TextBox 105">
+                <a:extLst>
+                  <a:ext uri="{FF2B5EF4-FFF2-40B4-BE49-F238E27FC236}">
+                    <a16:creationId xmlns:a16="http://schemas.microsoft.com/office/drawing/2014/main" id="{DC171F3E-FF13-F9DA-0B69-D47F81ED2843}"/>
+                  </a:ext>
+                </a:extLst>
+              </p:cNvPr>
+              <p:cNvSpPr txBox="1"/>
+              <p:nvPr/>
+            </p:nvSpPr>
+            <p:spPr>
+              <a:xfrm>
+                <a:off x="1668152" y="699148"/>
+                <a:ext cx="391454" cy="253916"/>
+              </a:xfrm>
+              <a:prstGeom prst="rect">
+                <a:avLst/>
+              </a:prstGeom>
+              <a:noFill/>
+            </p:spPr>
+            <p:txBody>
+              <a:bodyPr wrap="none" rtlCol="0">
+                <a:spAutoFit/>
+              </a:bodyPr>
+              <a:lstStyle/>
+              <a:p>
+                <a:r>
+                  <a:rPr lang="en-GB" sz="1050" dirty="0"/>
+                  <a:t>512</a:t>
+                </a:r>
+              </a:p>
+            </p:txBody>
+          </p:sp>
+        </p:grpSp>
+        <p:grpSp>
+          <p:nvGrpSpPr>
+            <p:cNvPr id="101" name="Group 100">
+              <a:extLst>
+                <a:ext uri="{FF2B5EF4-FFF2-40B4-BE49-F238E27FC236}">
+                  <a16:creationId xmlns:a16="http://schemas.microsoft.com/office/drawing/2014/main" id="{457049CB-6F77-8978-9C5E-251EFCD422BB}"/>
+                </a:ext>
+              </a:extLst>
+            </p:cNvPr>
+            <p:cNvGrpSpPr/>
+            <p:nvPr/>
+          </p:nvGrpSpPr>
+          <p:grpSpPr>
+            <a:xfrm>
+              <a:off x="3297071" y="1548054"/>
+              <a:ext cx="369172" cy="310126"/>
+              <a:chOff x="1552576" y="642938"/>
+              <a:chExt cx="369172" cy="310126"/>
+            </a:xfrm>
+          </p:grpSpPr>
+          <p:sp>
+            <p:nvSpPr>
+              <p:cNvPr id="102" name="Oval 101">
+                <a:extLst>
+                  <a:ext uri="{FF2B5EF4-FFF2-40B4-BE49-F238E27FC236}">
+                    <a16:creationId xmlns:a16="http://schemas.microsoft.com/office/drawing/2014/main" id="{5DC6D790-8121-E737-A2FE-68572D97C922}"/>
+                  </a:ext>
+                </a:extLst>
+              </p:cNvPr>
+              <p:cNvSpPr/>
+              <p:nvPr/>
+            </p:nvSpPr>
+            <p:spPr>
+              <a:xfrm>
+                <a:off x="1552576" y="642938"/>
+                <a:ext cx="192882" cy="192881"/>
+              </a:xfrm>
+              <a:prstGeom prst="ellipse">
+                <a:avLst/>
+              </a:prstGeom>
+              <a:solidFill>
+                <a:schemeClr val="bg1"/>
+              </a:solidFill>
+              <a:ln>
+                <a:solidFill>
+                  <a:schemeClr val="tx1"/>
+                </a:solidFill>
+              </a:ln>
+            </p:spPr>
+            <p:style>
+              <a:lnRef idx="2">
+                <a:schemeClr val="accent1">
+                  <a:shade val="50000"/>
+                </a:schemeClr>
+              </a:lnRef>
+              <a:fillRef idx="1">
+                <a:schemeClr val="accent1"/>
+              </a:fillRef>
+              <a:effectRef idx="0">
+                <a:schemeClr val="accent1"/>
+              </a:effectRef>
+              <a:fontRef idx="minor">
+                <a:schemeClr val="lt1"/>
+              </a:fontRef>
+            </p:style>
+            <p:txBody>
+              <a:bodyPr rtlCol="0" anchor="ctr"/>
+              <a:lstStyle/>
+              <a:p>
+                <a:pPr algn="ctr"/>
+                <a:endParaRPr lang="en-GB" dirty="0"/>
+              </a:p>
+            </p:txBody>
+          </p:sp>
+          <p:sp>
+            <p:nvSpPr>
+              <p:cNvPr id="103" name="TextBox 102">
+                <a:extLst>
+                  <a:ext uri="{FF2B5EF4-FFF2-40B4-BE49-F238E27FC236}">
+                    <a16:creationId xmlns:a16="http://schemas.microsoft.com/office/drawing/2014/main" id="{48E91102-0283-BBEB-CEAF-7FD15C348061}"/>
+                  </a:ext>
+                </a:extLst>
+              </p:cNvPr>
+              <p:cNvSpPr txBox="1"/>
+              <p:nvPr/>
+            </p:nvSpPr>
+            <p:spPr>
+              <a:xfrm>
+                <a:off x="1668152" y="699148"/>
+                <a:ext cx="253596" cy="253916"/>
+              </a:xfrm>
+              <a:prstGeom prst="rect">
+                <a:avLst/>
+              </a:prstGeom>
+              <a:noFill/>
+            </p:spPr>
+            <p:txBody>
+              <a:bodyPr wrap="none" rtlCol="0">
+                <a:spAutoFit/>
+              </a:bodyPr>
+              <a:lstStyle/>
+              <a:p>
+                <a:r>
+                  <a:rPr lang="en-GB" sz="1050" dirty="0"/>
+                  <a:t>3</a:t>
+                </a:r>
+              </a:p>
+            </p:txBody>
+          </p:sp>
+        </p:grpSp>
+        <p:sp>
+          <p:nvSpPr>
+            <p:cNvPr id="2" name="TextBox 1">
+              <a:extLst>
+                <a:ext uri="{FF2B5EF4-FFF2-40B4-BE49-F238E27FC236}">
+                  <a16:creationId xmlns:a16="http://schemas.microsoft.com/office/drawing/2014/main" id="{A0EB3D1C-E0B9-B60A-90E7-ACDA67823ADE}"/>
+                </a:ext>
+              </a:extLst>
+            </p:cNvPr>
+            <p:cNvSpPr txBox="1"/>
+            <p:nvPr/>
+          </p:nvSpPr>
+          <p:spPr>
+            <a:xfrm>
+              <a:off x="2455289" y="577311"/>
+              <a:ext cx="301686" cy="307777"/>
+            </a:xfrm>
+            <a:prstGeom prst="rect">
+              <a:avLst/>
+            </a:prstGeom>
+            <a:noFill/>
+          </p:spPr>
+          <p:txBody>
+            <a:bodyPr wrap="none" rtlCol="0">
+              <a:spAutoFit/>
+            </a:bodyPr>
+            <a:lstStyle/>
+            <a:p>
+              <a:r>
+                <a:rPr lang="en-GB" sz="1400" b="1" dirty="0">
+                  <a:latin typeface="Arial" panose="020B0604020202020204" pitchFamily="34" charset="0"/>
+                  <a:cs typeface="Arial" panose="020B0604020202020204" pitchFamily="34" charset="0"/>
+                </a:rPr>
+                <a:t>l</a:t>
+              </a:r>
+              <a:r>
+                <a:rPr lang="en-GB" sz="1400" b="1" baseline="30000" dirty="0">
+                  <a:latin typeface="Arial" panose="020B0604020202020204" pitchFamily="34" charset="0"/>
+                  <a:cs typeface="Arial" panose="020B0604020202020204" pitchFamily="34" charset="0"/>
+                </a:rPr>
+                <a:t>1</a:t>
+              </a:r>
+            </a:p>
+          </p:txBody>
+        </p:sp>
+        <p:sp>
+          <p:nvSpPr>
+            <p:cNvPr id="3" name="TextBox 2">
+              <a:extLst>
+                <a:ext uri="{FF2B5EF4-FFF2-40B4-BE49-F238E27FC236}">
+                  <a16:creationId xmlns:a16="http://schemas.microsoft.com/office/drawing/2014/main" id="{B612F04F-177F-AB93-B236-5810B630C9DF}"/>
+                </a:ext>
+              </a:extLst>
+            </p:cNvPr>
+            <p:cNvSpPr txBox="1"/>
+            <p:nvPr/>
+          </p:nvSpPr>
+          <p:spPr>
+            <a:xfrm>
+              <a:off x="3278370" y="604937"/>
+              <a:ext cx="301686" cy="307777"/>
+            </a:xfrm>
+            <a:prstGeom prst="rect">
+              <a:avLst/>
+            </a:prstGeom>
+            <a:noFill/>
+          </p:spPr>
+          <p:txBody>
+            <a:bodyPr wrap="none" rtlCol="0">
+              <a:spAutoFit/>
+            </a:bodyPr>
+            <a:lstStyle/>
+            <a:p>
+              <a:r>
+                <a:rPr lang="en-GB" sz="1400" b="1" dirty="0">
+                  <a:latin typeface="Arial" panose="020B0604020202020204" pitchFamily="34" charset="0"/>
+                  <a:cs typeface="Arial" panose="020B0604020202020204" pitchFamily="34" charset="0"/>
+                </a:rPr>
+                <a:t>l</a:t>
+              </a:r>
+              <a:r>
+                <a:rPr lang="en-GB" sz="1400" b="1" baseline="30000" dirty="0">
+                  <a:latin typeface="Arial" panose="020B0604020202020204" pitchFamily="34" charset="0"/>
+                  <a:cs typeface="Arial" panose="020B0604020202020204" pitchFamily="34" charset="0"/>
+                </a:rPr>
+                <a:t>2</a:t>
+              </a:r>
+            </a:p>
+          </p:txBody>
+        </p:sp>
+        <p:sp>
+          <p:nvSpPr>
+            <p:cNvPr id="4" name="TextBox 3">
+              <a:extLst>
+                <a:ext uri="{FF2B5EF4-FFF2-40B4-BE49-F238E27FC236}">
+                  <a16:creationId xmlns:a16="http://schemas.microsoft.com/office/drawing/2014/main" id="{F7952D47-7151-1639-9A39-C5F9A17A2726}"/>
+                </a:ext>
+              </a:extLst>
+            </p:cNvPr>
+            <p:cNvSpPr txBox="1"/>
+            <p:nvPr/>
+          </p:nvSpPr>
+          <p:spPr>
+            <a:xfrm>
+              <a:off x="4061019" y="920852"/>
+              <a:ext cx="301686" cy="307777"/>
+            </a:xfrm>
+            <a:prstGeom prst="rect">
+              <a:avLst/>
+            </a:prstGeom>
+            <a:noFill/>
+          </p:spPr>
+          <p:txBody>
+            <a:bodyPr wrap="none" rtlCol="0">
+              <a:spAutoFit/>
+            </a:bodyPr>
+            <a:lstStyle/>
+            <a:p>
+              <a:r>
+                <a:rPr lang="en-GB" sz="1400" b="1" dirty="0">
+                  <a:latin typeface="Arial" panose="020B0604020202020204" pitchFamily="34" charset="0"/>
+                  <a:cs typeface="Arial" panose="020B0604020202020204" pitchFamily="34" charset="0"/>
+                </a:rPr>
+                <a:t>l</a:t>
+              </a:r>
+              <a:r>
+                <a:rPr lang="en-GB" sz="1400" b="1" baseline="30000" dirty="0">
+                  <a:latin typeface="Arial" panose="020B0604020202020204" pitchFamily="34" charset="0"/>
+                  <a:cs typeface="Arial" panose="020B0604020202020204" pitchFamily="34" charset="0"/>
+                </a:rPr>
+                <a:t>3</a:t>
+              </a:r>
+            </a:p>
+          </p:txBody>
+        </p:sp>
+        <p:sp>
+          <p:nvSpPr>
+            <p:cNvPr id="5" name="TextBox 4">
+              <a:extLst>
+                <a:ext uri="{FF2B5EF4-FFF2-40B4-BE49-F238E27FC236}">
+                  <a16:creationId xmlns:a16="http://schemas.microsoft.com/office/drawing/2014/main" id="{FE6901C3-2C26-446C-AD03-14AE200E5E49}"/>
+                </a:ext>
+              </a:extLst>
+            </p:cNvPr>
+            <p:cNvSpPr txBox="1"/>
+            <p:nvPr/>
+          </p:nvSpPr>
+          <p:spPr>
+            <a:xfrm>
+              <a:off x="1944493" y="647618"/>
+              <a:ext cx="421910" cy="307777"/>
+            </a:xfrm>
+            <a:prstGeom prst="rect">
+              <a:avLst/>
+            </a:prstGeom>
+            <a:noFill/>
+          </p:spPr>
+          <p:txBody>
+            <a:bodyPr wrap="none" rtlCol="0">
+              <a:spAutoFit/>
+            </a:bodyPr>
+            <a:lstStyle/>
+            <a:p>
+              <a:r>
+                <a:rPr lang="en-GB" sz="1400" b="1" dirty="0">
+                  <a:latin typeface="Arial" panose="020B0604020202020204" pitchFamily="34" charset="0"/>
+                  <a:cs typeface="Arial" panose="020B0604020202020204" pitchFamily="34" charset="0"/>
+                </a:rPr>
+                <a:t>W</a:t>
+              </a:r>
+              <a:r>
+                <a:rPr lang="en-GB" sz="1400" b="1" baseline="30000" dirty="0">
+                  <a:latin typeface="Arial" panose="020B0604020202020204" pitchFamily="34" charset="0"/>
+                  <a:cs typeface="Arial" panose="020B0604020202020204" pitchFamily="34" charset="0"/>
+                </a:rPr>
+                <a:t>1</a:t>
+              </a:r>
+            </a:p>
+          </p:txBody>
+        </p:sp>
+        <p:sp>
+          <p:nvSpPr>
+            <p:cNvPr id="6" name="TextBox 5">
+              <a:extLst>
+                <a:ext uri="{FF2B5EF4-FFF2-40B4-BE49-F238E27FC236}">
+                  <a16:creationId xmlns:a16="http://schemas.microsoft.com/office/drawing/2014/main" id="{08A876C6-7EF0-3F28-60D7-6B415D46A805}"/>
+                </a:ext>
+              </a:extLst>
+            </p:cNvPr>
+            <p:cNvSpPr txBox="1"/>
+            <p:nvPr/>
+          </p:nvSpPr>
+          <p:spPr>
+            <a:xfrm>
+              <a:off x="2803286" y="713496"/>
+              <a:ext cx="421910" cy="307777"/>
+            </a:xfrm>
+            <a:prstGeom prst="rect">
+              <a:avLst/>
+            </a:prstGeom>
+            <a:noFill/>
+          </p:spPr>
+          <p:txBody>
+            <a:bodyPr wrap="none" rtlCol="0">
+              <a:spAutoFit/>
+            </a:bodyPr>
+            <a:lstStyle/>
+            <a:p>
+              <a:r>
+                <a:rPr lang="en-GB" sz="1400" b="1" dirty="0">
+                  <a:latin typeface="Arial" panose="020B0604020202020204" pitchFamily="34" charset="0"/>
+                  <a:cs typeface="Arial" panose="020B0604020202020204" pitchFamily="34" charset="0"/>
+                </a:rPr>
+                <a:t>W</a:t>
+              </a:r>
+              <a:r>
+                <a:rPr lang="en-GB" sz="1400" b="1" baseline="30000" dirty="0">
+                  <a:latin typeface="Arial" panose="020B0604020202020204" pitchFamily="34" charset="0"/>
+                  <a:cs typeface="Arial" panose="020B0604020202020204" pitchFamily="34" charset="0"/>
+                </a:rPr>
+                <a:t>2</a:t>
+              </a:r>
+            </a:p>
+          </p:txBody>
+        </p:sp>
+        <p:sp>
+          <p:nvSpPr>
+            <p:cNvPr id="7" name="TextBox 6">
+              <a:extLst>
+                <a:ext uri="{FF2B5EF4-FFF2-40B4-BE49-F238E27FC236}">
+                  <a16:creationId xmlns:a16="http://schemas.microsoft.com/office/drawing/2014/main" id="{51287D65-3FDA-8C25-51B5-FC155B8D7FCA}"/>
+                </a:ext>
+              </a:extLst>
+            </p:cNvPr>
+            <p:cNvSpPr txBox="1"/>
+            <p:nvPr/>
+          </p:nvSpPr>
+          <p:spPr>
+            <a:xfrm>
+              <a:off x="3643663" y="845083"/>
+              <a:ext cx="421910" cy="307777"/>
+            </a:xfrm>
+            <a:prstGeom prst="rect">
+              <a:avLst/>
+            </a:prstGeom>
+            <a:noFill/>
+          </p:spPr>
+          <p:txBody>
+            <a:bodyPr wrap="none" rtlCol="0">
+              <a:spAutoFit/>
+            </a:bodyPr>
+            <a:lstStyle/>
+            <a:p>
+              <a:r>
+                <a:rPr lang="en-GB" sz="1400" b="1" dirty="0">
+                  <a:latin typeface="Arial" panose="020B0604020202020204" pitchFamily="34" charset="0"/>
+                  <a:cs typeface="Arial" panose="020B0604020202020204" pitchFamily="34" charset="0"/>
+                </a:rPr>
+                <a:t>W</a:t>
+              </a:r>
+              <a:r>
+                <a:rPr lang="en-GB" sz="1400" b="1" baseline="30000" dirty="0">
+                  <a:latin typeface="Arial" panose="020B0604020202020204" pitchFamily="34" charset="0"/>
+                  <a:cs typeface="Arial" panose="020B0604020202020204" pitchFamily="34" charset="0"/>
+                </a:rPr>
+                <a:t>3</a:t>
+              </a:r>
+            </a:p>
+          </p:txBody>
+        </p:sp>
+        <p:sp>
+          <p:nvSpPr>
+            <p:cNvPr id="8" name="TextBox 7">
+              <a:extLst>
+                <a:ext uri="{FF2B5EF4-FFF2-40B4-BE49-F238E27FC236}">
+                  <a16:creationId xmlns:a16="http://schemas.microsoft.com/office/drawing/2014/main" id="{4FF1288E-6113-FC74-25F4-B2920E421B0A}"/>
+                </a:ext>
+              </a:extLst>
+            </p:cNvPr>
+            <p:cNvSpPr txBox="1"/>
+            <p:nvPr/>
+          </p:nvSpPr>
+          <p:spPr>
+            <a:xfrm>
+              <a:off x="1525224" y="466317"/>
+              <a:ext cx="284052" cy="307777"/>
+            </a:xfrm>
+            <a:prstGeom prst="rect">
+              <a:avLst/>
+            </a:prstGeom>
+            <a:noFill/>
+          </p:spPr>
+          <p:txBody>
+            <a:bodyPr wrap="none" rtlCol="0">
+              <a:spAutoFit/>
+            </a:bodyPr>
+            <a:lstStyle/>
+            <a:p>
+              <a:r>
+                <a:rPr lang="en-GB" sz="1400" b="1" dirty="0">
+                  <a:latin typeface="Arial" panose="020B0604020202020204" pitchFamily="34" charset="0"/>
+                  <a:cs typeface="Arial" panose="020B0604020202020204" pitchFamily="34" charset="0"/>
+                </a:rPr>
+                <a:t>x</a:t>
+              </a:r>
+              <a:endParaRPr lang="en-GB" sz="1400" b="1" baseline="30000" dirty="0">
+                <a:latin typeface="Arial" panose="020B0604020202020204" pitchFamily="34" charset="0"/>
+                <a:cs typeface="Arial" panose="020B0604020202020204" pitchFamily="34" charset="0"/>
+              </a:endParaRPr>
+            </a:p>
+          </p:txBody>
+        </p:sp>
+      </p:grpSp>
+    </p:spTree>
+    <p:extLst>
+      <p:ext uri="{BB962C8B-B14F-4D97-AF65-F5344CB8AC3E}">
+        <p14:creationId xmlns:p14="http://schemas.microsoft.com/office/powerpoint/2010/main" val="1319301814"/>
+      </p:ext>
+    </p:extLst>
+  </p:cSld>
+  <p:clrMapOvr>
+    <a:masterClrMapping/>
+  </p:clrMapOvr>
+</p:sld>
+</file>
+
+<file path=ppt/slides/slide3.xml><?xml version="1.0" encoding="utf-8"?>
+<p:sld xmlns:a="http://schemas.openxmlformats.org/drawingml/2006/main" xmlns:r="http://schemas.openxmlformats.org/officeDocument/2006/relationships" xmlns:p="http://schemas.openxmlformats.org/presentationml/2006/main">
+  <p:cSld>
+    <p:spTree>
+      <p:nvGrpSpPr>
+        <p:cNvPr id="1" name="">
+          <a:extLst>
+            <a:ext uri="{FF2B5EF4-FFF2-40B4-BE49-F238E27FC236}">
+              <a16:creationId xmlns:a16="http://schemas.microsoft.com/office/drawing/2014/main" id="{CA64D3CC-3309-1483-0E74-0DC276B0DA76}"/>
+            </a:ext>
+          </a:extLst>
+        </p:cNvPr>
+        <p:cNvGrpSpPr/>
+        <p:nvPr/>
+      </p:nvGrpSpPr>
+      <p:grpSpPr>
+        <a:xfrm>
+          <a:off x="0" y="0"/>
+          <a:ext cx="0" cy="0"/>
+          <a:chOff x="0" y="0"/>
+          <a:chExt cx="0" cy="0"/>
+        </a:xfrm>
+      </p:grpSpPr>
+      <p:grpSp>
+        <p:nvGrpSpPr>
+          <p:cNvPr id="47" name="Group 46">
+            <a:extLst>
+              <a:ext uri="{FF2B5EF4-FFF2-40B4-BE49-F238E27FC236}">
+                <a16:creationId xmlns:a16="http://schemas.microsoft.com/office/drawing/2014/main" id="{010BCD56-3969-51FF-A5A4-825853B4B612}"/>
+              </a:ext>
+            </a:extLst>
+          </p:cNvPr>
+          <p:cNvGrpSpPr/>
+          <p:nvPr/>
+        </p:nvGrpSpPr>
+        <p:grpSpPr>
+          <a:xfrm>
+            <a:off x="1569674" y="454817"/>
+            <a:ext cx="3592936" cy="2973784"/>
+            <a:chOff x="1525224" y="466317"/>
+            <a:chExt cx="3592936" cy="2973784"/>
+          </a:xfrm>
+        </p:grpSpPr>
+        <p:sp>
+          <p:nvSpPr>
+            <p:cNvPr id="19" name="TextBox 18">
+              <a:extLst>
+                <a:ext uri="{FF2B5EF4-FFF2-40B4-BE49-F238E27FC236}">
+                  <a16:creationId xmlns:a16="http://schemas.microsoft.com/office/drawing/2014/main" id="{8D99FC3F-5295-7A3D-1BE2-BED76EC804AB}"/>
+                </a:ext>
+              </a:extLst>
+            </p:cNvPr>
+            <p:cNvSpPr txBox="1"/>
+            <p:nvPr/>
+          </p:nvSpPr>
+          <p:spPr>
+            <a:xfrm>
+              <a:off x="1543419" y="1559056"/>
+              <a:ext cx="242374" cy="1200329"/>
+            </a:xfrm>
+            <a:prstGeom prst="rect">
+              <a:avLst/>
+            </a:prstGeom>
+            <a:noFill/>
+          </p:spPr>
+          <p:txBody>
+            <a:bodyPr wrap="none" rtlCol="0">
+              <a:spAutoFit/>
+            </a:bodyPr>
+            <a:lstStyle/>
+            <a:p>
+              <a:r>
+                <a:rPr lang="en-GB" dirty="0"/>
+                <a:t>.</a:t>
+              </a:r>
+            </a:p>
+            <a:p>
+              <a:r>
+                <a:rPr lang="en-GB" dirty="0"/>
+                <a:t>.</a:t>
+              </a:r>
+            </a:p>
+            <a:p>
+              <a:r>
+                <a:rPr lang="en-GB" dirty="0"/>
+                <a:t>.</a:t>
+              </a:r>
+            </a:p>
+            <a:p>
+              <a:r>
+                <a:rPr lang="en-GB" dirty="0"/>
+                <a:t>.</a:t>
+              </a:r>
+            </a:p>
+          </p:txBody>
+        </p:sp>
+        <p:sp>
+          <p:nvSpPr>
+            <p:cNvPr id="20" name="TextBox 19">
+              <a:extLst>
+                <a:ext uri="{FF2B5EF4-FFF2-40B4-BE49-F238E27FC236}">
+                  <a16:creationId xmlns:a16="http://schemas.microsoft.com/office/drawing/2014/main" id="{CE3D290A-1A43-0A51-3B77-BF381665C351}"/>
+                </a:ext>
+              </a:extLst>
+            </p:cNvPr>
+            <p:cNvSpPr txBox="1"/>
+            <p:nvPr/>
+          </p:nvSpPr>
+          <p:spPr>
+            <a:xfrm>
+              <a:off x="2450550" y="1677281"/>
+              <a:ext cx="242374" cy="923330"/>
+            </a:xfrm>
+            <a:prstGeom prst="rect">
+              <a:avLst/>
+            </a:prstGeom>
+            <a:noFill/>
+          </p:spPr>
+          <p:txBody>
+            <a:bodyPr wrap="none" rtlCol="0">
+              <a:spAutoFit/>
+            </a:bodyPr>
+            <a:lstStyle/>
+            <a:p>
+              <a:r>
+                <a:rPr lang="en-GB" dirty="0"/>
+                <a:t>.</a:t>
+              </a:r>
+            </a:p>
+            <a:p>
+              <a:r>
+                <a:rPr lang="en-GB" dirty="0"/>
+                <a:t>.</a:t>
+              </a:r>
+            </a:p>
+            <a:p>
+              <a:r>
+                <a:rPr lang="en-GB" dirty="0"/>
+                <a:t>.</a:t>
+              </a:r>
+            </a:p>
+          </p:txBody>
+        </p:sp>
+        <p:cxnSp>
+          <p:nvCxnSpPr>
+            <p:cNvPr id="108" name="Straight Connector 107">
+              <a:extLst>
+                <a:ext uri="{FF2B5EF4-FFF2-40B4-BE49-F238E27FC236}">
+                  <a16:creationId xmlns:a16="http://schemas.microsoft.com/office/drawing/2014/main" id="{B652846C-273A-C1FA-21D0-D90EB0A76853}"/>
+                </a:ext>
+              </a:extLst>
+            </p:cNvPr>
+            <p:cNvCxnSpPr>
+              <a:cxnSpLocks/>
+            </p:cNvCxnSpPr>
+            <p:nvPr/>
+          </p:nvCxnSpPr>
+          <p:spPr>
+            <a:xfrm>
+              <a:off x="1651819" y="837708"/>
+              <a:ext cx="926199" cy="141585"/>
+            </a:xfrm>
+            <a:prstGeom prst="line">
+              <a:avLst/>
+            </a:prstGeom>
+          </p:spPr>
+          <p:style>
+            <a:lnRef idx="1">
+              <a:schemeClr val="accent1"/>
+            </a:lnRef>
+            <a:fillRef idx="0">
+              <a:schemeClr val="accent1"/>
+            </a:fillRef>
+            <a:effectRef idx="0">
+              <a:schemeClr val="accent1"/>
+            </a:effectRef>
+            <a:fontRef idx="minor">
+              <a:schemeClr val="tx1"/>
+            </a:fontRef>
+          </p:style>
+        </p:cxnSp>
+        <p:cxnSp>
+          <p:nvCxnSpPr>
+            <p:cNvPr id="111" name="Straight Connector 110">
+              <a:extLst>
+                <a:ext uri="{FF2B5EF4-FFF2-40B4-BE49-F238E27FC236}">
+                  <a16:creationId xmlns:a16="http://schemas.microsoft.com/office/drawing/2014/main" id="{E4F04871-2BD6-1A68-10F3-6CA96E411769}"/>
+                </a:ext>
+              </a:extLst>
+            </p:cNvPr>
+            <p:cNvCxnSpPr>
+              <a:cxnSpLocks/>
+            </p:cNvCxnSpPr>
+            <p:nvPr/>
+          </p:nvCxnSpPr>
+          <p:spPr>
+            <a:xfrm flipV="1">
+              <a:off x="1642834" y="979293"/>
+              <a:ext cx="935184" cy="211813"/>
+            </a:xfrm>
+            <a:prstGeom prst="line">
+              <a:avLst/>
+            </a:prstGeom>
+          </p:spPr>
+          <p:style>
+            <a:lnRef idx="1">
+              <a:schemeClr val="accent1"/>
+            </a:lnRef>
+            <a:fillRef idx="0">
+              <a:schemeClr val="accent1"/>
+            </a:fillRef>
+            <a:effectRef idx="0">
+              <a:schemeClr val="accent1"/>
+            </a:effectRef>
+            <a:fontRef idx="minor">
+              <a:schemeClr val="tx1"/>
+            </a:fontRef>
+          </p:style>
+        </p:cxnSp>
+        <p:cxnSp>
+          <p:nvCxnSpPr>
+            <p:cNvPr id="113" name="Straight Connector 112">
+              <a:extLst>
+                <a:ext uri="{FF2B5EF4-FFF2-40B4-BE49-F238E27FC236}">
+                  <a16:creationId xmlns:a16="http://schemas.microsoft.com/office/drawing/2014/main" id="{1DF5EE79-6EC4-406B-0C2E-AD57B0E258A1}"/>
+                </a:ext>
+              </a:extLst>
+            </p:cNvPr>
+            <p:cNvCxnSpPr>
+              <a:cxnSpLocks/>
+            </p:cNvCxnSpPr>
+            <p:nvPr/>
+          </p:nvCxnSpPr>
+          <p:spPr>
+            <a:xfrm flipV="1">
+              <a:off x="1669517" y="985192"/>
+              <a:ext cx="908501" cy="525043"/>
+            </a:xfrm>
+            <a:prstGeom prst="line">
+              <a:avLst/>
+            </a:prstGeom>
+          </p:spPr>
+          <p:style>
+            <a:lnRef idx="1">
+              <a:schemeClr val="accent1"/>
+            </a:lnRef>
+            <a:fillRef idx="0">
+              <a:schemeClr val="accent1"/>
+            </a:fillRef>
+            <a:effectRef idx="0">
+              <a:schemeClr val="accent1"/>
+            </a:effectRef>
+            <a:fontRef idx="minor">
+              <a:schemeClr val="tx1"/>
+            </a:fontRef>
+          </p:style>
+        </p:cxnSp>
+        <p:cxnSp>
+          <p:nvCxnSpPr>
+            <p:cNvPr id="116" name="Straight Connector 115">
+              <a:extLst>
+                <a:ext uri="{FF2B5EF4-FFF2-40B4-BE49-F238E27FC236}">
+                  <a16:creationId xmlns:a16="http://schemas.microsoft.com/office/drawing/2014/main" id="{79563059-5AB8-95B9-2A06-AAA2FCBB7EEF}"/>
+                </a:ext>
+              </a:extLst>
+            </p:cNvPr>
+            <p:cNvCxnSpPr>
+              <a:cxnSpLocks/>
+            </p:cNvCxnSpPr>
+            <p:nvPr/>
+          </p:nvCxnSpPr>
+          <p:spPr>
+            <a:xfrm flipV="1">
+              <a:off x="1646093" y="985192"/>
+              <a:ext cx="920126" cy="1922566"/>
+            </a:xfrm>
+            <a:prstGeom prst="line">
+              <a:avLst/>
+            </a:prstGeom>
+          </p:spPr>
+          <p:style>
+            <a:lnRef idx="1">
+              <a:schemeClr val="accent1"/>
+            </a:lnRef>
+            <a:fillRef idx="0">
+              <a:schemeClr val="accent1"/>
+            </a:fillRef>
+            <a:effectRef idx="0">
+              <a:schemeClr val="accent1"/>
+            </a:effectRef>
+            <a:fontRef idx="minor">
+              <a:schemeClr val="tx1"/>
+            </a:fontRef>
+          </p:style>
+        </p:cxnSp>
+        <p:cxnSp>
+          <p:nvCxnSpPr>
+            <p:cNvPr id="119" name="Straight Connector 118">
+              <a:extLst>
+                <a:ext uri="{FF2B5EF4-FFF2-40B4-BE49-F238E27FC236}">
+                  <a16:creationId xmlns:a16="http://schemas.microsoft.com/office/drawing/2014/main" id="{54951968-F8C7-2215-CC5D-A5C274E2AC42}"/>
+                </a:ext>
+              </a:extLst>
+            </p:cNvPr>
+            <p:cNvCxnSpPr>
+              <a:cxnSpLocks/>
+            </p:cNvCxnSpPr>
+            <p:nvPr/>
+          </p:nvCxnSpPr>
+          <p:spPr>
+            <a:xfrm>
+              <a:off x="1653447" y="1193893"/>
+              <a:ext cx="912772" cy="127562"/>
+            </a:xfrm>
+            <a:prstGeom prst="line">
+              <a:avLst/>
+            </a:prstGeom>
+          </p:spPr>
+          <p:style>
+            <a:lnRef idx="1">
+              <a:schemeClr val="dk1"/>
+            </a:lnRef>
+            <a:fillRef idx="0">
+              <a:schemeClr val="dk1"/>
+            </a:fillRef>
+            <a:effectRef idx="0">
+              <a:schemeClr val="dk1"/>
+            </a:effectRef>
+            <a:fontRef idx="minor">
+              <a:schemeClr val="tx1"/>
+            </a:fontRef>
+          </p:style>
+        </p:cxnSp>
+        <p:cxnSp>
+          <p:nvCxnSpPr>
+            <p:cNvPr id="121" name="Straight Connector 120">
+              <a:extLst>
+                <a:ext uri="{FF2B5EF4-FFF2-40B4-BE49-F238E27FC236}">
+                  <a16:creationId xmlns:a16="http://schemas.microsoft.com/office/drawing/2014/main" id="{2BC23640-1B32-550B-AE98-038F8059BDEA}"/>
+                </a:ext>
+              </a:extLst>
+            </p:cNvPr>
+            <p:cNvCxnSpPr>
+              <a:cxnSpLocks/>
+            </p:cNvCxnSpPr>
+            <p:nvPr/>
+          </p:nvCxnSpPr>
+          <p:spPr>
+            <a:xfrm>
+              <a:off x="1669517" y="839033"/>
+              <a:ext cx="920300" cy="494221"/>
+            </a:xfrm>
+            <a:prstGeom prst="line">
+              <a:avLst/>
+            </a:prstGeom>
+          </p:spPr>
+          <p:style>
+            <a:lnRef idx="1">
+              <a:schemeClr val="dk1"/>
+            </a:lnRef>
+            <a:fillRef idx="0">
+              <a:schemeClr val="dk1"/>
+            </a:fillRef>
+            <a:effectRef idx="0">
+              <a:schemeClr val="dk1"/>
+            </a:effectRef>
+            <a:fontRef idx="minor">
+              <a:schemeClr val="tx1"/>
+            </a:fontRef>
+          </p:style>
+        </p:cxnSp>
+        <p:cxnSp>
+          <p:nvCxnSpPr>
+            <p:cNvPr id="123" name="Straight Connector 122">
+              <a:extLst>
+                <a:ext uri="{FF2B5EF4-FFF2-40B4-BE49-F238E27FC236}">
+                  <a16:creationId xmlns:a16="http://schemas.microsoft.com/office/drawing/2014/main" id="{0E758547-95E6-C4B4-EA55-DFCBA68C22D4}"/>
+                </a:ext>
+              </a:extLst>
+            </p:cNvPr>
+            <p:cNvCxnSpPr>
+              <a:cxnSpLocks/>
+            </p:cNvCxnSpPr>
+            <p:nvPr/>
+          </p:nvCxnSpPr>
+          <p:spPr>
+            <a:xfrm>
+              <a:off x="1657306" y="837708"/>
+              <a:ext cx="932511" cy="831809"/>
+            </a:xfrm>
+            <a:prstGeom prst="line">
+              <a:avLst/>
+            </a:prstGeom>
+          </p:spPr>
+          <p:style>
+            <a:lnRef idx="1">
+              <a:schemeClr val="dk1"/>
+            </a:lnRef>
+            <a:fillRef idx="0">
+              <a:schemeClr val="dk1"/>
+            </a:fillRef>
+            <a:effectRef idx="0">
+              <a:schemeClr val="dk1"/>
+            </a:effectRef>
+            <a:fontRef idx="minor">
+              <a:schemeClr val="tx1"/>
+            </a:fontRef>
+          </p:style>
+        </p:cxnSp>
+        <p:cxnSp>
+          <p:nvCxnSpPr>
+            <p:cNvPr id="125" name="Straight Connector 124">
+              <a:extLst>
+                <a:ext uri="{FF2B5EF4-FFF2-40B4-BE49-F238E27FC236}">
+                  <a16:creationId xmlns:a16="http://schemas.microsoft.com/office/drawing/2014/main" id="{ED7B3F8A-0487-2B9C-8642-51233D443261}"/>
+                </a:ext>
+              </a:extLst>
+            </p:cNvPr>
+            <p:cNvCxnSpPr>
+              <a:cxnSpLocks/>
+            </p:cNvCxnSpPr>
+            <p:nvPr/>
+          </p:nvCxnSpPr>
+          <p:spPr>
+            <a:xfrm>
+              <a:off x="1655939" y="831760"/>
+              <a:ext cx="922079" cy="1976333"/>
+            </a:xfrm>
+            <a:prstGeom prst="line">
+              <a:avLst/>
+            </a:prstGeom>
+          </p:spPr>
+          <p:style>
+            <a:lnRef idx="1">
+              <a:schemeClr val="dk1"/>
+            </a:lnRef>
+            <a:fillRef idx="0">
+              <a:schemeClr val="dk1"/>
+            </a:fillRef>
+            <a:effectRef idx="0">
+              <a:schemeClr val="dk1"/>
+            </a:effectRef>
+            <a:fontRef idx="minor">
+              <a:schemeClr val="tx1"/>
+            </a:fontRef>
+          </p:style>
+        </p:cxnSp>
+        <p:cxnSp>
+          <p:nvCxnSpPr>
+            <p:cNvPr id="127" name="Straight Connector 126">
+              <a:extLst>
+                <a:ext uri="{FF2B5EF4-FFF2-40B4-BE49-F238E27FC236}">
+                  <a16:creationId xmlns:a16="http://schemas.microsoft.com/office/drawing/2014/main" id="{CC87EC2E-1640-74B2-F766-03D1C619A4E3}"/>
+                </a:ext>
+              </a:extLst>
+            </p:cNvPr>
+            <p:cNvCxnSpPr>
+              <a:cxnSpLocks/>
+            </p:cNvCxnSpPr>
+            <p:nvPr/>
+          </p:nvCxnSpPr>
+          <p:spPr>
+            <a:xfrm>
+              <a:off x="1661364" y="1197005"/>
+              <a:ext cx="928453" cy="454814"/>
+            </a:xfrm>
+            <a:prstGeom prst="line">
+              <a:avLst/>
+            </a:prstGeom>
+          </p:spPr>
+          <p:style>
+            <a:lnRef idx="1">
+              <a:schemeClr val="dk1"/>
+            </a:lnRef>
+            <a:fillRef idx="0">
+              <a:schemeClr val="dk1"/>
+            </a:fillRef>
+            <a:effectRef idx="0">
+              <a:schemeClr val="dk1"/>
+            </a:effectRef>
+            <a:fontRef idx="minor">
+              <a:schemeClr val="tx1"/>
+            </a:fontRef>
+          </p:style>
+        </p:cxnSp>
+        <p:cxnSp>
+          <p:nvCxnSpPr>
+            <p:cNvPr id="129" name="Straight Connector 128">
+              <a:extLst>
+                <a:ext uri="{FF2B5EF4-FFF2-40B4-BE49-F238E27FC236}">
+                  <a16:creationId xmlns:a16="http://schemas.microsoft.com/office/drawing/2014/main" id="{53644EFB-ED26-9182-AA07-90F8FFCDF4B3}"/>
+                </a:ext>
+              </a:extLst>
+            </p:cNvPr>
+            <p:cNvCxnSpPr>
+              <a:cxnSpLocks/>
+            </p:cNvCxnSpPr>
+            <p:nvPr/>
+          </p:nvCxnSpPr>
+          <p:spPr>
+            <a:xfrm>
+              <a:off x="1664692" y="1207389"/>
+              <a:ext cx="925125" cy="1624301"/>
+            </a:xfrm>
+            <a:prstGeom prst="line">
+              <a:avLst/>
+            </a:prstGeom>
+          </p:spPr>
+          <p:style>
+            <a:lnRef idx="1">
+              <a:schemeClr val="dk1"/>
+            </a:lnRef>
+            <a:fillRef idx="0">
+              <a:schemeClr val="dk1"/>
+            </a:fillRef>
+            <a:effectRef idx="0">
+              <a:schemeClr val="dk1"/>
+            </a:effectRef>
+            <a:fontRef idx="minor">
+              <a:schemeClr val="tx1"/>
+            </a:fontRef>
+          </p:style>
+        </p:cxnSp>
+        <p:cxnSp>
+          <p:nvCxnSpPr>
+            <p:cNvPr id="131" name="Straight Connector 130">
+              <a:extLst>
+                <a:ext uri="{FF2B5EF4-FFF2-40B4-BE49-F238E27FC236}">
+                  <a16:creationId xmlns:a16="http://schemas.microsoft.com/office/drawing/2014/main" id="{2D24506C-FE76-4C29-FAAC-EC201F77B074}"/>
+                </a:ext>
+              </a:extLst>
+            </p:cNvPr>
+            <p:cNvCxnSpPr>
+              <a:cxnSpLocks/>
+            </p:cNvCxnSpPr>
+            <p:nvPr/>
+          </p:nvCxnSpPr>
+          <p:spPr>
+            <a:xfrm flipV="1">
+              <a:off x="1672631" y="1327355"/>
+              <a:ext cx="917186" cy="180377"/>
+            </a:xfrm>
+            <a:prstGeom prst="line">
+              <a:avLst/>
+            </a:prstGeom>
+          </p:spPr>
+          <p:style>
+            <a:lnRef idx="1">
+              <a:schemeClr val="dk1"/>
+            </a:lnRef>
+            <a:fillRef idx="0">
+              <a:schemeClr val="dk1"/>
+            </a:fillRef>
+            <a:effectRef idx="0">
+              <a:schemeClr val="dk1"/>
+            </a:effectRef>
+            <a:fontRef idx="minor">
+              <a:schemeClr val="tx1"/>
+            </a:fontRef>
+          </p:style>
+        </p:cxnSp>
+        <p:cxnSp>
+          <p:nvCxnSpPr>
+            <p:cNvPr id="133" name="Straight Connector 132">
+              <a:extLst>
+                <a:ext uri="{FF2B5EF4-FFF2-40B4-BE49-F238E27FC236}">
+                  <a16:creationId xmlns:a16="http://schemas.microsoft.com/office/drawing/2014/main" id="{8FF86AC0-1D56-8954-548A-64ED1576A2B8}"/>
+                </a:ext>
+              </a:extLst>
+            </p:cNvPr>
+            <p:cNvCxnSpPr>
+              <a:cxnSpLocks/>
+            </p:cNvCxnSpPr>
+            <p:nvPr/>
+          </p:nvCxnSpPr>
+          <p:spPr>
+            <a:xfrm>
+              <a:off x="1683687" y="1512902"/>
+              <a:ext cx="906130" cy="127119"/>
+            </a:xfrm>
+            <a:prstGeom prst="line">
+              <a:avLst/>
+            </a:prstGeom>
+          </p:spPr>
+          <p:style>
+            <a:lnRef idx="1">
+              <a:schemeClr val="dk1"/>
+            </a:lnRef>
+            <a:fillRef idx="0">
+              <a:schemeClr val="dk1"/>
+            </a:fillRef>
+            <a:effectRef idx="0">
+              <a:schemeClr val="dk1"/>
+            </a:effectRef>
+            <a:fontRef idx="minor">
+              <a:schemeClr val="tx1"/>
+            </a:fontRef>
+          </p:style>
+        </p:cxnSp>
+        <p:cxnSp>
+          <p:nvCxnSpPr>
+            <p:cNvPr id="135" name="Straight Connector 134">
+              <a:extLst>
+                <a:ext uri="{FF2B5EF4-FFF2-40B4-BE49-F238E27FC236}">
+                  <a16:creationId xmlns:a16="http://schemas.microsoft.com/office/drawing/2014/main" id="{2B079B7C-B5CA-E373-6C28-BED2C004D8F7}"/>
+                </a:ext>
+              </a:extLst>
+            </p:cNvPr>
+            <p:cNvCxnSpPr>
+              <a:cxnSpLocks/>
+            </p:cNvCxnSpPr>
+            <p:nvPr/>
+          </p:nvCxnSpPr>
+          <p:spPr>
+            <a:xfrm>
+              <a:off x="1683687" y="1527874"/>
+              <a:ext cx="912029" cy="1297917"/>
+            </a:xfrm>
+            <a:prstGeom prst="line">
+              <a:avLst/>
+            </a:prstGeom>
+          </p:spPr>
+          <p:style>
+            <a:lnRef idx="1">
+              <a:schemeClr val="dk1"/>
+            </a:lnRef>
+            <a:fillRef idx="0">
+              <a:schemeClr val="dk1"/>
+            </a:fillRef>
+            <a:effectRef idx="0">
+              <a:schemeClr val="dk1"/>
+            </a:effectRef>
+            <a:fontRef idx="minor">
+              <a:schemeClr val="tx1"/>
+            </a:fontRef>
+          </p:style>
+        </p:cxnSp>
+        <p:cxnSp>
+          <p:nvCxnSpPr>
+            <p:cNvPr id="137" name="Straight Connector 136">
+              <a:extLst>
+                <a:ext uri="{FF2B5EF4-FFF2-40B4-BE49-F238E27FC236}">
+                  <a16:creationId xmlns:a16="http://schemas.microsoft.com/office/drawing/2014/main" id="{014C74DB-F8C6-7BEE-9DED-5C30E2FF6222}"/>
+                </a:ext>
+              </a:extLst>
+            </p:cNvPr>
+            <p:cNvCxnSpPr>
+              <a:cxnSpLocks/>
+            </p:cNvCxnSpPr>
+            <p:nvPr/>
+          </p:nvCxnSpPr>
+          <p:spPr>
+            <a:xfrm flipV="1">
+              <a:off x="1654190" y="2819892"/>
+              <a:ext cx="935627" cy="74259"/>
+            </a:xfrm>
+            <a:prstGeom prst="line">
+              <a:avLst/>
+            </a:prstGeom>
+          </p:spPr>
+          <p:style>
+            <a:lnRef idx="1">
+              <a:schemeClr val="dk1"/>
+            </a:lnRef>
+            <a:fillRef idx="0">
+              <a:schemeClr val="dk1"/>
+            </a:fillRef>
+            <a:effectRef idx="0">
+              <a:schemeClr val="dk1"/>
+            </a:effectRef>
+            <a:fontRef idx="minor">
+              <a:schemeClr val="tx1"/>
+            </a:fontRef>
+          </p:style>
+        </p:cxnSp>
+        <p:cxnSp>
+          <p:nvCxnSpPr>
+            <p:cNvPr id="139" name="Straight Connector 138">
+              <a:extLst>
+                <a:ext uri="{FF2B5EF4-FFF2-40B4-BE49-F238E27FC236}">
+                  <a16:creationId xmlns:a16="http://schemas.microsoft.com/office/drawing/2014/main" id="{E1147F36-3EAB-135C-9B88-99FE9458B3B3}"/>
+                </a:ext>
+              </a:extLst>
+            </p:cNvPr>
+            <p:cNvCxnSpPr>
+              <a:cxnSpLocks/>
+            </p:cNvCxnSpPr>
+            <p:nvPr/>
+          </p:nvCxnSpPr>
+          <p:spPr>
+            <a:xfrm flipV="1">
+              <a:off x="1660371" y="1321455"/>
+              <a:ext cx="923546" cy="1557883"/>
+            </a:xfrm>
+            <a:prstGeom prst="line">
+              <a:avLst/>
+            </a:prstGeom>
+          </p:spPr>
+          <p:style>
+            <a:lnRef idx="1">
+              <a:schemeClr val="dk1"/>
+            </a:lnRef>
+            <a:fillRef idx="0">
+              <a:schemeClr val="dk1"/>
+            </a:fillRef>
+            <a:effectRef idx="0">
+              <a:schemeClr val="dk1"/>
+            </a:effectRef>
+            <a:fontRef idx="minor">
+              <a:schemeClr val="tx1"/>
+            </a:fontRef>
+          </p:style>
+        </p:cxnSp>
+        <p:cxnSp>
+          <p:nvCxnSpPr>
+            <p:cNvPr id="141" name="Straight Connector 140">
+              <a:extLst>
+                <a:ext uri="{FF2B5EF4-FFF2-40B4-BE49-F238E27FC236}">
+                  <a16:creationId xmlns:a16="http://schemas.microsoft.com/office/drawing/2014/main" id="{3F430A25-F087-AF28-4B7F-955F818CE0FD}"/>
+                </a:ext>
+              </a:extLst>
+            </p:cNvPr>
+            <p:cNvCxnSpPr>
+              <a:cxnSpLocks/>
+            </p:cNvCxnSpPr>
+            <p:nvPr/>
+          </p:nvCxnSpPr>
+          <p:spPr>
+            <a:xfrm flipV="1">
+              <a:off x="1653335" y="1645920"/>
+              <a:ext cx="930582" cy="1240230"/>
+            </a:xfrm>
+            <a:prstGeom prst="line">
+              <a:avLst/>
+            </a:prstGeom>
+          </p:spPr>
+          <p:style>
+            <a:lnRef idx="1">
+              <a:schemeClr val="dk1"/>
+            </a:lnRef>
+            <a:fillRef idx="0">
+              <a:schemeClr val="dk1"/>
+            </a:fillRef>
+            <a:effectRef idx="0">
+              <a:schemeClr val="dk1"/>
+            </a:effectRef>
+            <a:fontRef idx="minor">
+              <a:schemeClr val="tx1"/>
+            </a:fontRef>
+          </p:style>
+        </p:cxnSp>
+        <p:cxnSp>
+          <p:nvCxnSpPr>
+            <p:cNvPr id="143" name="Straight Connector 142">
+              <a:extLst>
+                <a:ext uri="{FF2B5EF4-FFF2-40B4-BE49-F238E27FC236}">
+                  <a16:creationId xmlns:a16="http://schemas.microsoft.com/office/drawing/2014/main" id="{094788C6-A86C-D945-42FE-06F82CE418BA}"/>
+                </a:ext>
+              </a:extLst>
+            </p:cNvPr>
+            <p:cNvCxnSpPr>
+              <a:cxnSpLocks/>
+            </p:cNvCxnSpPr>
+            <p:nvPr/>
+          </p:nvCxnSpPr>
+          <p:spPr>
+            <a:xfrm flipV="1">
+              <a:off x="2573573" y="967494"/>
+              <a:ext cx="824455" cy="21498"/>
+            </a:xfrm>
+            <a:prstGeom prst="line">
+              <a:avLst/>
+            </a:prstGeom>
+            <a:ln>
+              <a:solidFill>
+                <a:srgbClr val="FBBF24"/>
+              </a:solidFill>
+            </a:ln>
+          </p:spPr>
+          <p:style>
+            <a:lnRef idx="1">
+              <a:schemeClr val="dk1"/>
+            </a:lnRef>
+            <a:fillRef idx="0">
+              <a:schemeClr val="dk1"/>
+            </a:fillRef>
+            <a:effectRef idx="0">
+              <a:schemeClr val="dk1"/>
+            </a:effectRef>
+            <a:fontRef idx="minor">
+              <a:schemeClr val="tx1"/>
+            </a:fontRef>
+          </p:style>
+        </p:cxnSp>
+        <p:cxnSp>
+          <p:nvCxnSpPr>
+            <p:cNvPr id="145" name="Straight Connector 144">
+              <a:extLst>
+                <a:ext uri="{FF2B5EF4-FFF2-40B4-BE49-F238E27FC236}">
+                  <a16:creationId xmlns:a16="http://schemas.microsoft.com/office/drawing/2014/main" id="{B6C03DEA-05AB-283B-7849-518B43A26784}"/>
+                </a:ext>
+              </a:extLst>
+            </p:cNvPr>
+            <p:cNvCxnSpPr>
+              <a:cxnSpLocks/>
+            </p:cNvCxnSpPr>
+            <p:nvPr/>
+          </p:nvCxnSpPr>
+          <p:spPr>
+            <a:xfrm>
+              <a:off x="2560140" y="966474"/>
+              <a:ext cx="855586" cy="366780"/>
+            </a:xfrm>
+            <a:prstGeom prst="line">
+              <a:avLst/>
+            </a:prstGeom>
+            <a:ln>
+              <a:solidFill>
+                <a:schemeClr val="tx1"/>
+              </a:solidFill>
+            </a:ln>
+          </p:spPr>
+          <p:style>
+            <a:lnRef idx="1">
+              <a:schemeClr val="dk1"/>
+            </a:lnRef>
+            <a:fillRef idx="0">
+              <a:schemeClr val="dk1"/>
+            </a:fillRef>
+            <a:effectRef idx="0">
+              <a:schemeClr val="dk1"/>
+            </a:effectRef>
+            <a:fontRef idx="minor">
+              <a:schemeClr val="tx1"/>
+            </a:fontRef>
+          </p:style>
+        </p:cxnSp>
+        <p:cxnSp>
+          <p:nvCxnSpPr>
+            <p:cNvPr id="148" name="Straight Connector 147">
+              <a:extLst>
+                <a:ext uri="{FF2B5EF4-FFF2-40B4-BE49-F238E27FC236}">
+                  <a16:creationId xmlns:a16="http://schemas.microsoft.com/office/drawing/2014/main" id="{6B0BD345-9356-8F8B-FC4B-FAA69A0A9D4D}"/>
+                </a:ext>
+              </a:extLst>
+            </p:cNvPr>
+            <p:cNvCxnSpPr>
+              <a:cxnSpLocks/>
+            </p:cNvCxnSpPr>
+            <p:nvPr/>
+          </p:nvCxnSpPr>
+          <p:spPr>
+            <a:xfrm>
+              <a:off x="2574310" y="966200"/>
+              <a:ext cx="835517" cy="691519"/>
+            </a:xfrm>
+            <a:prstGeom prst="line">
+              <a:avLst/>
+            </a:prstGeom>
+            <a:ln>
+              <a:solidFill>
+                <a:schemeClr val="tx1"/>
+              </a:solidFill>
+            </a:ln>
+          </p:spPr>
+          <p:style>
+            <a:lnRef idx="1">
+              <a:schemeClr val="dk1"/>
+            </a:lnRef>
+            <a:fillRef idx="0">
+              <a:schemeClr val="dk1"/>
+            </a:fillRef>
+            <a:effectRef idx="0">
+              <a:schemeClr val="dk1"/>
+            </a:effectRef>
+            <a:fontRef idx="minor">
+              <a:schemeClr val="tx1"/>
+            </a:fontRef>
+          </p:style>
+        </p:cxnSp>
+        <p:cxnSp>
+          <p:nvCxnSpPr>
+            <p:cNvPr id="150" name="Straight Connector 149">
+              <a:extLst>
+                <a:ext uri="{FF2B5EF4-FFF2-40B4-BE49-F238E27FC236}">
+                  <a16:creationId xmlns:a16="http://schemas.microsoft.com/office/drawing/2014/main" id="{F558F0C0-3031-D958-9583-8664E18E21EF}"/>
+                </a:ext>
+              </a:extLst>
+            </p:cNvPr>
+            <p:cNvCxnSpPr>
+              <a:cxnSpLocks/>
+            </p:cNvCxnSpPr>
+            <p:nvPr/>
+          </p:nvCxnSpPr>
+          <p:spPr>
+            <a:xfrm>
+              <a:off x="2554543" y="959388"/>
+              <a:ext cx="867083" cy="1860504"/>
+            </a:xfrm>
+            <a:prstGeom prst="line">
+              <a:avLst/>
+            </a:prstGeom>
+            <a:ln>
+              <a:solidFill>
+                <a:schemeClr val="tx1"/>
+              </a:solidFill>
+            </a:ln>
+          </p:spPr>
+          <p:style>
+            <a:lnRef idx="1">
+              <a:schemeClr val="dk1"/>
+            </a:lnRef>
+            <a:fillRef idx="0">
+              <a:schemeClr val="dk1"/>
+            </a:fillRef>
+            <a:effectRef idx="0">
+              <a:schemeClr val="dk1"/>
+            </a:effectRef>
+            <a:fontRef idx="minor">
+              <a:schemeClr val="tx1"/>
+            </a:fontRef>
+          </p:style>
+        </p:cxnSp>
+        <p:cxnSp>
+          <p:nvCxnSpPr>
+            <p:cNvPr id="152" name="Straight Connector 151">
+              <a:extLst>
+                <a:ext uri="{FF2B5EF4-FFF2-40B4-BE49-F238E27FC236}">
+                  <a16:creationId xmlns:a16="http://schemas.microsoft.com/office/drawing/2014/main" id="{92F9BAF4-3CEE-3FA9-EADD-8811183EAFAB}"/>
+                </a:ext>
+              </a:extLst>
+            </p:cNvPr>
+            <p:cNvCxnSpPr>
+              <a:cxnSpLocks/>
+            </p:cNvCxnSpPr>
+            <p:nvPr/>
+          </p:nvCxnSpPr>
+          <p:spPr>
+            <a:xfrm flipV="1">
+              <a:off x="2549323" y="973394"/>
+              <a:ext cx="848705" cy="339585"/>
+            </a:xfrm>
+            <a:prstGeom prst="line">
+              <a:avLst/>
+            </a:prstGeom>
+          </p:spPr>
+          <p:style>
+            <a:lnRef idx="1">
+              <a:schemeClr val="dk1"/>
+            </a:lnRef>
+            <a:fillRef idx="0">
+              <a:schemeClr val="dk1"/>
+            </a:fillRef>
+            <a:effectRef idx="0">
+              <a:schemeClr val="dk1"/>
+            </a:effectRef>
+            <a:fontRef idx="minor">
+              <a:schemeClr val="tx1"/>
+            </a:fontRef>
+          </p:style>
+        </p:cxnSp>
+        <p:cxnSp>
+          <p:nvCxnSpPr>
+            <p:cNvPr id="154" name="Straight Connector 153">
+              <a:extLst>
+                <a:ext uri="{FF2B5EF4-FFF2-40B4-BE49-F238E27FC236}">
+                  <a16:creationId xmlns:a16="http://schemas.microsoft.com/office/drawing/2014/main" id="{956448F7-9BBB-2CF0-18E8-D3C75AC35E9A}"/>
+                </a:ext>
+              </a:extLst>
+            </p:cNvPr>
+            <p:cNvCxnSpPr>
+              <a:cxnSpLocks/>
+            </p:cNvCxnSpPr>
+            <p:nvPr/>
+          </p:nvCxnSpPr>
+          <p:spPr>
+            <a:xfrm>
+              <a:off x="2578242" y="1330783"/>
+              <a:ext cx="861082" cy="14270"/>
+            </a:xfrm>
+            <a:prstGeom prst="line">
+              <a:avLst/>
+            </a:prstGeom>
+          </p:spPr>
+          <p:style>
+            <a:lnRef idx="1">
+              <a:schemeClr val="dk1"/>
+            </a:lnRef>
+            <a:fillRef idx="0">
+              <a:schemeClr val="dk1"/>
+            </a:fillRef>
+            <a:effectRef idx="0">
+              <a:schemeClr val="dk1"/>
+            </a:effectRef>
+            <a:fontRef idx="minor">
+              <a:schemeClr val="tx1"/>
+            </a:fontRef>
+          </p:style>
+        </p:cxnSp>
+        <p:cxnSp>
+          <p:nvCxnSpPr>
+            <p:cNvPr id="156" name="Straight Connector 155">
+              <a:extLst>
+                <a:ext uri="{FF2B5EF4-FFF2-40B4-BE49-F238E27FC236}">
+                  <a16:creationId xmlns:a16="http://schemas.microsoft.com/office/drawing/2014/main" id="{1C0505DD-EF3E-4854-BB7E-48FEF1313404}"/>
+                </a:ext>
+              </a:extLst>
+            </p:cNvPr>
+            <p:cNvCxnSpPr>
+              <a:cxnSpLocks/>
+            </p:cNvCxnSpPr>
+            <p:nvPr/>
+          </p:nvCxnSpPr>
+          <p:spPr>
+            <a:xfrm>
+              <a:off x="2592008" y="1319723"/>
+              <a:ext cx="817819" cy="343895"/>
+            </a:xfrm>
+            <a:prstGeom prst="line">
+              <a:avLst/>
+            </a:prstGeom>
+          </p:spPr>
+          <p:style>
+            <a:lnRef idx="1">
+              <a:schemeClr val="dk1"/>
+            </a:lnRef>
+            <a:fillRef idx="0">
+              <a:schemeClr val="dk1"/>
+            </a:fillRef>
+            <a:effectRef idx="0">
+              <a:schemeClr val="dk1"/>
+            </a:effectRef>
+            <a:fontRef idx="minor">
+              <a:schemeClr val="tx1"/>
+            </a:fontRef>
+          </p:style>
+        </p:cxnSp>
+        <p:cxnSp>
+          <p:nvCxnSpPr>
+            <p:cNvPr id="158" name="Straight Connector 157">
+              <a:extLst>
+                <a:ext uri="{FF2B5EF4-FFF2-40B4-BE49-F238E27FC236}">
+                  <a16:creationId xmlns:a16="http://schemas.microsoft.com/office/drawing/2014/main" id="{E2B0A4D5-2912-D24D-A37C-79EDA0ED846E}"/>
+                </a:ext>
+              </a:extLst>
+            </p:cNvPr>
+            <p:cNvCxnSpPr>
+              <a:cxnSpLocks/>
+            </p:cNvCxnSpPr>
+            <p:nvPr/>
+          </p:nvCxnSpPr>
+          <p:spPr>
+            <a:xfrm>
+              <a:off x="2568410" y="1306059"/>
+              <a:ext cx="870914" cy="1537430"/>
+            </a:xfrm>
+            <a:prstGeom prst="line">
+              <a:avLst/>
+            </a:prstGeom>
+          </p:spPr>
+          <p:style>
+            <a:lnRef idx="1">
+              <a:schemeClr val="dk1"/>
+            </a:lnRef>
+            <a:fillRef idx="0">
+              <a:schemeClr val="dk1"/>
+            </a:fillRef>
+            <a:effectRef idx="0">
+              <a:schemeClr val="dk1"/>
+            </a:effectRef>
+            <a:fontRef idx="minor">
+              <a:schemeClr val="tx1"/>
+            </a:fontRef>
+          </p:style>
+        </p:cxnSp>
+        <p:cxnSp>
+          <p:nvCxnSpPr>
+            <p:cNvPr id="160" name="Straight Connector 159">
+              <a:extLst>
+                <a:ext uri="{FF2B5EF4-FFF2-40B4-BE49-F238E27FC236}">
+                  <a16:creationId xmlns:a16="http://schemas.microsoft.com/office/drawing/2014/main" id="{0DDC40B4-BEE9-0131-FA11-325850CA345F}"/>
+                </a:ext>
+              </a:extLst>
+            </p:cNvPr>
+            <p:cNvCxnSpPr>
+              <a:cxnSpLocks/>
+            </p:cNvCxnSpPr>
+            <p:nvPr/>
+          </p:nvCxnSpPr>
+          <p:spPr>
+            <a:xfrm flipV="1">
+              <a:off x="2580209" y="979293"/>
+              <a:ext cx="823719" cy="672526"/>
+            </a:xfrm>
+            <a:prstGeom prst="line">
+              <a:avLst/>
+            </a:prstGeom>
+          </p:spPr>
+          <p:style>
+            <a:lnRef idx="1">
+              <a:schemeClr val="dk1"/>
+            </a:lnRef>
+            <a:fillRef idx="0">
+              <a:schemeClr val="dk1"/>
+            </a:fillRef>
+            <a:effectRef idx="0">
+              <a:schemeClr val="dk1"/>
+            </a:effectRef>
+            <a:fontRef idx="minor">
+              <a:schemeClr val="tx1"/>
+            </a:fontRef>
+          </p:style>
+        </p:cxnSp>
+        <p:cxnSp>
+          <p:nvCxnSpPr>
+            <p:cNvPr id="162" name="Straight Connector 161">
+              <a:extLst>
+                <a:ext uri="{FF2B5EF4-FFF2-40B4-BE49-F238E27FC236}">
+                  <a16:creationId xmlns:a16="http://schemas.microsoft.com/office/drawing/2014/main" id="{A6BB551B-146F-4EEC-B33D-446673CB9C60}"/>
+                </a:ext>
+              </a:extLst>
+            </p:cNvPr>
+            <p:cNvCxnSpPr>
+              <a:cxnSpLocks/>
+            </p:cNvCxnSpPr>
+            <p:nvPr/>
+          </p:nvCxnSpPr>
+          <p:spPr>
+            <a:xfrm flipV="1">
+              <a:off x="2585016" y="1339154"/>
+              <a:ext cx="824811" cy="327637"/>
+            </a:xfrm>
+            <a:prstGeom prst="line">
+              <a:avLst/>
+            </a:prstGeom>
+          </p:spPr>
+          <p:style>
+            <a:lnRef idx="1">
+              <a:schemeClr val="dk1"/>
+            </a:lnRef>
+            <a:fillRef idx="0">
+              <a:schemeClr val="dk1"/>
+            </a:fillRef>
+            <a:effectRef idx="0">
+              <a:schemeClr val="dk1"/>
+            </a:effectRef>
+            <a:fontRef idx="minor">
+              <a:schemeClr val="tx1"/>
+            </a:fontRef>
+          </p:style>
+        </p:cxnSp>
+        <p:cxnSp>
+          <p:nvCxnSpPr>
+            <p:cNvPr id="165" name="Straight Connector 164">
+              <a:extLst>
+                <a:ext uri="{FF2B5EF4-FFF2-40B4-BE49-F238E27FC236}">
+                  <a16:creationId xmlns:a16="http://schemas.microsoft.com/office/drawing/2014/main" id="{F9623A8F-18F1-DE0E-2728-F68F75394D65}"/>
+                </a:ext>
+              </a:extLst>
+            </p:cNvPr>
+            <p:cNvCxnSpPr>
+              <a:cxnSpLocks/>
+            </p:cNvCxnSpPr>
+            <p:nvPr/>
+          </p:nvCxnSpPr>
+          <p:spPr>
+            <a:xfrm>
+              <a:off x="2578751" y="1657296"/>
+              <a:ext cx="807479" cy="423"/>
+            </a:xfrm>
+            <a:prstGeom prst="line">
+              <a:avLst/>
+            </a:prstGeom>
+          </p:spPr>
+          <p:style>
+            <a:lnRef idx="1">
+              <a:schemeClr val="dk1"/>
+            </a:lnRef>
+            <a:fillRef idx="0">
+              <a:schemeClr val="dk1"/>
+            </a:fillRef>
+            <a:effectRef idx="0">
+              <a:schemeClr val="dk1"/>
+            </a:effectRef>
+            <a:fontRef idx="minor">
+              <a:schemeClr val="tx1"/>
+            </a:fontRef>
+          </p:style>
+        </p:cxnSp>
+        <p:cxnSp>
+          <p:nvCxnSpPr>
+            <p:cNvPr id="167" name="Straight Connector 166">
+              <a:extLst>
+                <a:ext uri="{FF2B5EF4-FFF2-40B4-BE49-F238E27FC236}">
+                  <a16:creationId xmlns:a16="http://schemas.microsoft.com/office/drawing/2014/main" id="{C1E2304E-A626-EB26-B59D-D95F8688DDB2}"/>
+                </a:ext>
+              </a:extLst>
+            </p:cNvPr>
+            <p:cNvCxnSpPr>
+              <a:cxnSpLocks/>
+            </p:cNvCxnSpPr>
+            <p:nvPr/>
+          </p:nvCxnSpPr>
+          <p:spPr>
+            <a:xfrm>
+              <a:off x="2566956" y="1637765"/>
+              <a:ext cx="854670" cy="1152630"/>
+            </a:xfrm>
+            <a:prstGeom prst="line">
+              <a:avLst/>
+            </a:prstGeom>
+          </p:spPr>
+          <p:style>
+            <a:lnRef idx="1">
+              <a:schemeClr val="dk1"/>
+            </a:lnRef>
+            <a:fillRef idx="0">
+              <a:schemeClr val="dk1"/>
+            </a:fillRef>
+            <a:effectRef idx="0">
+              <a:schemeClr val="dk1"/>
+            </a:effectRef>
+            <a:fontRef idx="minor">
+              <a:schemeClr val="tx1"/>
+            </a:fontRef>
+          </p:style>
+        </p:cxnSp>
+        <p:cxnSp>
+          <p:nvCxnSpPr>
+            <p:cNvPr id="169" name="Straight Connector 168">
+              <a:extLst>
+                <a:ext uri="{FF2B5EF4-FFF2-40B4-BE49-F238E27FC236}">
+                  <a16:creationId xmlns:a16="http://schemas.microsoft.com/office/drawing/2014/main" id="{C5679D81-7D28-72AD-9C36-A0A4BF281E07}"/>
+                </a:ext>
+              </a:extLst>
+            </p:cNvPr>
+            <p:cNvCxnSpPr>
+              <a:cxnSpLocks/>
+            </p:cNvCxnSpPr>
+            <p:nvPr/>
+          </p:nvCxnSpPr>
+          <p:spPr>
+            <a:xfrm flipV="1">
+              <a:off x="2619314" y="979293"/>
+              <a:ext cx="766916" cy="1805202"/>
+            </a:xfrm>
+            <a:prstGeom prst="line">
+              <a:avLst/>
+            </a:prstGeom>
+          </p:spPr>
+          <p:style>
+            <a:lnRef idx="1">
+              <a:schemeClr val="dk1"/>
+            </a:lnRef>
+            <a:fillRef idx="0">
+              <a:schemeClr val="dk1"/>
+            </a:fillRef>
+            <a:effectRef idx="0">
+              <a:schemeClr val="dk1"/>
+            </a:effectRef>
+            <a:fontRef idx="minor">
+              <a:schemeClr val="tx1"/>
+            </a:fontRef>
+          </p:style>
+        </p:cxnSp>
+        <p:cxnSp>
+          <p:nvCxnSpPr>
+            <p:cNvPr id="171" name="Straight Connector 170">
+              <a:extLst>
+                <a:ext uri="{FF2B5EF4-FFF2-40B4-BE49-F238E27FC236}">
+                  <a16:creationId xmlns:a16="http://schemas.microsoft.com/office/drawing/2014/main" id="{AA24C601-4E86-522C-6E6F-CE0C47F1242B}"/>
+                </a:ext>
+              </a:extLst>
+            </p:cNvPr>
+            <p:cNvCxnSpPr>
+              <a:cxnSpLocks/>
+            </p:cNvCxnSpPr>
+            <p:nvPr/>
+          </p:nvCxnSpPr>
+          <p:spPr>
+            <a:xfrm flipV="1">
+              <a:off x="2591024" y="1333254"/>
+              <a:ext cx="807004" cy="1472255"/>
+            </a:xfrm>
+            <a:prstGeom prst="line">
+              <a:avLst/>
+            </a:prstGeom>
+          </p:spPr>
+          <p:style>
+            <a:lnRef idx="1">
+              <a:schemeClr val="dk1"/>
+            </a:lnRef>
+            <a:fillRef idx="0">
+              <a:schemeClr val="dk1"/>
+            </a:fillRef>
+            <a:effectRef idx="0">
+              <a:schemeClr val="dk1"/>
+            </a:effectRef>
+            <a:fontRef idx="minor">
+              <a:schemeClr val="tx1"/>
+            </a:fontRef>
+          </p:style>
+        </p:cxnSp>
+        <p:cxnSp>
+          <p:nvCxnSpPr>
+            <p:cNvPr id="173" name="Straight Connector 172">
+              <a:extLst>
+                <a:ext uri="{FF2B5EF4-FFF2-40B4-BE49-F238E27FC236}">
+                  <a16:creationId xmlns:a16="http://schemas.microsoft.com/office/drawing/2014/main" id="{3E4D2AD1-FA15-9F3F-CF1D-A5147A01EC62}"/>
+                </a:ext>
+              </a:extLst>
+            </p:cNvPr>
+            <p:cNvCxnSpPr>
+              <a:cxnSpLocks/>
+            </p:cNvCxnSpPr>
+            <p:nvPr/>
+          </p:nvCxnSpPr>
+          <p:spPr>
+            <a:xfrm flipV="1">
+              <a:off x="2579553" y="1645920"/>
+              <a:ext cx="824375" cy="1153763"/>
+            </a:xfrm>
+            <a:prstGeom prst="line">
+              <a:avLst/>
+            </a:prstGeom>
+          </p:spPr>
+          <p:style>
+            <a:lnRef idx="1">
+              <a:schemeClr val="dk1"/>
+            </a:lnRef>
+            <a:fillRef idx="0">
+              <a:schemeClr val="dk1"/>
+            </a:fillRef>
+            <a:effectRef idx="0">
+              <a:schemeClr val="dk1"/>
+            </a:effectRef>
+            <a:fontRef idx="minor">
+              <a:schemeClr val="tx1"/>
+            </a:fontRef>
+          </p:style>
+        </p:cxnSp>
+        <p:cxnSp>
+          <p:nvCxnSpPr>
+            <p:cNvPr id="175" name="Straight Connector 174">
+              <a:extLst>
+                <a:ext uri="{FF2B5EF4-FFF2-40B4-BE49-F238E27FC236}">
+                  <a16:creationId xmlns:a16="http://schemas.microsoft.com/office/drawing/2014/main" id="{3D6E1C62-2D0F-DFC0-84BC-399DC4BA8454}"/>
+                </a:ext>
+              </a:extLst>
+            </p:cNvPr>
+            <p:cNvCxnSpPr>
+              <a:cxnSpLocks/>
+            </p:cNvCxnSpPr>
+            <p:nvPr/>
+          </p:nvCxnSpPr>
+          <p:spPr>
+            <a:xfrm>
+              <a:off x="2543718" y="2794066"/>
+              <a:ext cx="877908" cy="19926"/>
+            </a:xfrm>
+            <a:prstGeom prst="line">
+              <a:avLst/>
+            </a:prstGeom>
+          </p:spPr>
+          <p:style>
+            <a:lnRef idx="1">
+              <a:schemeClr val="dk1"/>
+            </a:lnRef>
+            <a:fillRef idx="0">
+              <a:schemeClr val="dk1"/>
+            </a:fillRef>
+            <a:effectRef idx="0">
+              <a:schemeClr val="dk1"/>
+            </a:effectRef>
+            <a:fontRef idx="minor">
+              <a:schemeClr val="tx1"/>
+            </a:fontRef>
+          </p:style>
+        </p:cxnSp>
+        <p:cxnSp>
+          <p:nvCxnSpPr>
+            <p:cNvPr id="177" name="Straight Connector 176">
+              <a:extLst>
+                <a:ext uri="{FF2B5EF4-FFF2-40B4-BE49-F238E27FC236}">
+                  <a16:creationId xmlns:a16="http://schemas.microsoft.com/office/drawing/2014/main" id="{42DA5049-4584-4237-61A4-B3ACDC794C4C}"/>
+                </a:ext>
+              </a:extLst>
+            </p:cNvPr>
+            <p:cNvCxnSpPr>
+              <a:cxnSpLocks/>
+            </p:cNvCxnSpPr>
+            <p:nvPr/>
+          </p:nvCxnSpPr>
+          <p:spPr>
+            <a:xfrm>
+              <a:off x="3394321" y="952975"/>
+              <a:ext cx="806020" cy="338984"/>
+            </a:xfrm>
+            <a:prstGeom prst="line">
+              <a:avLst/>
+            </a:prstGeom>
+            <a:ln>
+              <a:solidFill>
+                <a:srgbClr val="FBBF24"/>
+              </a:solidFill>
+            </a:ln>
+          </p:spPr>
+          <p:style>
+            <a:lnRef idx="1">
+              <a:schemeClr val="dk1"/>
+            </a:lnRef>
+            <a:fillRef idx="0">
+              <a:schemeClr val="dk1"/>
+            </a:fillRef>
+            <a:effectRef idx="0">
+              <a:schemeClr val="dk1"/>
+            </a:effectRef>
+            <a:fontRef idx="minor">
+              <a:schemeClr val="tx1"/>
+            </a:fontRef>
+          </p:style>
+        </p:cxnSp>
+        <p:cxnSp>
+          <p:nvCxnSpPr>
+            <p:cNvPr id="182" name="Straight Connector 181">
+              <a:extLst>
+                <a:ext uri="{FF2B5EF4-FFF2-40B4-BE49-F238E27FC236}">
+                  <a16:creationId xmlns:a16="http://schemas.microsoft.com/office/drawing/2014/main" id="{EE25558E-B30E-80C1-4E64-7213D5153638}"/>
+                </a:ext>
+              </a:extLst>
+            </p:cNvPr>
+            <p:cNvCxnSpPr>
+              <a:cxnSpLocks/>
+            </p:cNvCxnSpPr>
+            <p:nvPr/>
+          </p:nvCxnSpPr>
+          <p:spPr>
+            <a:xfrm>
+              <a:off x="3358567" y="975494"/>
+              <a:ext cx="841774" cy="676325"/>
+            </a:xfrm>
+            <a:prstGeom prst="line">
+              <a:avLst/>
+            </a:prstGeom>
+            <a:ln>
+              <a:solidFill>
+                <a:srgbClr val="FBBF24"/>
+              </a:solidFill>
+            </a:ln>
+          </p:spPr>
+          <p:style>
+            <a:lnRef idx="1">
+              <a:schemeClr val="dk1"/>
+            </a:lnRef>
+            <a:fillRef idx="0">
+              <a:schemeClr val="dk1"/>
+            </a:fillRef>
+            <a:effectRef idx="0">
+              <a:schemeClr val="dk1"/>
+            </a:effectRef>
+            <a:fontRef idx="minor">
+              <a:schemeClr val="tx1"/>
+            </a:fontRef>
+          </p:style>
+        </p:cxnSp>
+        <p:cxnSp>
+          <p:nvCxnSpPr>
+            <p:cNvPr id="184" name="Straight Connector 183">
+              <a:extLst>
+                <a:ext uri="{FF2B5EF4-FFF2-40B4-BE49-F238E27FC236}">
+                  <a16:creationId xmlns:a16="http://schemas.microsoft.com/office/drawing/2014/main" id="{E361FF2D-CB3B-945B-F2F3-1EE8257F51B5}"/>
+                </a:ext>
+              </a:extLst>
+            </p:cNvPr>
+            <p:cNvCxnSpPr>
+              <a:cxnSpLocks/>
+            </p:cNvCxnSpPr>
+            <p:nvPr/>
+          </p:nvCxnSpPr>
+          <p:spPr>
+            <a:xfrm>
+              <a:off x="3381434" y="993557"/>
+              <a:ext cx="854303" cy="1024022"/>
+            </a:xfrm>
+            <a:prstGeom prst="line">
+              <a:avLst/>
+            </a:prstGeom>
+            <a:ln>
+              <a:solidFill>
+                <a:srgbClr val="FBBF24"/>
+              </a:solidFill>
+            </a:ln>
+          </p:spPr>
+          <p:style>
+            <a:lnRef idx="1">
+              <a:schemeClr val="dk1"/>
+            </a:lnRef>
+            <a:fillRef idx="0">
+              <a:schemeClr val="dk1"/>
+            </a:fillRef>
+            <a:effectRef idx="0">
+              <a:schemeClr val="dk1"/>
+            </a:effectRef>
+            <a:fontRef idx="minor">
+              <a:schemeClr val="tx1"/>
+            </a:fontRef>
+          </p:style>
+        </p:cxnSp>
+        <p:cxnSp>
+          <p:nvCxnSpPr>
+            <p:cNvPr id="186" name="Straight Connector 185">
+              <a:extLst>
+                <a:ext uri="{FF2B5EF4-FFF2-40B4-BE49-F238E27FC236}">
+                  <a16:creationId xmlns:a16="http://schemas.microsoft.com/office/drawing/2014/main" id="{9920A0CF-469E-4817-CEF8-03D35AC7E3C8}"/>
+                </a:ext>
+              </a:extLst>
+            </p:cNvPr>
+            <p:cNvCxnSpPr>
+              <a:cxnSpLocks/>
+            </p:cNvCxnSpPr>
+            <p:nvPr/>
+          </p:nvCxnSpPr>
+          <p:spPr>
+            <a:xfrm>
+              <a:off x="3372267" y="980433"/>
+              <a:ext cx="816275" cy="1745069"/>
+            </a:xfrm>
+            <a:prstGeom prst="line">
+              <a:avLst/>
+            </a:prstGeom>
+            <a:ln>
+              <a:solidFill>
+                <a:srgbClr val="FBBF24"/>
+              </a:solidFill>
+            </a:ln>
+          </p:spPr>
+          <p:style>
+            <a:lnRef idx="1">
+              <a:schemeClr val="dk1"/>
+            </a:lnRef>
+            <a:fillRef idx="0">
+              <a:schemeClr val="dk1"/>
+            </a:fillRef>
+            <a:effectRef idx="0">
+              <a:schemeClr val="dk1"/>
+            </a:effectRef>
+            <a:fontRef idx="minor">
+              <a:schemeClr val="tx1"/>
+            </a:fontRef>
+          </p:style>
+        </p:cxnSp>
+        <p:cxnSp>
+          <p:nvCxnSpPr>
+            <p:cNvPr id="188" name="Straight Connector 187">
+              <a:extLst>
+                <a:ext uri="{FF2B5EF4-FFF2-40B4-BE49-F238E27FC236}">
+                  <a16:creationId xmlns:a16="http://schemas.microsoft.com/office/drawing/2014/main" id="{57FD371E-7C02-E62E-2FA2-640C0C0B9048}"/>
+                </a:ext>
+              </a:extLst>
+            </p:cNvPr>
+            <p:cNvCxnSpPr>
+              <a:cxnSpLocks/>
+            </p:cNvCxnSpPr>
+            <p:nvPr/>
+          </p:nvCxnSpPr>
+          <p:spPr>
+            <a:xfrm flipV="1">
+              <a:off x="3393103" y="1291959"/>
+              <a:ext cx="795439" cy="32571"/>
+            </a:xfrm>
+            <a:prstGeom prst="line">
+              <a:avLst/>
+            </a:prstGeom>
+          </p:spPr>
+          <p:style>
+            <a:lnRef idx="1">
+              <a:schemeClr val="dk1"/>
+            </a:lnRef>
+            <a:fillRef idx="0">
+              <a:schemeClr val="dk1"/>
+            </a:fillRef>
+            <a:effectRef idx="0">
+              <a:schemeClr val="dk1"/>
+            </a:effectRef>
+            <a:fontRef idx="minor">
+              <a:schemeClr val="tx1"/>
+            </a:fontRef>
+          </p:style>
+        </p:cxnSp>
+        <p:cxnSp>
+          <p:nvCxnSpPr>
+            <p:cNvPr id="190" name="Straight Connector 189">
+              <a:extLst>
+                <a:ext uri="{FF2B5EF4-FFF2-40B4-BE49-F238E27FC236}">
+                  <a16:creationId xmlns:a16="http://schemas.microsoft.com/office/drawing/2014/main" id="{58AAF81D-E049-89A1-FB07-255277633F84}"/>
+                </a:ext>
+              </a:extLst>
+            </p:cNvPr>
+            <p:cNvCxnSpPr>
+              <a:cxnSpLocks/>
+            </p:cNvCxnSpPr>
+            <p:nvPr/>
+          </p:nvCxnSpPr>
+          <p:spPr>
+            <a:xfrm>
+              <a:off x="3393103" y="1329886"/>
+              <a:ext cx="806020" cy="338984"/>
+            </a:xfrm>
+            <a:prstGeom prst="line">
+              <a:avLst/>
+            </a:prstGeom>
+          </p:spPr>
+          <p:style>
+            <a:lnRef idx="1">
+              <a:schemeClr val="dk1"/>
+            </a:lnRef>
+            <a:fillRef idx="0">
+              <a:schemeClr val="dk1"/>
+            </a:fillRef>
+            <a:effectRef idx="0">
+              <a:schemeClr val="dk1"/>
+            </a:effectRef>
+            <a:fontRef idx="minor">
+              <a:schemeClr val="tx1"/>
+            </a:fontRef>
+          </p:style>
+        </p:cxnSp>
+        <p:cxnSp>
+          <p:nvCxnSpPr>
+            <p:cNvPr id="191" name="Straight Connector 190">
+              <a:extLst>
+                <a:ext uri="{FF2B5EF4-FFF2-40B4-BE49-F238E27FC236}">
+                  <a16:creationId xmlns:a16="http://schemas.microsoft.com/office/drawing/2014/main" id="{8856B857-4D06-F457-D5CE-E16A667AD3BF}"/>
+                </a:ext>
+              </a:extLst>
+            </p:cNvPr>
+            <p:cNvCxnSpPr>
+              <a:cxnSpLocks/>
+            </p:cNvCxnSpPr>
+            <p:nvPr/>
+          </p:nvCxnSpPr>
+          <p:spPr>
+            <a:xfrm>
+              <a:off x="3417613" y="1353370"/>
+              <a:ext cx="788627" cy="652411"/>
+            </a:xfrm>
+            <a:prstGeom prst="line">
+              <a:avLst/>
+            </a:prstGeom>
+          </p:spPr>
+          <p:style>
+            <a:lnRef idx="1">
+              <a:schemeClr val="dk1"/>
+            </a:lnRef>
+            <a:fillRef idx="0">
+              <a:schemeClr val="dk1"/>
+            </a:fillRef>
+            <a:effectRef idx="0">
+              <a:schemeClr val="dk1"/>
+            </a:effectRef>
+            <a:fontRef idx="minor">
+              <a:schemeClr val="tx1"/>
+            </a:fontRef>
+          </p:style>
+        </p:cxnSp>
+        <p:cxnSp>
+          <p:nvCxnSpPr>
+            <p:cNvPr id="193" name="Straight Connector 192">
+              <a:extLst>
+                <a:ext uri="{FF2B5EF4-FFF2-40B4-BE49-F238E27FC236}">
+                  <a16:creationId xmlns:a16="http://schemas.microsoft.com/office/drawing/2014/main" id="{34C02534-F936-B7AE-7070-718BD551C836}"/>
+                </a:ext>
+              </a:extLst>
+            </p:cNvPr>
+            <p:cNvCxnSpPr>
+              <a:cxnSpLocks/>
+            </p:cNvCxnSpPr>
+            <p:nvPr/>
+          </p:nvCxnSpPr>
+          <p:spPr>
+            <a:xfrm>
+              <a:off x="3405501" y="1348641"/>
+              <a:ext cx="806638" cy="1382760"/>
+            </a:xfrm>
+            <a:prstGeom prst="line">
+              <a:avLst/>
+            </a:prstGeom>
+          </p:spPr>
+          <p:style>
+            <a:lnRef idx="1">
+              <a:schemeClr val="dk1"/>
+            </a:lnRef>
+            <a:fillRef idx="0">
+              <a:schemeClr val="dk1"/>
+            </a:fillRef>
+            <a:effectRef idx="0">
+              <a:schemeClr val="dk1"/>
+            </a:effectRef>
+            <a:fontRef idx="minor">
+              <a:schemeClr val="tx1"/>
+            </a:fontRef>
+          </p:style>
+        </p:cxnSp>
+        <p:cxnSp>
+          <p:nvCxnSpPr>
+            <p:cNvPr id="195" name="Straight Connector 194">
+              <a:extLst>
+                <a:ext uri="{FF2B5EF4-FFF2-40B4-BE49-F238E27FC236}">
+                  <a16:creationId xmlns:a16="http://schemas.microsoft.com/office/drawing/2014/main" id="{99B83E52-E4D7-AA1B-6448-867FD5728D83}"/>
+                </a:ext>
+              </a:extLst>
+            </p:cNvPr>
+            <p:cNvCxnSpPr>
+              <a:cxnSpLocks/>
+            </p:cNvCxnSpPr>
+            <p:nvPr/>
+          </p:nvCxnSpPr>
+          <p:spPr>
+            <a:xfrm flipV="1">
+              <a:off x="3392909" y="1297858"/>
+              <a:ext cx="813331" cy="363013"/>
+            </a:xfrm>
+            <a:prstGeom prst="line">
+              <a:avLst/>
+            </a:prstGeom>
+          </p:spPr>
+          <p:style>
+            <a:lnRef idx="1">
+              <a:schemeClr val="dk1"/>
+            </a:lnRef>
+            <a:fillRef idx="0">
+              <a:schemeClr val="dk1"/>
+            </a:fillRef>
+            <a:effectRef idx="0">
+              <a:schemeClr val="dk1"/>
+            </a:effectRef>
+            <a:fontRef idx="minor">
+              <a:schemeClr val="tx1"/>
+            </a:fontRef>
+          </p:style>
+        </p:cxnSp>
+        <p:cxnSp>
+          <p:nvCxnSpPr>
+            <p:cNvPr id="197" name="Straight Connector 196">
+              <a:extLst>
+                <a:ext uri="{FF2B5EF4-FFF2-40B4-BE49-F238E27FC236}">
+                  <a16:creationId xmlns:a16="http://schemas.microsoft.com/office/drawing/2014/main" id="{33E2C12E-4C15-F0CE-0B0E-F15BAC5A1C37}"/>
+                </a:ext>
+              </a:extLst>
+            </p:cNvPr>
+            <p:cNvCxnSpPr>
+              <a:cxnSpLocks/>
+            </p:cNvCxnSpPr>
+            <p:nvPr/>
+          </p:nvCxnSpPr>
+          <p:spPr>
+            <a:xfrm flipV="1">
+              <a:off x="3433738" y="1663618"/>
+              <a:ext cx="754804" cy="13669"/>
+            </a:xfrm>
+            <a:prstGeom prst="line">
+              <a:avLst/>
+            </a:prstGeom>
+          </p:spPr>
+          <p:style>
+            <a:lnRef idx="1">
+              <a:schemeClr val="dk1"/>
+            </a:lnRef>
+            <a:fillRef idx="0">
+              <a:schemeClr val="dk1"/>
+            </a:fillRef>
+            <a:effectRef idx="0">
+              <a:schemeClr val="dk1"/>
+            </a:effectRef>
+            <a:fontRef idx="minor">
+              <a:schemeClr val="tx1"/>
+            </a:fontRef>
+          </p:style>
+        </p:cxnSp>
+        <p:cxnSp>
+          <p:nvCxnSpPr>
+            <p:cNvPr id="199" name="Straight Connector 198">
+              <a:extLst>
+                <a:ext uri="{FF2B5EF4-FFF2-40B4-BE49-F238E27FC236}">
+                  <a16:creationId xmlns:a16="http://schemas.microsoft.com/office/drawing/2014/main" id="{EA52937A-0E49-ADE6-3EFB-09E7296AAE32}"/>
+                </a:ext>
+              </a:extLst>
+            </p:cNvPr>
+            <p:cNvCxnSpPr>
+              <a:cxnSpLocks/>
+            </p:cNvCxnSpPr>
+            <p:nvPr/>
+          </p:nvCxnSpPr>
+          <p:spPr>
+            <a:xfrm>
+              <a:off x="3405809" y="1654089"/>
+              <a:ext cx="806020" cy="338984"/>
+            </a:xfrm>
+            <a:prstGeom prst="line">
+              <a:avLst/>
+            </a:prstGeom>
+          </p:spPr>
+          <p:style>
+            <a:lnRef idx="1">
+              <a:schemeClr val="dk1"/>
+            </a:lnRef>
+            <a:fillRef idx="0">
+              <a:schemeClr val="dk1"/>
+            </a:fillRef>
+            <a:effectRef idx="0">
+              <a:schemeClr val="dk1"/>
+            </a:effectRef>
+            <a:fontRef idx="minor">
+              <a:schemeClr val="tx1"/>
+            </a:fontRef>
+          </p:style>
+        </p:cxnSp>
+        <p:cxnSp>
+          <p:nvCxnSpPr>
+            <p:cNvPr id="200" name="Straight Connector 199">
+              <a:extLst>
+                <a:ext uri="{FF2B5EF4-FFF2-40B4-BE49-F238E27FC236}">
+                  <a16:creationId xmlns:a16="http://schemas.microsoft.com/office/drawing/2014/main" id="{F252C675-84E2-A1C8-EFB4-B009797F1C08}"/>
+                </a:ext>
+              </a:extLst>
+            </p:cNvPr>
+            <p:cNvCxnSpPr>
+              <a:cxnSpLocks/>
+            </p:cNvCxnSpPr>
+            <p:nvPr/>
+          </p:nvCxnSpPr>
+          <p:spPr>
+            <a:xfrm>
+              <a:off x="3388421" y="1665876"/>
+              <a:ext cx="817819" cy="1065525"/>
+            </a:xfrm>
+            <a:prstGeom prst="line">
+              <a:avLst/>
+            </a:prstGeom>
+          </p:spPr>
+          <p:style>
+            <a:lnRef idx="1">
+              <a:schemeClr val="dk1"/>
+            </a:lnRef>
+            <a:fillRef idx="0">
+              <a:schemeClr val="dk1"/>
+            </a:fillRef>
+            <a:effectRef idx="0">
+              <a:schemeClr val="dk1"/>
+            </a:effectRef>
+            <a:fontRef idx="minor">
+              <a:schemeClr val="tx1"/>
+            </a:fontRef>
+          </p:style>
+        </p:cxnSp>
+        <p:cxnSp>
+          <p:nvCxnSpPr>
+            <p:cNvPr id="202" name="Straight Connector 201">
+              <a:extLst>
+                <a:ext uri="{FF2B5EF4-FFF2-40B4-BE49-F238E27FC236}">
+                  <a16:creationId xmlns:a16="http://schemas.microsoft.com/office/drawing/2014/main" id="{53FFE3D3-4A6E-40EB-1543-F3DD0AA4E897}"/>
+                </a:ext>
+              </a:extLst>
+            </p:cNvPr>
+            <p:cNvCxnSpPr>
+              <a:cxnSpLocks/>
+            </p:cNvCxnSpPr>
+            <p:nvPr/>
+          </p:nvCxnSpPr>
+          <p:spPr>
+            <a:xfrm flipV="1">
+              <a:off x="3405809" y="1297858"/>
+              <a:ext cx="770934" cy="1494795"/>
+            </a:xfrm>
+            <a:prstGeom prst="line">
+              <a:avLst/>
+            </a:prstGeom>
+          </p:spPr>
+          <p:style>
+            <a:lnRef idx="1">
+              <a:schemeClr val="dk1"/>
+            </a:lnRef>
+            <a:fillRef idx="0">
+              <a:schemeClr val="dk1"/>
+            </a:fillRef>
+            <a:effectRef idx="0">
+              <a:schemeClr val="dk1"/>
+            </a:effectRef>
+            <a:fontRef idx="minor">
+              <a:schemeClr val="tx1"/>
+            </a:fontRef>
+          </p:style>
+        </p:cxnSp>
+        <p:cxnSp>
+          <p:nvCxnSpPr>
+            <p:cNvPr id="204" name="Straight Connector 203">
+              <a:extLst>
+                <a:ext uri="{FF2B5EF4-FFF2-40B4-BE49-F238E27FC236}">
+                  <a16:creationId xmlns:a16="http://schemas.microsoft.com/office/drawing/2014/main" id="{C2DAB9CB-B093-3632-4B22-D73CD9B7CA6A}"/>
+                </a:ext>
+              </a:extLst>
+            </p:cNvPr>
+            <p:cNvCxnSpPr>
+              <a:cxnSpLocks/>
+            </p:cNvCxnSpPr>
+            <p:nvPr/>
+          </p:nvCxnSpPr>
+          <p:spPr>
+            <a:xfrm flipV="1">
+              <a:off x="3399413" y="1645920"/>
+              <a:ext cx="800928" cy="1151757"/>
+            </a:xfrm>
+            <a:prstGeom prst="line">
+              <a:avLst/>
+            </a:prstGeom>
+          </p:spPr>
+          <p:style>
+            <a:lnRef idx="1">
+              <a:schemeClr val="dk1"/>
+            </a:lnRef>
+            <a:fillRef idx="0">
+              <a:schemeClr val="dk1"/>
+            </a:fillRef>
+            <a:effectRef idx="0">
+              <a:schemeClr val="dk1"/>
+            </a:effectRef>
+            <a:fontRef idx="minor">
+              <a:schemeClr val="tx1"/>
+            </a:fontRef>
+          </p:style>
+        </p:cxnSp>
+        <p:cxnSp>
+          <p:nvCxnSpPr>
+            <p:cNvPr id="206" name="Straight Connector 205">
+              <a:extLst>
+                <a:ext uri="{FF2B5EF4-FFF2-40B4-BE49-F238E27FC236}">
+                  <a16:creationId xmlns:a16="http://schemas.microsoft.com/office/drawing/2014/main" id="{2B573BE9-2F26-EA94-4C69-06BCD5CA685E}"/>
+                </a:ext>
+              </a:extLst>
+            </p:cNvPr>
+            <p:cNvCxnSpPr>
+              <a:cxnSpLocks/>
+            </p:cNvCxnSpPr>
+            <p:nvPr/>
+          </p:nvCxnSpPr>
+          <p:spPr>
+            <a:xfrm flipV="1">
+              <a:off x="3415726" y="1952687"/>
+              <a:ext cx="802313" cy="837708"/>
+            </a:xfrm>
+            <a:prstGeom prst="line">
+              <a:avLst/>
+            </a:prstGeom>
+          </p:spPr>
+          <p:style>
+            <a:lnRef idx="1">
+              <a:schemeClr val="dk1"/>
+            </a:lnRef>
+            <a:fillRef idx="0">
+              <a:schemeClr val="dk1"/>
+            </a:fillRef>
+            <a:effectRef idx="0">
+              <a:schemeClr val="dk1"/>
+            </a:effectRef>
+            <a:fontRef idx="minor">
+              <a:schemeClr val="tx1"/>
+            </a:fontRef>
+          </p:style>
+        </p:cxnSp>
+        <p:cxnSp>
+          <p:nvCxnSpPr>
+            <p:cNvPr id="208" name="Straight Connector 207">
+              <a:extLst>
+                <a:ext uri="{FF2B5EF4-FFF2-40B4-BE49-F238E27FC236}">
+                  <a16:creationId xmlns:a16="http://schemas.microsoft.com/office/drawing/2014/main" id="{C38A6AAA-C15B-B122-6AE2-29CB103804B9}"/>
+                </a:ext>
+              </a:extLst>
+            </p:cNvPr>
+            <p:cNvCxnSpPr>
+              <a:cxnSpLocks/>
+            </p:cNvCxnSpPr>
+            <p:nvPr/>
+          </p:nvCxnSpPr>
+          <p:spPr>
+            <a:xfrm flipV="1">
+              <a:off x="3417162" y="2701905"/>
+              <a:ext cx="800877" cy="80192"/>
+            </a:xfrm>
+            <a:prstGeom prst="line">
+              <a:avLst/>
+            </a:prstGeom>
+          </p:spPr>
+          <p:style>
+            <a:lnRef idx="1">
+              <a:schemeClr val="dk1"/>
+            </a:lnRef>
+            <a:fillRef idx="0">
+              <a:schemeClr val="dk1"/>
+            </a:fillRef>
+            <a:effectRef idx="0">
+              <a:schemeClr val="dk1"/>
+            </a:effectRef>
+            <a:fontRef idx="minor">
+              <a:schemeClr val="tx1"/>
+            </a:fontRef>
+          </p:style>
+        </p:cxnSp>
+        <p:sp>
+          <p:nvSpPr>
+            <p:cNvPr id="81" name="TextBox 80">
+              <a:extLst>
+                <a:ext uri="{FF2B5EF4-FFF2-40B4-BE49-F238E27FC236}">
+                  <a16:creationId xmlns:a16="http://schemas.microsoft.com/office/drawing/2014/main" id="{85FE0DD1-5550-6FA7-FC8F-7F589E50242E}"/>
+                </a:ext>
+              </a:extLst>
+            </p:cNvPr>
+            <p:cNvSpPr txBox="1"/>
+            <p:nvPr/>
+          </p:nvSpPr>
+          <p:spPr>
+            <a:xfrm>
+              <a:off x="4070612" y="1896323"/>
+              <a:ext cx="242374" cy="646331"/>
+            </a:xfrm>
+            <a:prstGeom prst="rect">
+              <a:avLst/>
+            </a:prstGeom>
+            <a:noFill/>
+          </p:spPr>
+          <p:txBody>
+            <a:bodyPr wrap="none" rtlCol="0">
+              <a:spAutoFit/>
+            </a:bodyPr>
+            <a:lstStyle/>
+            <a:p>
+              <a:r>
+                <a:rPr lang="en-GB" dirty="0"/>
+                <a:t>.</a:t>
+              </a:r>
+            </a:p>
+            <a:p>
+              <a:r>
+                <a:rPr lang="en-GB" dirty="0"/>
+                <a:t>.</a:t>
+              </a:r>
+            </a:p>
+          </p:txBody>
+        </p:sp>
+        <p:grpSp>
+          <p:nvGrpSpPr>
+            <p:cNvPr id="82" name="Group 81">
+              <a:extLst>
+                <a:ext uri="{FF2B5EF4-FFF2-40B4-BE49-F238E27FC236}">
+                  <a16:creationId xmlns:a16="http://schemas.microsoft.com/office/drawing/2014/main" id="{5071E903-6C74-5A19-2AB2-39C0601FA71A}"/>
+                </a:ext>
+              </a:extLst>
+            </p:cNvPr>
+            <p:cNvGrpSpPr/>
+            <p:nvPr/>
+          </p:nvGrpSpPr>
+          <p:grpSpPr>
+            <a:xfrm>
+              <a:off x="4087723" y="1171156"/>
+              <a:ext cx="369172" cy="253916"/>
+              <a:chOff x="1552576" y="629298"/>
+              <a:chExt cx="369172" cy="253916"/>
+            </a:xfrm>
+          </p:grpSpPr>
+          <p:sp>
+            <p:nvSpPr>
+              <p:cNvPr id="83" name="Oval 82">
+                <a:extLst>
+                  <a:ext uri="{FF2B5EF4-FFF2-40B4-BE49-F238E27FC236}">
+                    <a16:creationId xmlns:a16="http://schemas.microsoft.com/office/drawing/2014/main" id="{212500AA-BD69-B1C5-5B3F-0AE079F3E177}"/>
+                  </a:ext>
+                </a:extLst>
+              </p:cNvPr>
+              <p:cNvSpPr/>
+              <p:nvPr/>
+            </p:nvSpPr>
+            <p:spPr>
+              <a:xfrm>
+                <a:off x="1552576" y="642938"/>
+                <a:ext cx="192882" cy="192881"/>
+              </a:xfrm>
+              <a:prstGeom prst="ellipse">
+                <a:avLst/>
+              </a:prstGeom>
+              <a:solidFill>
+                <a:srgbClr val="F59E0B"/>
+              </a:solidFill>
+              <a:ln>
+                <a:solidFill>
+                  <a:schemeClr val="tx1"/>
+                </a:solidFill>
+              </a:ln>
+            </p:spPr>
+            <p:style>
+              <a:lnRef idx="2">
+                <a:schemeClr val="accent1">
+                  <a:shade val="50000"/>
+                </a:schemeClr>
+              </a:lnRef>
+              <a:fillRef idx="1">
+                <a:schemeClr val="accent1"/>
+              </a:fillRef>
+              <a:effectRef idx="0">
+                <a:schemeClr val="accent1"/>
+              </a:effectRef>
+              <a:fontRef idx="minor">
+                <a:schemeClr val="lt1"/>
+              </a:fontRef>
+            </p:style>
+            <p:txBody>
+              <a:bodyPr rtlCol="0" anchor="ctr"/>
+              <a:lstStyle/>
+              <a:p>
+                <a:pPr algn="ctr"/>
+                <a:endParaRPr lang="en-GB" dirty="0"/>
+              </a:p>
+            </p:txBody>
+          </p:sp>
+          <p:sp>
+            <p:nvSpPr>
+              <p:cNvPr id="84" name="TextBox 83">
+                <a:extLst>
+                  <a:ext uri="{FF2B5EF4-FFF2-40B4-BE49-F238E27FC236}">
+                    <a16:creationId xmlns:a16="http://schemas.microsoft.com/office/drawing/2014/main" id="{6008A7D9-59AF-017C-12D4-80F68BC80EF4}"/>
+                  </a:ext>
+                </a:extLst>
+              </p:cNvPr>
+              <p:cNvSpPr txBox="1"/>
+              <p:nvPr/>
+            </p:nvSpPr>
+            <p:spPr>
+              <a:xfrm>
+                <a:off x="1668152" y="629298"/>
+                <a:ext cx="253596" cy="253916"/>
+              </a:xfrm>
+              <a:prstGeom prst="rect">
+                <a:avLst/>
+              </a:prstGeom>
+              <a:noFill/>
+            </p:spPr>
+            <p:txBody>
+              <a:bodyPr wrap="none" rtlCol="0">
+                <a:spAutoFit/>
+              </a:bodyPr>
+              <a:lstStyle/>
+              <a:p>
+                <a:r>
+                  <a:rPr lang="en-GB" sz="1050" dirty="0"/>
+                  <a:t>1</a:t>
+                </a:r>
+              </a:p>
+            </p:txBody>
+          </p:sp>
+        </p:grpSp>
+        <p:grpSp>
+          <p:nvGrpSpPr>
+            <p:cNvPr id="85" name="Group 84">
+              <a:extLst>
+                <a:ext uri="{FF2B5EF4-FFF2-40B4-BE49-F238E27FC236}">
+                  <a16:creationId xmlns:a16="http://schemas.microsoft.com/office/drawing/2014/main" id="{D402EA70-8627-D6FF-A106-FA01DBE9EAB8}"/>
+                </a:ext>
+              </a:extLst>
+            </p:cNvPr>
+            <p:cNvGrpSpPr/>
+            <p:nvPr/>
+          </p:nvGrpSpPr>
+          <p:grpSpPr>
+            <a:xfrm>
+              <a:off x="4087723" y="1535888"/>
+              <a:ext cx="369172" cy="341876"/>
+              <a:chOff x="1552576" y="642938"/>
+              <a:chExt cx="369172" cy="341876"/>
+            </a:xfrm>
+          </p:grpSpPr>
+          <p:sp>
+            <p:nvSpPr>
+              <p:cNvPr id="86" name="Oval 85">
+                <a:extLst>
+                  <a:ext uri="{FF2B5EF4-FFF2-40B4-BE49-F238E27FC236}">
+                    <a16:creationId xmlns:a16="http://schemas.microsoft.com/office/drawing/2014/main" id="{30C9F1AD-850F-F53E-22C6-5165D769536B}"/>
+                  </a:ext>
+                </a:extLst>
+              </p:cNvPr>
+              <p:cNvSpPr/>
+              <p:nvPr/>
+            </p:nvSpPr>
+            <p:spPr>
+              <a:xfrm>
+                <a:off x="1552576" y="642938"/>
+                <a:ext cx="192882" cy="192881"/>
+              </a:xfrm>
+              <a:prstGeom prst="ellipse">
+                <a:avLst/>
+              </a:prstGeom>
+              <a:solidFill>
+                <a:srgbClr val="F59E0B"/>
+              </a:solidFill>
+              <a:ln>
+                <a:solidFill>
+                  <a:schemeClr val="tx1"/>
+                </a:solidFill>
+              </a:ln>
+            </p:spPr>
+            <p:style>
+              <a:lnRef idx="2">
+                <a:schemeClr val="accent1">
+                  <a:shade val="50000"/>
+                </a:schemeClr>
+              </a:lnRef>
+              <a:fillRef idx="1">
+                <a:schemeClr val="accent1"/>
+              </a:fillRef>
+              <a:effectRef idx="0">
+                <a:schemeClr val="accent1"/>
+              </a:effectRef>
+              <a:fontRef idx="minor">
+                <a:schemeClr val="lt1"/>
+              </a:fontRef>
+            </p:style>
+            <p:txBody>
+              <a:bodyPr rtlCol="0" anchor="ctr"/>
+              <a:lstStyle/>
+              <a:p>
+                <a:pPr algn="ctr"/>
+                <a:endParaRPr lang="en-GB" dirty="0"/>
+              </a:p>
+            </p:txBody>
+          </p:sp>
+          <p:sp>
+            <p:nvSpPr>
+              <p:cNvPr id="87" name="TextBox 86">
+                <a:extLst>
+                  <a:ext uri="{FF2B5EF4-FFF2-40B4-BE49-F238E27FC236}">
+                    <a16:creationId xmlns:a16="http://schemas.microsoft.com/office/drawing/2014/main" id="{FFCE73D5-E874-27A7-6D92-277A4FE08C65}"/>
+                  </a:ext>
+                </a:extLst>
+              </p:cNvPr>
+              <p:cNvSpPr txBox="1"/>
+              <p:nvPr/>
+            </p:nvSpPr>
+            <p:spPr>
+              <a:xfrm>
+                <a:off x="1668152" y="730898"/>
+                <a:ext cx="253596" cy="253916"/>
+              </a:xfrm>
+              <a:prstGeom prst="rect">
+                <a:avLst/>
+              </a:prstGeom>
+              <a:noFill/>
+            </p:spPr>
+            <p:txBody>
+              <a:bodyPr wrap="none" rtlCol="0">
+                <a:spAutoFit/>
+              </a:bodyPr>
+              <a:lstStyle/>
+              <a:p>
+                <a:r>
+                  <a:rPr lang="en-GB" sz="1050" dirty="0"/>
+                  <a:t>2</a:t>
+                </a:r>
+              </a:p>
+            </p:txBody>
+          </p:sp>
+        </p:grpSp>
+        <p:grpSp>
+          <p:nvGrpSpPr>
+            <p:cNvPr id="91" name="Group 90">
+              <a:extLst>
+                <a:ext uri="{FF2B5EF4-FFF2-40B4-BE49-F238E27FC236}">
+                  <a16:creationId xmlns:a16="http://schemas.microsoft.com/office/drawing/2014/main" id="{21AA5D65-E45A-A32C-B8ED-C65F9F76B96E}"/>
+                </a:ext>
+              </a:extLst>
+            </p:cNvPr>
+            <p:cNvGrpSpPr/>
+            <p:nvPr/>
+          </p:nvGrpSpPr>
+          <p:grpSpPr>
+            <a:xfrm>
+              <a:off x="4087723" y="2604322"/>
+              <a:ext cx="438100" cy="310126"/>
+              <a:chOff x="1552576" y="642938"/>
+              <a:chExt cx="438100" cy="310126"/>
+            </a:xfrm>
+          </p:grpSpPr>
+          <p:sp>
+            <p:nvSpPr>
+              <p:cNvPr id="92" name="Oval 91">
+                <a:extLst>
+                  <a:ext uri="{FF2B5EF4-FFF2-40B4-BE49-F238E27FC236}">
+                    <a16:creationId xmlns:a16="http://schemas.microsoft.com/office/drawing/2014/main" id="{EEF23682-DF9E-C25D-E5DA-2818E7652BF6}"/>
+                  </a:ext>
+                </a:extLst>
+              </p:cNvPr>
+              <p:cNvSpPr/>
+              <p:nvPr/>
+            </p:nvSpPr>
+            <p:spPr>
+              <a:xfrm>
+                <a:off x="1552576" y="642938"/>
+                <a:ext cx="192882" cy="192881"/>
+              </a:xfrm>
+              <a:prstGeom prst="ellipse">
+                <a:avLst/>
+              </a:prstGeom>
+              <a:solidFill>
+                <a:srgbClr val="F59E0B"/>
+              </a:solidFill>
+              <a:ln>
+                <a:solidFill>
+                  <a:schemeClr val="tx1"/>
+                </a:solidFill>
+              </a:ln>
+            </p:spPr>
+            <p:style>
+              <a:lnRef idx="2">
+                <a:schemeClr val="accent1">
+                  <a:shade val="50000"/>
+                </a:schemeClr>
+              </a:lnRef>
+              <a:fillRef idx="1">
+                <a:schemeClr val="accent1"/>
+              </a:fillRef>
+              <a:effectRef idx="0">
+                <a:schemeClr val="accent1"/>
+              </a:effectRef>
+              <a:fontRef idx="minor">
+                <a:schemeClr val="lt1"/>
+              </a:fontRef>
+            </p:style>
+            <p:txBody>
+              <a:bodyPr rtlCol="0" anchor="ctr"/>
+              <a:lstStyle/>
+              <a:p>
+                <a:pPr algn="ctr"/>
+                <a:endParaRPr lang="en-GB"/>
+              </a:p>
+            </p:txBody>
+          </p:sp>
+          <p:sp>
+            <p:nvSpPr>
+              <p:cNvPr id="93" name="TextBox 92">
+                <a:extLst>
+                  <a:ext uri="{FF2B5EF4-FFF2-40B4-BE49-F238E27FC236}">
+                    <a16:creationId xmlns:a16="http://schemas.microsoft.com/office/drawing/2014/main" id="{A45EAF2C-3B5D-CB6B-ADCD-DAE05CBE39D9}"/>
+                  </a:ext>
+                </a:extLst>
+              </p:cNvPr>
+              <p:cNvSpPr txBox="1"/>
+              <p:nvPr/>
+            </p:nvSpPr>
+            <p:spPr>
+              <a:xfrm>
+                <a:off x="1668152" y="699148"/>
+                <a:ext cx="322524" cy="253916"/>
+              </a:xfrm>
+              <a:prstGeom prst="rect">
+                <a:avLst/>
+              </a:prstGeom>
+              <a:noFill/>
+            </p:spPr>
+            <p:txBody>
+              <a:bodyPr wrap="none" rtlCol="0">
+                <a:spAutoFit/>
+              </a:bodyPr>
+              <a:lstStyle/>
+              <a:p>
+                <a:r>
+                  <a:rPr lang="en-GB" sz="1050" dirty="0"/>
+                  <a:t>10</a:t>
+                </a:r>
+              </a:p>
+            </p:txBody>
+          </p:sp>
+        </p:grpSp>
+        <p:grpSp>
+          <p:nvGrpSpPr>
+            <p:cNvPr id="179" name="Group 178">
+              <a:extLst>
+                <a:ext uri="{FF2B5EF4-FFF2-40B4-BE49-F238E27FC236}">
+                  <a16:creationId xmlns:a16="http://schemas.microsoft.com/office/drawing/2014/main" id="{84075228-0364-8564-5493-993FD44F53BF}"/>
+                </a:ext>
+              </a:extLst>
+            </p:cNvPr>
+            <p:cNvGrpSpPr/>
+            <p:nvPr/>
+          </p:nvGrpSpPr>
+          <p:grpSpPr>
+            <a:xfrm>
+              <a:off x="4087723" y="1866454"/>
+              <a:ext cx="369172" cy="310126"/>
+              <a:chOff x="1552576" y="642938"/>
+              <a:chExt cx="369172" cy="310126"/>
+            </a:xfrm>
+          </p:grpSpPr>
+          <p:sp>
+            <p:nvSpPr>
+              <p:cNvPr id="180" name="Oval 179">
+                <a:extLst>
+                  <a:ext uri="{FF2B5EF4-FFF2-40B4-BE49-F238E27FC236}">
+                    <a16:creationId xmlns:a16="http://schemas.microsoft.com/office/drawing/2014/main" id="{42249E66-F845-9750-9568-68E980572B08}"/>
+                  </a:ext>
+                </a:extLst>
+              </p:cNvPr>
+              <p:cNvSpPr/>
+              <p:nvPr/>
+            </p:nvSpPr>
+            <p:spPr>
+              <a:xfrm>
+                <a:off x="1552576" y="642938"/>
+                <a:ext cx="192882" cy="192881"/>
+              </a:xfrm>
+              <a:prstGeom prst="ellipse">
+                <a:avLst/>
+              </a:prstGeom>
+              <a:solidFill>
+                <a:srgbClr val="F59E0B"/>
+              </a:solidFill>
+              <a:ln>
+                <a:solidFill>
+                  <a:schemeClr val="tx1"/>
+                </a:solidFill>
+              </a:ln>
+            </p:spPr>
+            <p:style>
+              <a:lnRef idx="2">
+                <a:schemeClr val="accent1">
+                  <a:shade val="50000"/>
+                </a:schemeClr>
+              </a:lnRef>
+              <a:fillRef idx="1">
+                <a:schemeClr val="accent1"/>
+              </a:fillRef>
+              <a:effectRef idx="0">
+                <a:schemeClr val="accent1"/>
+              </a:effectRef>
+              <a:fontRef idx="minor">
+                <a:schemeClr val="lt1"/>
+              </a:fontRef>
+            </p:style>
+            <p:txBody>
+              <a:bodyPr rtlCol="0" anchor="ctr"/>
+              <a:lstStyle/>
+              <a:p>
+                <a:pPr algn="ctr"/>
+                <a:endParaRPr lang="en-GB" dirty="0"/>
+              </a:p>
+            </p:txBody>
+          </p:sp>
+          <p:sp>
+            <p:nvSpPr>
+              <p:cNvPr id="181" name="TextBox 180">
+                <a:extLst>
+                  <a:ext uri="{FF2B5EF4-FFF2-40B4-BE49-F238E27FC236}">
+                    <a16:creationId xmlns:a16="http://schemas.microsoft.com/office/drawing/2014/main" id="{FE8E0D35-E3FE-6FBD-FA9A-B6900B29E3D8}"/>
+                  </a:ext>
+                </a:extLst>
+              </p:cNvPr>
+              <p:cNvSpPr txBox="1"/>
+              <p:nvPr/>
+            </p:nvSpPr>
+            <p:spPr>
+              <a:xfrm>
+                <a:off x="1668152" y="699148"/>
+                <a:ext cx="253596" cy="253916"/>
+              </a:xfrm>
+              <a:prstGeom prst="rect">
+                <a:avLst/>
+              </a:prstGeom>
+              <a:noFill/>
+            </p:spPr>
+            <p:txBody>
+              <a:bodyPr wrap="none" rtlCol="0">
+                <a:spAutoFit/>
+              </a:bodyPr>
+              <a:lstStyle/>
+              <a:p>
+                <a:r>
+                  <a:rPr lang="en-GB" sz="1050" dirty="0"/>
+                  <a:t>3</a:t>
+                </a:r>
+              </a:p>
+            </p:txBody>
+          </p:sp>
+        </p:grpSp>
+        <p:grpSp>
+          <p:nvGrpSpPr>
+            <p:cNvPr id="40" name="Group 39">
+              <a:extLst>
+                <a:ext uri="{FF2B5EF4-FFF2-40B4-BE49-F238E27FC236}">
+                  <a16:creationId xmlns:a16="http://schemas.microsoft.com/office/drawing/2014/main" id="{186A15D5-201A-F268-AB33-3E4805BDE0C7}"/>
+                </a:ext>
+              </a:extLst>
+            </p:cNvPr>
+            <p:cNvGrpSpPr/>
+            <p:nvPr/>
+          </p:nvGrpSpPr>
+          <p:grpSpPr>
+            <a:xfrm>
+              <a:off x="1567015" y="737160"/>
+              <a:ext cx="369172" cy="310126"/>
+              <a:chOff x="1552576" y="642938"/>
+              <a:chExt cx="369172" cy="310126"/>
+            </a:xfrm>
+          </p:grpSpPr>
+          <p:sp>
+            <p:nvSpPr>
+              <p:cNvPr id="39" name="TextBox 38">
+                <a:extLst>
+                  <a:ext uri="{FF2B5EF4-FFF2-40B4-BE49-F238E27FC236}">
+                    <a16:creationId xmlns:a16="http://schemas.microsoft.com/office/drawing/2014/main" id="{0EE5A78C-604D-1AFE-8F6E-1899C8703301}"/>
+                  </a:ext>
+                </a:extLst>
+              </p:cNvPr>
+              <p:cNvSpPr txBox="1"/>
+              <p:nvPr/>
+            </p:nvSpPr>
+            <p:spPr>
+              <a:xfrm>
+                <a:off x="1668152" y="699148"/>
+                <a:ext cx="253596" cy="253916"/>
+              </a:xfrm>
+              <a:prstGeom prst="rect">
+                <a:avLst/>
+              </a:prstGeom>
+              <a:noFill/>
+            </p:spPr>
+            <p:txBody>
+              <a:bodyPr wrap="none" rtlCol="0">
+                <a:spAutoFit/>
+              </a:bodyPr>
+              <a:lstStyle/>
+              <a:p>
+                <a:r>
+                  <a:rPr lang="en-GB" sz="1050" dirty="0"/>
+                  <a:t>1</a:t>
+                </a:r>
+              </a:p>
+            </p:txBody>
+          </p:sp>
+          <p:sp>
+            <p:nvSpPr>
+              <p:cNvPr id="9" name="Oval 8">
+                <a:extLst>
+                  <a:ext uri="{FF2B5EF4-FFF2-40B4-BE49-F238E27FC236}">
+                    <a16:creationId xmlns:a16="http://schemas.microsoft.com/office/drawing/2014/main" id="{43BBD3E0-66D5-1C8A-9D80-4139EE961879}"/>
+                  </a:ext>
+                </a:extLst>
+              </p:cNvPr>
+              <p:cNvSpPr/>
+              <p:nvPr/>
+            </p:nvSpPr>
+            <p:spPr>
+              <a:xfrm>
+                <a:off x="1552576" y="642938"/>
+                <a:ext cx="192882" cy="192881"/>
+              </a:xfrm>
+              <a:prstGeom prst="ellipse">
+                <a:avLst/>
+              </a:prstGeom>
+              <a:solidFill>
+                <a:schemeClr val="bg1"/>
+              </a:solidFill>
+              <a:ln>
+                <a:solidFill>
+                  <a:schemeClr val="tx1"/>
+                </a:solidFill>
+              </a:ln>
+            </p:spPr>
+            <p:style>
+              <a:lnRef idx="2">
+                <a:schemeClr val="accent1">
+                  <a:shade val="50000"/>
+                </a:schemeClr>
+              </a:lnRef>
+              <a:fillRef idx="1">
+                <a:schemeClr val="accent1"/>
+              </a:fillRef>
+              <a:effectRef idx="0">
+                <a:schemeClr val="accent1"/>
+              </a:effectRef>
+              <a:fontRef idx="minor">
+                <a:schemeClr val="lt1"/>
+              </a:fontRef>
+            </p:style>
+            <p:txBody>
+              <a:bodyPr rtlCol="0" anchor="ctr"/>
+              <a:lstStyle/>
+              <a:p>
+                <a:pPr algn="ctr"/>
+                <a:endParaRPr lang="en-GB" dirty="0"/>
+              </a:p>
+            </p:txBody>
+          </p:sp>
+        </p:grpSp>
+        <p:grpSp>
+          <p:nvGrpSpPr>
+            <p:cNvPr id="41" name="Group 40">
+              <a:extLst>
+                <a:ext uri="{FF2B5EF4-FFF2-40B4-BE49-F238E27FC236}">
+                  <a16:creationId xmlns:a16="http://schemas.microsoft.com/office/drawing/2014/main" id="{164311B2-A0BB-6FCD-FB69-83AA82347936}"/>
+                </a:ext>
+              </a:extLst>
+            </p:cNvPr>
+            <p:cNvGrpSpPr/>
+            <p:nvPr/>
+          </p:nvGrpSpPr>
+          <p:grpSpPr>
+            <a:xfrm>
+              <a:off x="1567015" y="1088252"/>
+              <a:ext cx="369172" cy="310126"/>
+              <a:chOff x="1552576" y="642938"/>
+              <a:chExt cx="369172" cy="310126"/>
+            </a:xfrm>
+          </p:grpSpPr>
+          <p:sp>
+            <p:nvSpPr>
+              <p:cNvPr id="42" name="Oval 41">
+                <a:extLst>
+                  <a:ext uri="{FF2B5EF4-FFF2-40B4-BE49-F238E27FC236}">
+                    <a16:creationId xmlns:a16="http://schemas.microsoft.com/office/drawing/2014/main" id="{C86CB72C-D510-2EDA-D48F-0F56E27CC001}"/>
+                  </a:ext>
+                </a:extLst>
+              </p:cNvPr>
+              <p:cNvSpPr/>
+              <p:nvPr/>
+            </p:nvSpPr>
+            <p:spPr>
+              <a:xfrm>
+                <a:off x="1552576" y="642938"/>
+                <a:ext cx="192882" cy="192881"/>
+              </a:xfrm>
+              <a:prstGeom prst="ellipse">
+                <a:avLst/>
+              </a:prstGeom>
+              <a:solidFill>
+                <a:schemeClr val="bg1"/>
+              </a:solidFill>
+              <a:ln>
+                <a:solidFill>
+                  <a:schemeClr val="tx1"/>
+                </a:solidFill>
+              </a:ln>
+            </p:spPr>
+            <p:style>
+              <a:lnRef idx="2">
+                <a:schemeClr val="accent1">
+                  <a:shade val="50000"/>
+                </a:schemeClr>
+              </a:lnRef>
+              <a:fillRef idx="1">
+                <a:schemeClr val="accent1"/>
+              </a:fillRef>
+              <a:effectRef idx="0">
+                <a:schemeClr val="accent1"/>
+              </a:effectRef>
+              <a:fontRef idx="minor">
+                <a:schemeClr val="lt1"/>
+              </a:fontRef>
+            </p:style>
+            <p:txBody>
+              <a:bodyPr rtlCol="0" anchor="ctr"/>
+              <a:lstStyle/>
+              <a:p>
+                <a:pPr algn="ctr"/>
+                <a:endParaRPr lang="en-GB" dirty="0"/>
+              </a:p>
+            </p:txBody>
+          </p:sp>
+          <p:sp>
+            <p:nvSpPr>
+              <p:cNvPr id="43" name="TextBox 42">
+                <a:extLst>
+                  <a:ext uri="{FF2B5EF4-FFF2-40B4-BE49-F238E27FC236}">
+                    <a16:creationId xmlns:a16="http://schemas.microsoft.com/office/drawing/2014/main" id="{D7330A85-1190-1358-A7A1-E4FF1E48750E}"/>
+                  </a:ext>
+                </a:extLst>
+              </p:cNvPr>
+              <p:cNvSpPr txBox="1"/>
+              <p:nvPr/>
+            </p:nvSpPr>
+            <p:spPr>
+              <a:xfrm>
+                <a:off x="1668152" y="699148"/>
+                <a:ext cx="253596" cy="253916"/>
+              </a:xfrm>
+              <a:prstGeom prst="rect">
+                <a:avLst/>
+              </a:prstGeom>
+              <a:noFill/>
+            </p:spPr>
+            <p:txBody>
+              <a:bodyPr wrap="none" rtlCol="0">
+                <a:spAutoFit/>
+              </a:bodyPr>
+              <a:lstStyle/>
+              <a:p>
+                <a:r>
+                  <a:rPr lang="en-GB" sz="1050" dirty="0"/>
+                  <a:t>2</a:t>
+                </a:r>
+              </a:p>
+            </p:txBody>
+          </p:sp>
+        </p:grpSp>
+        <p:grpSp>
+          <p:nvGrpSpPr>
+            <p:cNvPr id="44" name="Group 43">
+              <a:extLst>
+                <a:ext uri="{FF2B5EF4-FFF2-40B4-BE49-F238E27FC236}">
+                  <a16:creationId xmlns:a16="http://schemas.microsoft.com/office/drawing/2014/main" id="{840C7108-6EE6-85B5-6E6B-46D22AAB5C73}"/>
+                </a:ext>
+              </a:extLst>
+            </p:cNvPr>
+            <p:cNvGrpSpPr/>
+            <p:nvPr/>
+          </p:nvGrpSpPr>
+          <p:grpSpPr>
+            <a:xfrm>
+              <a:off x="1567015" y="1413413"/>
+              <a:ext cx="369172" cy="310126"/>
+              <a:chOff x="1552576" y="642938"/>
+              <a:chExt cx="369172" cy="310126"/>
+            </a:xfrm>
+          </p:grpSpPr>
+          <p:sp>
+            <p:nvSpPr>
+              <p:cNvPr id="45" name="Oval 44">
+                <a:extLst>
+                  <a:ext uri="{FF2B5EF4-FFF2-40B4-BE49-F238E27FC236}">
+                    <a16:creationId xmlns:a16="http://schemas.microsoft.com/office/drawing/2014/main" id="{23F88C8A-117D-8FDD-F638-AE6666F6FFE1}"/>
+                  </a:ext>
+                </a:extLst>
+              </p:cNvPr>
+              <p:cNvSpPr/>
+              <p:nvPr/>
+            </p:nvSpPr>
+            <p:spPr>
+              <a:xfrm>
+                <a:off x="1552576" y="642938"/>
+                <a:ext cx="192882" cy="192881"/>
+              </a:xfrm>
+              <a:prstGeom prst="ellipse">
+                <a:avLst/>
+              </a:prstGeom>
+              <a:solidFill>
+                <a:schemeClr val="bg1"/>
+              </a:solidFill>
+              <a:ln>
+                <a:solidFill>
+                  <a:schemeClr val="tx1"/>
+                </a:solidFill>
+              </a:ln>
+            </p:spPr>
+            <p:style>
+              <a:lnRef idx="2">
+                <a:schemeClr val="accent1">
+                  <a:shade val="50000"/>
+                </a:schemeClr>
+              </a:lnRef>
+              <a:fillRef idx="1">
+                <a:schemeClr val="accent1"/>
+              </a:fillRef>
+              <a:effectRef idx="0">
+                <a:schemeClr val="accent1"/>
+              </a:effectRef>
+              <a:fontRef idx="minor">
+                <a:schemeClr val="lt1"/>
+              </a:fontRef>
+            </p:style>
+            <p:txBody>
+              <a:bodyPr rtlCol="0" anchor="ctr"/>
+              <a:lstStyle/>
+              <a:p>
+                <a:pPr algn="ctr"/>
+                <a:endParaRPr lang="en-GB" dirty="0"/>
+              </a:p>
+            </p:txBody>
+          </p:sp>
+          <p:sp>
+            <p:nvSpPr>
+              <p:cNvPr id="46" name="TextBox 45">
+                <a:extLst>
+                  <a:ext uri="{FF2B5EF4-FFF2-40B4-BE49-F238E27FC236}">
+                    <a16:creationId xmlns:a16="http://schemas.microsoft.com/office/drawing/2014/main" id="{024CEF05-D4C0-92C8-46BD-BA099F57F110}"/>
+                  </a:ext>
+                </a:extLst>
+              </p:cNvPr>
+              <p:cNvSpPr txBox="1"/>
+              <p:nvPr/>
+            </p:nvSpPr>
+            <p:spPr>
+              <a:xfrm>
+                <a:off x="1668152" y="699148"/>
+                <a:ext cx="253596" cy="253916"/>
+              </a:xfrm>
+              <a:prstGeom prst="rect">
+                <a:avLst/>
+              </a:prstGeom>
+              <a:noFill/>
+            </p:spPr>
+            <p:txBody>
+              <a:bodyPr wrap="none" rtlCol="0">
+                <a:spAutoFit/>
+              </a:bodyPr>
+              <a:lstStyle/>
+              <a:p>
+                <a:r>
+                  <a:rPr lang="en-GB" sz="1050" dirty="0"/>
+                  <a:t>3</a:t>
+                </a:r>
+              </a:p>
+            </p:txBody>
+          </p:sp>
+        </p:grpSp>
+        <p:grpSp>
+          <p:nvGrpSpPr>
+            <p:cNvPr id="53" name="Group 52">
+              <a:extLst>
+                <a:ext uri="{FF2B5EF4-FFF2-40B4-BE49-F238E27FC236}">
+                  <a16:creationId xmlns:a16="http://schemas.microsoft.com/office/drawing/2014/main" id="{EEA7F827-2736-FD8E-F5A9-BE3C1BE433BF}"/>
+                </a:ext>
+              </a:extLst>
+            </p:cNvPr>
+            <p:cNvGrpSpPr/>
+            <p:nvPr/>
+          </p:nvGrpSpPr>
+          <p:grpSpPr>
+            <a:xfrm>
+              <a:off x="1567015" y="2811503"/>
+              <a:ext cx="507030" cy="310126"/>
+              <a:chOff x="1552576" y="642938"/>
+              <a:chExt cx="507030" cy="310126"/>
+            </a:xfrm>
+          </p:grpSpPr>
+          <p:sp>
+            <p:nvSpPr>
+              <p:cNvPr id="54" name="Oval 53">
+                <a:extLst>
+                  <a:ext uri="{FF2B5EF4-FFF2-40B4-BE49-F238E27FC236}">
+                    <a16:creationId xmlns:a16="http://schemas.microsoft.com/office/drawing/2014/main" id="{7E0DE88C-0B97-8D1F-6BC6-D951F9D2BB4E}"/>
+                  </a:ext>
+                </a:extLst>
+              </p:cNvPr>
+              <p:cNvSpPr/>
+              <p:nvPr/>
+            </p:nvSpPr>
+            <p:spPr>
+              <a:xfrm>
+                <a:off x="1552576" y="642938"/>
+                <a:ext cx="192882" cy="192881"/>
+              </a:xfrm>
+              <a:prstGeom prst="ellipse">
+                <a:avLst/>
+              </a:prstGeom>
+              <a:solidFill>
+                <a:schemeClr val="bg1"/>
+              </a:solidFill>
+              <a:ln>
+                <a:solidFill>
+                  <a:schemeClr val="tx1"/>
+                </a:solidFill>
+              </a:ln>
+            </p:spPr>
+            <p:style>
+              <a:lnRef idx="2">
+                <a:schemeClr val="accent1">
+                  <a:shade val="50000"/>
+                </a:schemeClr>
+              </a:lnRef>
+              <a:fillRef idx="1">
+                <a:schemeClr val="accent1"/>
+              </a:fillRef>
+              <a:effectRef idx="0">
+                <a:schemeClr val="accent1"/>
+              </a:effectRef>
+              <a:fontRef idx="minor">
+                <a:schemeClr val="lt1"/>
+              </a:fontRef>
+            </p:style>
+            <p:txBody>
+              <a:bodyPr rtlCol="0" anchor="ctr"/>
+              <a:lstStyle/>
+              <a:p>
+                <a:pPr algn="ctr"/>
+                <a:endParaRPr lang="en-GB"/>
+              </a:p>
+            </p:txBody>
+          </p:sp>
+          <p:sp>
+            <p:nvSpPr>
+              <p:cNvPr id="55" name="TextBox 54">
+                <a:extLst>
+                  <a:ext uri="{FF2B5EF4-FFF2-40B4-BE49-F238E27FC236}">
+                    <a16:creationId xmlns:a16="http://schemas.microsoft.com/office/drawing/2014/main" id="{D8EEBA0B-BE97-78D7-500F-8FEAA012CC1A}"/>
+                  </a:ext>
+                </a:extLst>
+              </p:cNvPr>
+              <p:cNvSpPr txBox="1"/>
+              <p:nvPr/>
+            </p:nvSpPr>
+            <p:spPr>
+              <a:xfrm>
+                <a:off x="1668152" y="699148"/>
+                <a:ext cx="391454" cy="253916"/>
+              </a:xfrm>
+              <a:prstGeom prst="rect">
+                <a:avLst/>
+              </a:prstGeom>
+              <a:noFill/>
+            </p:spPr>
+            <p:txBody>
+              <a:bodyPr wrap="none" rtlCol="0">
+                <a:spAutoFit/>
+              </a:bodyPr>
+              <a:lstStyle/>
+              <a:p>
+                <a:r>
+                  <a:rPr lang="en-GB" sz="1050" dirty="0"/>
+                  <a:t>784</a:t>
+                </a:r>
+              </a:p>
+            </p:txBody>
+          </p:sp>
+        </p:grpSp>
+        <p:grpSp>
+          <p:nvGrpSpPr>
+            <p:cNvPr id="56" name="Group 55">
+              <a:extLst>
+                <a:ext uri="{FF2B5EF4-FFF2-40B4-BE49-F238E27FC236}">
+                  <a16:creationId xmlns:a16="http://schemas.microsoft.com/office/drawing/2014/main" id="{7C87FBBB-C4E9-65E8-2F78-2C188CC67443}"/>
+                </a:ext>
+              </a:extLst>
+            </p:cNvPr>
+            <p:cNvGrpSpPr/>
+            <p:nvPr/>
+          </p:nvGrpSpPr>
+          <p:grpSpPr>
+            <a:xfrm>
+              <a:off x="2472874" y="871801"/>
+              <a:ext cx="369172" cy="310126"/>
+              <a:chOff x="1552576" y="642938"/>
+              <a:chExt cx="369172" cy="310126"/>
+            </a:xfrm>
+          </p:grpSpPr>
+          <p:sp>
+            <p:nvSpPr>
+              <p:cNvPr id="57" name="Oval 56">
+                <a:extLst>
+                  <a:ext uri="{FF2B5EF4-FFF2-40B4-BE49-F238E27FC236}">
+                    <a16:creationId xmlns:a16="http://schemas.microsoft.com/office/drawing/2014/main" id="{258CDE8B-4A85-1164-4F49-506550B97373}"/>
+                  </a:ext>
+                </a:extLst>
+              </p:cNvPr>
+              <p:cNvSpPr/>
+              <p:nvPr/>
+            </p:nvSpPr>
+            <p:spPr>
+              <a:xfrm>
+                <a:off x="1552576" y="642938"/>
+                <a:ext cx="192882" cy="192881"/>
+              </a:xfrm>
+              <a:prstGeom prst="ellipse">
+                <a:avLst/>
+              </a:prstGeom>
+              <a:solidFill>
+                <a:schemeClr val="bg1"/>
+              </a:solidFill>
+              <a:ln>
+                <a:solidFill>
+                  <a:schemeClr val="tx1"/>
+                </a:solidFill>
+              </a:ln>
+            </p:spPr>
+            <p:style>
+              <a:lnRef idx="2">
+                <a:schemeClr val="accent1">
+                  <a:shade val="50000"/>
+                </a:schemeClr>
+              </a:lnRef>
+              <a:fillRef idx="1">
+                <a:schemeClr val="accent1"/>
+              </a:fillRef>
+              <a:effectRef idx="0">
+                <a:schemeClr val="accent1"/>
+              </a:effectRef>
+              <a:fontRef idx="minor">
+                <a:schemeClr val="lt1"/>
+              </a:fontRef>
+            </p:style>
+            <p:txBody>
+              <a:bodyPr rtlCol="0" anchor="ctr"/>
+              <a:lstStyle/>
+              <a:p>
+                <a:pPr algn="ctr"/>
+                <a:endParaRPr lang="en-GB" dirty="0"/>
+              </a:p>
+            </p:txBody>
+          </p:sp>
+          <p:sp>
+            <p:nvSpPr>
+              <p:cNvPr id="58" name="TextBox 57">
+                <a:extLst>
+                  <a:ext uri="{FF2B5EF4-FFF2-40B4-BE49-F238E27FC236}">
+                    <a16:creationId xmlns:a16="http://schemas.microsoft.com/office/drawing/2014/main" id="{F9A1B5FC-86A6-B820-1EC0-89FC62D122C7}"/>
+                  </a:ext>
+                </a:extLst>
+              </p:cNvPr>
+              <p:cNvSpPr txBox="1"/>
+              <p:nvPr/>
+            </p:nvSpPr>
+            <p:spPr>
+              <a:xfrm>
+                <a:off x="1668152" y="699148"/>
+                <a:ext cx="253596" cy="253916"/>
+              </a:xfrm>
+              <a:prstGeom prst="rect">
+                <a:avLst/>
+              </a:prstGeom>
+              <a:noFill/>
+            </p:spPr>
+            <p:txBody>
+              <a:bodyPr wrap="none" rtlCol="0">
+                <a:spAutoFit/>
+              </a:bodyPr>
+              <a:lstStyle/>
+              <a:p>
+                <a:r>
+                  <a:rPr lang="en-GB" sz="1050" dirty="0"/>
+                  <a:t>1</a:t>
+                </a:r>
+              </a:p>
+            </p:txBody>
+          </p:sp>
+        </p:grpSp>
+        <p:grpSp>
+          <p:nvGrpSpPr>
+            <p:cNvPr id="59" name="Group 58">
+              <a:extLst>
+                <a:ext uri="{FF2B5EF4-FFF2-40B4-BE49-F238E27FC236}">
+                  <a16:creationId xmlns:a16="http://schemas.microsoft.com/office/drawing/2014/main" id="{D042E346-35E7-AB4C-4E61-58E663511ADE}"/>
+                </a:ext>
+              </a:extLst>
+            </p:cNvPr>
+            <p:cNvGrpSpPr/>
+            <p:nvPr/>
+          </p:nvGrpSpPr>
+          <p:grpSpPr>
+            <a:xfrm>
+              <a:off x="2472874" y="1222893"/>
+              <a:ext cx="369172" cy="310126"/>
+              <a:chOff x="1552576" y="642938"/>
+              <a:chExt cx="369172" cy="310126"/>
+            </a:xfrm>
+          </p:grpSpPr>
+          <p:sp>
+            <p:nvSpPr>
+              <p:cNvPr id="60" name="Oval 59">
+                <a:extLst>
+                  <a:ext uri="{FF2B5EF4-FFF2-40B4-BE49-F238E27FC236}">
+                    <a16:creationId xmlns:a16="http://schemas.microsoft.com/office/drawing/2014/main" id="{4C2C2764-DF8D-BAF2-A230-0E8D43D1BCA4}"/>
+                  </a:ext>
+                </a:extLst>
+              </p:cNvPr>
+              <p:cNvSpPr/>
+              <p:nvPr/>
+            </p:nvSpPr>
+            <p:spPr>
+              <a:xfrm>
+                <a:off x="1552576" y="642938"/>
+                <a:ext cx="192882" cy="192881"/>
+              </a:xfrm>
+              <a:prstGeom prst="ellipse">
+                <a:avLst/>
+              </a:prstGeom>
+              <a:solidFill>
+                <a:schemeClr val="bg1"/>
+              </a:solidFill>
+              <a:ln>
+                <a:solidFill>
+                  <a:schemeClr val="tx1"/>
+                </a:solidFill>
+              </a:ln>
+            </p:spPr>
+            <p:style>
+              <a:lnRef idx="2">
+                <a:schemeClr val="accent1">
+                  <a:shade val="50000"/>
+                </a:schemeClr>
+              </a:lnRef>
+              <a:fillRef idx="1">
+                <a:schemeClr val="accent1"/>
+              </a:fillRef>
+              <a:effectRef idx="0">
+                <a:schemeClr val="accent1"/>
+              </a:effectRef>
+              <a:fontRef idx="minor">
+                <a:schemeClr val="lt1"/>
+              </a:fontRef>
+            </p:style>
+            <p:txBody>
+              <a:bodyPr rtlCol="0" anchor="ctr"/>
+              <a:lstStyle/>
+              <a:p>
+                <a:pPr algn="ctr"/>
+                <a:endParaRPr lang="en-GB" dirty="0"/>
+              </a:p>
+            </p:txBody>
+          </p:sp>
+          <p:sp>
+            <p:nvSpPr>
+              <p:cNvPr id="61" name="TextBox 60">
+                <a:extLst>
+                  <a:ext uri="{FF2B5EF4-FFF2-40B4-BE49-F238E27FC236}">
+                    <a16:creationId xmlns:a16="http://schemas.microsoft.com/office/drawing/2014/main" id="{7CA86D20-5E8F-EEDA-78E6-2FE8FBC9F88D}"/>
+                  </a:ext>
+                </a:extLst>
+              </p:cNvPr>
+              <p:cNvSpPr txBox="1"/>
+              <p:nvPr/>
+            </p:nvSpPr>
+            <p:spPr>
+              <a:xfrm>
+                <a:off x="1668152" y="699148"/>
+                <a:ext cx="253596" cy="253916"/>
+              </a:xfrm>
+              <a:prstGeom prst="rect">
+                <a:avLst/>
+              </a:prstGeom>
+              <a:noFill/>
+            </p:spPr>
+            <p:txBody>
+              <a:bodyPr wrap="none" rtlCol="0">
+                <a:spAutoFit/>
+              </a:bodyPr>
+              <a:lstStyle/>
+              <a:p>
+                <a:r>
+                  <a:rPr lang="en-GB" sz="1050" dirty="0"/>
+                  <a:t>2</a:t>
+                </a:r>
+              </a:p>
+            </p:txBody>
+          </p:sp>
+        </p:grpSp>
+        <p:grpSp>
+          <p:nvGrpSpPr>
+            <p:cNvPr id="62" name="Group 61">
+              <a:extLst>
+                <a:ext uri="{FF2B5EF4-FFF2-40B4-BE49-F238E27FC236}">
+                  <a16:creationId xmlns:a16="http://schemas.microsoft.com/office/drawing/2014/main" id="{7A84E6BA-DD34-A361-C206-B7EFEC90CECE}"/>
+                </a:ext>
+              </a:extLst>
+            </p:cNvPr>
+            <p:cNvGrpSpPr/>
+            <p:nvPr/>
+          </p:nvGrpSpPr>
+          <p:grpSpPr>
+            <a:xfrm>
+              <a:off x="2472874" y="1548054"/>
+              <a:ext cx="369172" cy="310126"/>
+              <a:chOff x="1552576" y="642938"/>
+              <a:chExt cx="369172" cy="310126"/>
+            </a:xfrm>
+          </p:grpSpPr>
+          <p:sp>
+            <p:nvSpPr>
+              <p:cNvPr id="63" name="Oval 62">
+                <a:extLst>
+                  <a:ext uri="{FF2B5EF4-FFF2-40B4-BE49-F238E27FC236}">
+                    <a16:creationId xmlns:a16="http://schemas.microsoft.com/office/drawing/2014/main" id="{2C442224-E35E-36EA-77C8-F9AEBA9DCE38}"/>
+                  </a:ext>
+                </a:extLst>
+              </p:cNvPr>
+              <p:cNvSpPr/>
+              <p:nvPr/>
+            </p:nvSpPr>
+            <p:spPr>
+              <a:xfrm>
+                <a:off x="1552576" y="642938"/>
+                <a:ext cx="192882" cy="192881"/>
+              </a:xfrm>
+              <a:prstGeom prst="ellipse">
+                <a:avLst/>
+              </a:prstGeom>
+              <a:solidFill>
+                <a:schemeClr val="bg1"/>
+              </a:solidFill>
+              <a:ln>
+                <a:solidFill>
+                  <a:schemeClr val="tx1"/>
+                </a:solidFill>
+              </a:ln>
+            </p:spPr>
+            <p:style>
+              <a:lnRef idx="2">
+                <a:schemeClr val="accent1">
+                  <a:shade val="50000"/>
+                </a:schemeClr>
+              </a:lnRef>
+              <a:fillRef idx="1">
+                <a:schemeClr val="accent1"/>
+              </a:fillRef>
+              <a:effectRef idx="0">
+                <a:schemeClr val="accent1"/>
+              </a:effectRef>
+              <a:fontRef idx="minor">
+                <a:schemeClr val="lt1"/>
+              </a:fontRef>
+            </p:style>
+            <p:txBody>
+              <a:bodyPr rtlCol="0" anchor="ctr"/>
+              <a:lstStyle/>
+              <a:p>
+                <a:pPr algn="ctr"/>
+                <a:endParaRPr lang="en-GB"/>
+              </a:p>
+            </p:txBody>
+          </p:sp>
+          <p:sp>
+            <p:nvSpPr>
+              <p:cNvPr id="64" name="TextBox 63">
+                <a:extLst>
+                  <a:ext uri="{FF2B5EF4-FFF2-40B4-BE49-F238E27FC236}">
+                    <a16:creationId xmlns:a16="http://schemas.microsoft.com/office/drawing/2014/main" id="{B7B71412-6407-0B99-4F7E-A8C21FBEB9E5}"/>
+                  </a:ext>
+                </a:extLst>
+              </p:cNvPr>
+              <p:cNvSpPr txBox="1"/>
+              <p:nvPr/>
+            </p:nvSpPr>
+            <p:spPr>
+              <a:xfrm>
+                <a:off x="1668152" y="699148"/>
+                <a:ext cx="253596" cy="253916"/>
+              </a:xfrm>
+              <a:prstGeom prst="rect">
+                <a:avLst/>
+              </a:prstGeom>
+              <a:noFill/>
+            </p:spPr>
+            <p:txBody>
+              <a:bodyPr wrap="none" rtlCol="0">
+                <a:spAutoFit/>
+              </a:bodyPr>
+              <a:lstStyle/>
+              <a:p>
+                <a:r>
+                  <a:rPr lang="en-GB" sz="1050" dirty="0"/>
+                  <a:t>3</a:t>
+                </a:r>
+              </a:p>
+            </p:txBody>
+          </p:sp>
+        </p:grpSp>
+        <p:grpSp>
+          <p:nvGrpSpPr>
+            <p:cNvPr id="65" name="Group 64">
+              <a:extLst>
+                <a:ext uri="{FF2B5EF4-FFF2-40B4-BE49-F238E27FC236}">
+                  <a16:creationId xmlns:a16="http://schemas.microsoft.com/office/drawing/2014/main" id="{34048AB8-E2B6-D83A-B1B4-66653D34E554}"/>
+                </a:ext>
+              </a:extLst>
+            </p:cNvPr>
+            <p:cNvGrpSpPr/>
+            <p:nvPr/>
+          </p:nvGrpSpPr>
+          <p:grpSpPr>
+            <a:xfrm>
+              <a:off x="2472874" y="2689859"/>
+              <a:ext cx="507030" cy="310126"/>
+              <a:chOff x="1552576" y="642938"/>
+              <a:chExt cx="507030" cy="310126"/>
+            </a:xfrm>
+          </p:grpSpPr>
+          <p:sp>
+            <p:nvSpPr>
+              <p:cNvPr id="66" name="Oval 65">
+                <a:extLst>
+                  <a:ext uri="{FF2B5EF4-FFF2-40B4-BE49-F238E27FC236}">
+                    <a16:creationId xmlns:a16="http://schemas.microsoft.com/office/drawing/2014/main" id="{6641E9C1-360F-B833-88B5-B061B50C5F82}"/>
+                  </a:ext>
+                </a:extLst>
+              </p:cNvPr>
+              <p:cNvSpPr/>
+              <p:nvPr/>
+            </p:nvSpPr>
+            <p:spPr>
+              <a:xfrm>
+                <a:off x="1552576" y="642938"/>
+                <a:ext cx="192882" cy="192881"/>
+              </a:xfrm>
+              <a:prstGeom prst="ellipse">
+                <a:avLst/>
+              </a:prstGeom>
+              <a:solidFill>
+                <a:schemeClr val="bg1"/>
+              </a:solidFill>
+              <a:ln>
+                <a:solidFill>
+                  <a:schemeClr val="tx1"/>
+                </a:solidFill>
+              </a:ln>
+            </p:spPr>
+            <p:style>
+              <a:lnRef idx="2">
+                <a:schemeClr val="accent1">
+                  <a:shade val="50000"/>
+                </a:schemeClr>
+              </a:lnRef>
+              <a:fillRef idx="1">
+                <a:schemeClr val="accent1"/>
+              </a:fillRef>
+              <a:effectRef idx="0">
+                <a:schemeClr val="accent1"/>
+              </a:effectRef>
+              <a:fontRef idx="minor">
+                <a:schemeClr val="lt1"/>
+              </a:fontRef>
+            </p:style>
+            <p:txBody>
+              <a:bodyPr rtlCol="0" anchor="ctr"/>
+              <a:lstStyle/>
+              <a:p>
+                <a:pPr algn="ctr"/>
+                <a:endParaRPr lang="en-GB"/>
+              </a:p>
+            </p:txBody>
+          </p:sp>
+          <p:sp>
+            <p:nvSpPr>
+              <p:cNvPr id="67" name="TextBox 66">
+                <a:extLst>
+                  <a:ext uri="{FF2B5EF4-FFF2-40B4-BE49-F238E27FC236}">
+                    <a16:creationId xmlns:a16="http://schemas.microsoft.com/office/drawing/2014/main" id="{2F14BBA8-4C92-C20A-26B2-A97CEC344B8A}"/>
+                  </a:ext>
+                </a:extLst>
+              </p:cNvPr>
+              <p:cNvSpPr txBox="1"/>
+              <p:nvPr/>
+            </p:nvSpPr>
+            <p:spPr>
+              <a:xfrm>
+                <a:off x="1668152" y="699148"/>
+                <a:ext cx="391454" cy="253916"/>
+              </a:xfrm>
+              <a:prstGeom prst="rect">
+                <a:avLst/>
+              </a:prstGeom>
+              <a:noFill/>
+            </p:spPr>
+            <p:txBody>
+              <a:bodyPr wrap="none" rtlCol="0">
+                <a:spAutoFit/>
+              </a:bodyPr>
+              <a:lstStyle/>
+              <a:p>
+                <a:r>
+                  <a:rPr lang="en-GB" sz="1050" dirty="0"/>
+                  <a:t>512</a:t>
+                </a:r>
+              </a:p>
+            </p:txBody>
+          </p:sp>
+        </p:grpSp>
+        <p:sp>
+          <p:nvSpPr>
+            <p:cNvPr id="94" name="TextBox 93">
+              <a:extLst>
+                <a:ext uri="{FF2B5EF4-FFF2-40B4-BE49-F238E27FC236}">
+                  <a16:creationId xmlns:a16="http://schemas.microsoft.com/office/drawing/2014/main" id="{4CF319D5-6731-6018-5AEC-54D004043410}"/>
+                </a:ext>
+              </a:extLst>
+            </p:cNvPr>
+            <p:cNvSpPr txBox="1"/>
+            <p:nvPr/>
+          </p:nvSpPr>
+          <p:spPr>
+            <a:xfrm>
+              <a:off x="3274748" y="1677281"/>
+              <a:ext cx="242374" cy="923330"/>
+            </a:xfrm>
+            <a:prstGeom prst="rect">
+              <a:avLst/>
+            </a:prstGeom>
+            <a:noFill/>
+          </p:spPr>
+          <p:txBody>
+            <a:bodyPr wrap="none" rtlCol="0">
+              <a:spAutoFit/>
+            </a:bodyPr>
+            <a:lstStyle/>
+            <a:p>
+              <a:r>
+                <a:rPr lang="en-GB" dirty="0"/>
+                <a:t>.</a:t>
+              </a:r>
+            </a:p>
+            <a:p>
+              <a:r>
+                <a:rPr lang="en-GB" dirty="0"/>
+                <a:t>.</a:t>
+              </a:r>
+            </a:p>
+            <a:p>
+              <a:r>
+                <a:rPr lang="en-GB" dirty="0"/>
+                <a:t>.</a:t>
+              </a:r>
+            </a:p>
+          </p:txBody>
+        </p:sp>
+        <p:grpSp>
+          <p:nvGrpSpPr>
+            <p:cNvPr id="95" name="Group 94">
+              <a:extLst>
+                <a:ext uri="{FF2B5EF4-FFF2-40B4-BE49-F238E27FC236}">
+                  <a16:creationId xmlns:a16="http://schemas.microsoft.com/office/drawing/2014/main" id="{BE5FEE28-980E-960F-B246-05DB37F4828D}"/>
+                </a:ext>
+              </a:extLst>
+            </p:cNvPr>
+            <p:cNvGrpSpPr/>
+            <p:nvPr/>
+          </p:nvGrpSpPr>
+          <p:grpSpPr>
+            <a:xfrm>
+              <a:off x="3297071" y="871801"/>
+              <a:ext cx="369172" cy="310126"/>
+              <a:chOff x="1552576" y="642938"/>
+              <a:chExt cx="369172" cy="310126"/>
+            </a:xfrm>
+          </p:grpSpPr>
+          <p:sp>
+            <p:nvSpPr>
+              <p:cNvPr id="96" name="Oval 95">
+                <a:extLst>
+                  <a:ext uri="{FF2B5EF4-FFF2-40B4-BE49-F238E27FC236}">
+                    <a16:creationId xmlns:a16="http://schemas.microsoft.com/office/drawing/2014/main" id="{6E4F2369-9E38-D52D-4664-665A02E1A4B9}"/>
+                  </a:ext>
+                </a:extLst>
+              </p:cNvPr>
+              <p:cNvSpPr/>
+              <p:nvPr/>
+            </p:nvSpPr>
+            <p:spPr>
+              <a:xfrm>
+                <a:off x="1552576" y="642938"/>
+                <a:ext cx="192882" cy="192881"/>
+              </a:xfrm>
+              <a:prstGeom prst="ellipse">
+                <a:avLst/>
+              </a:prstGeom>
+              <a:solidFill>
+                <a:srgbClr val="FBBF24"/>
+              </a:solidFill>
+              <a:ln>
+                <a:solidFill>
+                  <a:schemeClr val="tx1"/>
+                </a:solidFill>
+              </a:ln>
+            </p:spPr>
+            <p:style>
+              <a:lnRef idx="2">
+                <a:schemeClr val="accent1">
+                  <a:shade val="50000"/>
+                </a:schemeClr>
+              </a:lnRef>
+              <a:fillRef idx="1">
+                <a:schemeClr val="accent1"/>
+              </a:fillRef>
+              <a:effectRef idx="0">
+                <a:schemeClr val="accent1"/>
+              </a:effectRef>
+              <a:fontRef idx="minor">
+                <a:schemeClr val="lt1"/>
+              </a:fontRef>
+            </p:style>
+            <p:txBody>
+              <a:bodyPr rtlCol="0" anchor="ctr"/>
+              <a:lstStyle/>
+              <a:p>
+                <a:pPr algn="ctr"/>
+                <a:endParaRPr lang="en-GB" dirty="0"/>
+              </a:p>
+            </p:txBody>
+          </p:sp>
+          <p:sp>
+            <p:nvSpPr>
+              <p:cNvPr id="97" name="TextBox 96">
+                <a:extLst>
+                  <a:ext uri="{FF2B5EF4-FFF2-40B4-BE49-F238E27FC236}">
+                    <a16:creationId xmlns:a16="http://schemas.microsoft.com/office/drawing/2014/main" id="{2B2FA611-A7EC-33C1-6455-D7D06C5B214D}"/>
+                  </a:ext>
+                </a:extLst>
+              </p:cNvPr>
+              <p:cNvSpPr txBox="1"/>
+              <p:nvPr/>
+            </p:nvSpPr>
+            <p:spPr>
+              <a:xfrm>
+                <a:off x="1668152" y="699148"/>
+                <a:ext cx="253596" cy="253916"/>
+              </a:xfrm>
+              <a:prstGeom prst="rect">
+                <a:avLst/>
+              </a:prstGeom>
+              <a:noFill/>
+            </p:spPr>
+            <p:txBody>
+              <a:bodyPr wrap="none" rtlCol="0">
+                <a:spAutoFit/>
+              </a:bodyPr>
+              <a:lstStyle/>
+              <a:p>
+                <a:r>
+                  <a:rPr lang="en-GB" sz="1050" dirty="0"/>
+                  <a:t>1</a:t>
+                </a:r>
+              </a:p>
+            </p:txBody>
+          </p:sp>
+        </p:grpSp>
+        <p:grpSp>
+          <p:nvGrpSpPr>
+            <p:cNvPr id="98" name="Group 97">
+              <a:extLst>
+                <a:ext uri="{FF2B5EF4-FFF2-40B4-BE49-F238E27FC236}">
+                  <a16:creationId xmlns:a16="http://schemas.microsoft.com/office/drawing/2014/main" id="{206EB0F5-BE74-AC8E-5C44-0A2F09A2ADA3}"/>
+                </a:ext>
+              </a:extLst>
+            </p:cNvPr>
+            <p:cNvGrpSpPr/>
+            <p:nvPr/>
+          </p:nvGrpSpPr>
+          <p:grpSpPr>
+            <a:xfrm>
+              <a:off x="3297071" y="1222893"/>
+              <a:ext cx="369172" cy="310126"/>
+              <a:chOff x="1552576" y="642938"/>
+              <a:chExt cx="369172" cy="310126"/>
+            </a:xfrm>
+          </p:grpSpPr>
+          <p:sp>
+            <p:nvSpPr>
+              <p:cNvPr id="99" name="Oval 98">
+                <a:extLst>
+                  <a:ext uri="{FF2B5EF4-FFF2-40B4-BE49-F238E27FC236}">
+                    <a16:creationId xmlns:a16="http://schemas.microsoft.com/office/drawing/2014/main" id="{0EC16320-1DBB-6839-62D1-73592266B67A}"/>
+                  </a:ext>
+                </a:extLst>
+              </p:cNvPr>
+              <p:cNvSpPr/>
+              <p:nvPr/>
+            </p:nvSpPr>
+            <p:spPr>
+              <a:xfrm>
+                <a:off x="1552576" y="642938"/>
+                <a:ext cx="192882" cy="192881"/>
+              </a:xfrm>
+              <a:prstGeom prst="ellipse">
+                <a:avLst/>
+              </a:prstGeom>
+              <a:solidFill>
+                <a:schemeClr val="bg1"/>
+              </a:solidFill>
+              <a:ln>
+                <a:solidFill>
+                  <a:schemeClr val="tx1"/>
+                </a:solidFill>
+              </a:ln>
+            </p:spPr>
+            <p:style>
+              <a:lnRef idx="2">
+                <a:schemeClr val="accent1">
+                  <a:shade val="50000"/>
+                </a:schemeClr>
+              </a:lnRef>
+              <a:fillRef idx="1">
+                <a:schemeClr val="accent1"/>
+              </a:fillRef>
+              <a:effectRef idx="0">
+                <a:schemeClr val="accent1"/>
+              </a:effectRef>
+              <a:fontRef idx="minor">
+                <a:schemeClr val="lt1"/>
+              </a:fontRef>
+            </p:style>
+            <p:txBody>
+              <a:bodyPr rtlCol="0" anchor="ctr"/>
+              <a:lstStyle/>
+              <a:p>
+                <a:pPr algn="ctr"/>
+                <a:endParaRPr lang="en-GB" dirty="0"/>
+              </a:p>
+            </p:txBody>
+          </p:sp>
+          <p:sp>
+            <p:nvSpPr>
+              <p:cNvPr id="100" name="TextBox 99">
+                <a:extLst>
+                  <a:ext uri="{FF2B5EF4-FFF2-40B4-BE49-F238E27FC236}">
+                    <a16:creationId xmlns:a16="http://schemas.microsoft.com/office/drawing/2014/main" id="{887C2565-92E0-78F3-71F9-C35EFA3C4B8F}"/>
+                  </a:ext>
+                </a:extLst>
+              </p:cNvPr>
+              <p:cNvSpPr txBox="1"/>
+              <p:nvPr/>
+            </p:nvSpPr>
+            <p:spPr>
+              <a:xfrm>
+                <a:off x="1668152" y="699148"/>
+                <a:ext cx="253596" cy="253916"/>
+              </a:xfrm>
+              <a:prstGeom prst="rect">
+                <a:avLst/>
+              </a:prstGeom>
+              <a:noFill/>
+            </p:spPr>
+            <p:txBody>
+              <a:bodyPr wrap="none" rtlCol="0">
+                <a:spAutoFit/>
+              </a:bodyPr>
+              <a:lstStyle/>
+              <a:p>
+                <a:r>
+                  <a:rPr lang="en-GB" sz="1050" dirty="0"/>
+                  <a:t>2</a:t>
+                </a:r>
+              </a:p>
+            </p:txBody>
+          </p:sp>
+        </p:grpSp>
+        <p:grpSp>
+          <p:nvGrpSpPr>
+            <p:cNvPr id="104" name="Group 103">
+              <a:extLst>
+                <a:ext uri="{FF2B5EF4-FFF2-40B4-BE49-F238E27FC236}">
+                  <a16:creationId xmlns:a16="http://schemas.microsoft.com/office/drawing/2014/main" id="{18C245E0-A837-BAE9-0893-F113AAD34233}"/>
+                </a:ext>
+              </a:extLst>
+            </p:cNvPr>
+            <p:cNvGrpSpPr/>
+            <p:nvPr/>
+          </p:nvGrpSpPr>
+          <p:grpSpPr>
+            <a:xfrm>
+              <a:off x="3297071" y="2689859"/>
+              <a:ext cx="507030" cy="310126"/>
+              <a:chOff x="1552576" y="642938"/>
+              <a:chExt cx="507030" cy="310126"/>
+            </a:xfrm>
+          </p:grpSpPr>
+          <p:sp>
+            <p:nvSpPr>
+              <p:cNvPr id="105" name="Oval 104">
+                <a:extLst>
+                  <a:ext uri="{FF2B5EF4-FFF2-40B4-BE49-F238E27FC236}">
+                    <a16:creationId xmlns:a16="http://schemas.microsoft.com/office/drawing/2014/main" id="{380A9DAE-4285-5E06-E5D8-E3D6844EF97D}"/>
+                  </a:ext>
+                </a:extLst>
+              </p:cNvPr>
+              <p:cNvSpPr/>
+              <p:nvPr/>
+            </p:nvSpPr>
+            <p:spPr>
+              <a:xfrm>
+                <a:off x="1552576" y="642938"/>
+                <a:ext cx="192882" cy="192881"/>
+              </a:xfrm>
+              <a:prstGeom prst="ellipse">
+                <a:avLst/>
+              </a:prstGeom>
+              <a:solidFill>
+                <a:schemeClr val="bg1"/>
+              </a:solidFill>
+              <a:ln>
+                <a:solidFill>
+                  <a:schemeClr val="tx1"/>
+                </a:solidFill>
+              </a:ln>
+            </p:spPr>
+            <p:style>
+              <a:lnRef idx="2">
+                <a:schemeClr val="accent1">
+                  <a:shade val="50000"/>
+                </a:schemeClr>
+              </a:lnRef>
+              <a:fillRef idx="1">
+                <a:schemeClr val="accent1"/>
+              </a:fillRef>
+              <a:effectRef idx="0">
+                <a:schemeClr val="accent1"/>
+              </a:effectRef>
+              <a:fontRef idx="minor">
+                <a:schemeClr val="lt1"/>
+              </a:fontRef>
+            </p:style>
+            <p:txBody>
+              <a:bodyPr rtlCol="0" anchor="ctr"/>
+              <a:lstStyle/>
+              <a:p>
+                <a:pPr algn="ctr"/>
+                <a:endParaRPr lang="en-GB" dirty="0"/>
+              </a:p>
+            </p:txBody>
+          </p:sp>
+          <p:sp>
+            <p:nvSpPr>
+              <p:cNvPr id="106" name="TextBox 105">
+                <a:extLst>
+                  <a:ext uri="{FF2B5EF4-FFF2-40B4-BE49-F238E27FC236}">
+                    <a16:creationId xmlns:a16="http://schemas.microsoft.com/office/drawing/2014/main" id="{8B6102C8-DC96-2EF9-CAF2-F9626CF15FDB}"/>
+                  </a:ext>
+                </a:extLst>
+              </p:cNvPr>
+              <p:cNvSpPr txBox="1"/>
+              <p:nvPr/>
+            </p:nvSpPr>
+            <p:spPr>
+              <a:xfrm>
+                <a:off x="1668152" y="699148"/>
+                <a:ext cx="391454" cy="253916"/>
+              </a:xfrm>
+              <a:prstGeom prst="rect">
+                <a:avLst/>
+              </a:prstGeom>
+              <a:noFill/>
+            </p:spPr>
+            <p:txBody>
+              <a:bodyPr wrap="none" rtlCol="0">
+                <a:spAutoFit/>
+              </a:bodyPr>
+              <a:lstStyle/>
+              <a:p>
+                <a:r>
+                  <a:rPr lang="en-GB" sz="1050" dirty="0"/>
+                  <a:t>512</a:t>
+                </a:r>
+              </a:p>
+            </p:txBody>
+          </p:sp>
+        </p:grpSp>
+        <p:grpSp>
+          <p:nvGrpSpPr>
+            <p:cNvPr id="101" name="Group 100">
+              <a:extLst>
+                <a:ext uri="{FF2B5EF4-FFF2-40B4-BE49-F238E27FC236}">
+                  <a16:creationId xmlns:a16="http://schemas.microsoft.com/office/drawing/2014/main" id="{C3C2852A-E52E-CBE7-7608-E3B4D8223978}"/>
+                </a:ext>
+              </a:extLst>
+            </p:cNvPr>
+            <p:cNvGrpSpPr/>
+            <p:nvPr/>
+          </p:nvGrpSpPr>
+          <p:grpSpPr>
+            <a:xfrm>
+              <a:off x="3297071" y="1548054"/>
+              <a:ext cx="369172" cy="310126"/>
+              <a:chOff x="1552576" y="642938"/>
+              <a:chExt cx="369172" cy="310126"/>
+            </a:xfrm>
+          </p:grpSpPr>
+          <p:sp>
+            <p:nvSpPr>
+              <p:cNvPr id="102" name="Oval 101">
+                <a:extLst>
+                  <a:ext uri="{FF2B5EF4-FFF2-40B4-BE49-F238E27FC236}">
+                    <a16:creationId xmlns:a16="http://schemas.microsoft.com/office/drawing/2014/main" id="{A7519085-DE15-E784-2BA3-708710D1A643}"/>
+                  </a:ext>
+                </a:extLst>
+              </p:cNvPr>
+              <p:cNvSpPr/>
+              <p:nvPr/>
+            </p:nvSpPr>
+            <p:spPr>
+              <a:xfrm>
+                <a:off x="1552576" y="642938"/>
+                <a:ext cx="192882" cy="192881"/>
+              </a:xfrm>
+              <a:prstGeom prst="ellipse">
+                <a:avLst/>
+              </a:prstGeom>
+              <a:solidFill>
+                <a:schemeClr val="bg1"/>
+              </a:solidFill>
+              <a:ln>
+                <a:solidFill>
+                  <a:schemeClr val="tx1"/>
+                </a:solidFill>
+              </a:ln>
+            </p:spPr>
+            <p:style>
+              <a:lnRef idx="2">
+                <a:schemeClr val="accent1">
+                  <a:shade val="50000"/>
+                </a:schemeClr>
+              </a:lnRef>
+              <a:fillRef idx="1">
+                <a:schemeClr val="accent1"/>
+              </a:fillRef>
+              <a:effectRef idx="0">
+                <a:schemeClr val="accent1"/>
+              </a:effectRef>
+              <a:fontRef idx="minor">
+                <a:schemeClr val="lt1"/>
+              </a:fontRef>
+            </p:style>
+            <p:txBody>
+              <a:bodyPr rtlCol="0" anchor="ctr"/>
+              <a:lstStyle/>
+              <a:p>
+                <a:pPr algn="ctr"/>
+                <a:endParaRPr lang="en-GB" dirty="0"/>
+              </a:p>
+            </p:txBody>
+          </p:sp>
+          <p:sp>
+            <p:nvSpPr>
+              <p:cNvPr id="103" name="TextBox 102">
+                <a:extLst>
+                  <a:ext uri="{FF2B5EF4-FFF2-40B4-BE49-F238E27FC236}">
+                    <a16:creationId xmlns:a16="http://schemas.microsoft.com/office/drawing/2014/main" id="{738B15A4-9CDD-B8E1-B1E8-DCD5DC1DE069}"/>
+                  </a:ext>
+                </a:extLst>
+              </p:cNvPr>
+              <p:cNvSpPr txBox="1"/>
+              <p:nvPr/>
+            </p:nvSpPr>
+            <p:spPr>
+              <a:xfrm>
+                <a:off x="1668152" y="699148"/>
+                <a:ext cx="253596" cy="253916"/>
+              </a:xfrm>
+              <a:prstGeom prst="rect">
+                <a:avLst/>
+              </a:prstGeom>
+              <a:noFill/>
+            </p:spPr>
+            <p:txBody>
+              <a:bodyPr wrap="none" rtlCol="0">
+                <a:spAutoFit/>
+              </a:bodyPr>
+              <a:lstStyle/>
+              <a:p>
+                <a:r>
+                  <a:rPr lang="en-GB" sz="1050" dirty="0"/>
+                  <a:t>3</a:t>
+                </a:r>
+              </a:p>
+            </p:txBody>
+          </p:sp>
+        </p:grpSp>
+        <mc:AlternateContent xmlns:mc="http://schemas.openxmlformats.org/markup-compatibility/2006">
+          <mc:Choice xmlns:a14="http://schemas.microsoft.com/office/drawing/2010/main" Requires="a14">
+            <p:sp>
+              <p:nvSpPr>
+                <p:cNvPr id="14" name="TextBox 13">
+                  <a:extLst>
+                    <a:ext uri="{FF2B5EF4-FFF2-40B4-BE49-F238E27FC236}">
+                      <a16:creationId xmlns:a16="http://schemas.microsoft.com/office/drawing/2014/main" id="{C8F7A63F-AD2A-EF48-0C1D-056B1C5D74E4}"/>
+                    </a:ext>
+                  </a:extLst>
+                </p:cNvPr>
+                <p:cNvSpPr txBox="1"/>
+                <p:nvPr/>
+              </p:nvSpPr>
+              <p:spPr>
+                <a:xfrm>
+                  <a:off x="3166631" y="2949646"/>
+                  <a:ext cx="607539" cy="490455"/>
+                </a:xfrm>
+                <a:prstGeom prst="rect">
+                  <a:avLst/>
+                </a:prstGeom>
+                <a:noFill/>
+              </p:spPr>
+              <p:txBody>
+                <a:bodyPr wrap="none" lIns="0" tIns="0" rIns="0" bIns="0" rtlCol="0">
+                  <a:spAutoFit/>
+                </a:bodyPr>
+                <a:lstStyle/>
+                <a:p>
+                  <a14:m>
+                    <m:oMathPara xmlns:m="http://schemas.openxmlformats.org/officeDocument/2006/math">
+                      <m:oMathParaPr>
+                        <m:jc m:val="centerGroup"/>
+                      </m:oMathParaPr>
+                      <m:oMath xmlns:m="http://schemas.openxmlformats.org/officeDocument/2006/math">
+                        <m:f>
+                          <m:fPr>
+                            <m:ctrlPr>
+                              <a:rPr lang="en-US" sz="1600" i="1" smtClean="0">
+                                <a:latin typeface="Cambria Math" panose="02040503050406030204" pitchFamily="18" charset="0"/>
+                              </a:rPr>
+                            </m:ctrlPr>
+                          </m:fPr>
+                          <m:num>
+                            <m:r>
+                              <m:rPr>
+                                <m:nor/>
+                              </m:rPr>
+                              <a:rPr lang="en-US" sz="1600">
+                                <a:latin typeface="Arial" panose="020B0604020202020204" pitchFamily="34" charset="0"/>
+                                <a:cs typeface="Arial" panose="020B0604020202020204" pitchFamily="34" charset="0"/>
+                              </a:rPr>
+                              <m:t>∂</m:t>
+                            </m:r>
+                            <m:r>
+                              <m:rPr>
+                                <m:nor/>
+                              </m:rPr>
+                              <a:rPr lang="en-US" sz="1600">
+                                <a:latin typeface="Arial" panose="020B0604020202020204" pitchFamily="34" charset="0"/>
+                                <a:cs typeface="Arial" panose="020B0604020202020204" pitchFamily="34" charset="0"/>
+                              </a:rPr>
+                              <m:t>I</m:t>
+                            </m:r>
+                            <m:r>
+                              <a:rPr lang="en-GB" sz="1600" b="0" i="1" baseline="30000" smtClean="0">
+                                <a:latin typeface="Cambria Math" panose="02040503050406030204" pitchFamily="18" charset="0"/>
+                              </a:rPr>
+                              <m:t>2</m:t>
+                            </m:r>
+                            <m:r>
+                              <a:rPr lang="en-GB" sz="1600" b="0" i="1" baseline="-25000" smtClean="0">
+                                <a:latin typeface="Cambria Math" panose="02040503050406030204" pitchFamily="18" charset="0"/>
+                              </a:rPr>
+                              <m:t>1</m:t>
+                            </m:r>
+                          </m:num>
+                          <m:den>
+                            <m:r>
+                              <m:rPr>
+                                <m:nor/>
+                              </m:rPr>
+                              <a:rPr lang="en-US" sz="1600">
+                                <a:latin typeface="Arial" panose="020B0604020202020204" pitchFamily="34" charset="0"/>
+                                <a:cs typeface="Arial" panose="020B0604020202020204" pitchFamily="34" charset="0"/>
+                              </a:rPr>
+                              <m:t>∂</m:t>
+                            </m:r>
+                            <m:r>
+                              <a:rPr lang="en-GB" sz="1600" b="0" i="1" smtClean="0">
+                                <a:latin typeface="Cambria Math" panose="02040503050406030204" pitchFamily="18" charset="0"/>
+                              </a:rPr>
+                              <m:t>𝑊</m:t>
+                            </m:r>
+                            <m:r>
+                              <a:rPr lang="en-GB" sz="1600" b="0" i="1" baseline="30000" smtClean="0">
+                                <a:latin typeface="Cambria Math" panose="02040503050406030204" pitchFamily="18" charset="0"/>
+                              </a:rPr>
+                              <m:t>2</m:t>
+                            </m:r>
+                            <m:r>
+                              <a:rPr lang="en-GB" sz="1600" b="0" i="1" baseline="-25000" smtClean="0">
+                                <a:latin typeface="Cambria Math" panose="02040503050406030204" pitchFamily="18" charset="0"/>
+                              </a:rPr>
+                              <m:t>1,1</m:t>
+                            </m:r>
+                          </m:den>
+                        </m:f>
+                      </m:oMath>
+                    </m:oMathPara>
+                  </a14:m>
+                  <a:endParaRPr lang="en-US" sz="1600" dirty="0">
+                    <a:latin typeface="Arial" panose="020B0604020202020204" pitchFamily="34" charset="0"/>
+                    <a:cs typeface="Arial" panose="020B0604020202020204" pitchFamily="34" charset="0"/>
+                  </a:endParaRPr>
+                </a:p>
+              </p:txBody>
+            </p:sp>
+          </mc:Choice>
+          <mc:Fallback>
+            <p:sp>
+              <p:nvSpPr>
+                <p:cNvPr id="14" name="TextBox 13">
+                  <a:extLst>
+                    <a:ext uri="{FF2B5EF4-FFF2-40B4-BE49-F238E27FC236}">
+                      <a16:creationId xmlns:a16="http://schemas.microsoft.com/office/drawing/2014/main" id="{C8F7A63F-AD2A-EF48-0C1D-056B1C5D74E4}"/>
+                    </a:ext>
+                  </a:extLst>
+                </p:cNvPr>
+                <p:cNvSpPr txBox="1">
+                  <a:spLocks noRot="1" noChangeAspect="1" noMove="1" noResize="1" noEditPoints="1" noAdjustHandles="1" noChangeArrowheads="1" noChangeShapeType="1" noTextEdit="1"/>
+                </p:cNvSpPr>
+                <p:nvPr/>
+              </p:nvSpPr>
+              <p:spPr>
+                <a:xfrm>
+                  <a:off x="3166631" y="2949646"/>
+                  <a:ext cx="607539" cy="490455"/>
+                </a:xfrm>
+                <a:prstGeom prst="rect">
+                  <a:avLst/>
+                </a:prstGeom>
+                <a:blipFill>
+                  <a:blip r:embed="rId2"/>
+                  <a:stretch>
+                    <a:fillRect b="-16250"/>
+                  </a:stretch>
+                </a:blipFill>
+              </p:spPr>
+              <p:txBody>
+                <a:bodyPr/>
+                <a:lstStyle/>
+                <a:p>
+                  <a:r>
+                    <a:rPr lang="en-US">
+                      <a:noFill/>
+                    </a:rPr>
+                    <a:t> </a:t>
+                  </a:r>
+                </a:p>
+              </p:txBody>
+            </p:sp>
+          </mc:Fallback>
+        </mc:AlternateContent>
+        <mc:AlternateContent xmlns:mc="http://schemas.openxmlformats.org/markup-compatibility/2006">
+          <mc:Choice xmlns:a14="http://schemas.microsoft.com/office/drawing/2010/main" Requires="a14">
+            <p:sp>
+              <p:nvSpPr>
+                <p:cNvPr id="16" name="TextBox 15">
+                  <a:extLst>
+                    <a:ext uri="{FF2B5EF4-FFF2-40B4-BE49-F238E27FC236}">
+                      <a16:creationId xmlns:a16="http://schemas.microsoft.com/office/drawing/2014/main" id="{EB75F302-D0C7-C568-A9B4-8FA1F96634B6}"/>
+                    </a:ext>
+                  </a:extLst>
+                </p:cNvPr>
+                <p:cNvSpPr txBox="1"/>
+                <p:nvPr/>
+              </p:nvSpPr>
+              <p:spPr>
+                <a:xfrm>
+                  <a:off x="4042668" y="2949646"/>
+                  <a:ext cx="367088" cy="474553"/>
+                </a:xfrm>
+                <a:prstGeom prst="rect">
+                  <a:avLst/>
+                </a:prstGeom>
+                <a:noFill/>
+              </p:spPr>
+              <p:txBody>
+                <a:bodyPr wrap="none" lIns="0" tIns="0" rIns="0" bIns="0" rtlCol="0">
+                  <a:spAutoFit/>
+                </a:bodyPr>
+                <a:lstStyle/>
+                <a:p>
+                  <a14:m>
+                    <m:oMathPara xmlns:m="http://schemas.openxmlformats.org/officeDocument/2006/math">
+                      <m:oMathParaPr>
+                        <m:jc m:val="centerGroup"/>
+                      </m:oMathParaPr>
+                      <m:oMath xmlns:m="http://schemas.openxmlformats.org/officeDocument/2006/math">
+                        <m:f>
+                          <m:fPr>
+                            <m:ctrlPr>
+                              <a:rPr lang="en-US" sz="1600" i="1" smtClean="0">
+                                <a:latin typeface="Cambria Math" panose="02040503050406030204" pitchFamily="18" charset="0"/>
+                              </a:rPr>
+                            </m:ctrlPr>
+                          </m:fPr>
+                          <m:num>
+                            <m:r>
+                              <m:rPr>
+                                <m:nor/>
+                              </m:rPr>
+                              <a:rPr lang="en-US" sz="1600">
+                                <a:latin typeface="Arial" panose="020B0604020202020204" pitchFamily="34" charset="0"/>
+                                <a:cs typeface="Arial" panose="020B0604020202020204" pitchFamily="34" charset="0"/>
+                              </a:rPr>
+                              <m:t>∂</m:t>
+                            </m:r>
+                            <m:r>
+                              <m:rPr>
+                                <m:nor/>
+                              </m:rPr>
+                              <a:rPr lang="en-US" sz="1600">
+                                <a:latin typeface="Arial" panose="020B0604020202020204" pitchFamily="34" charset="0"/>
+                                <a:cs typeface="Arial" panose="020B0604020202020204" pitchFamily="34" charset="0"/>
+                              </a:rPr>
+                              <m:t>I</m:t>
+                            </m:r>
+                            <m:r>
+                              <a:rPr lang="en-GB" sz="1600" b="0" i="1" baseline="30000" smtClean="0">
+                                <a:latin typeface="Cambria Math" panose="02040503050406030204" pitchFamily="18" charset="0"/>
+                              </a:rPr>
+                              <m:t>3</m:t>
+                            </m:r>
+                          </m:num>
+                          <m:den>
+                            <m:r>
+                              <m:rPr>
+                                <m:nor/>
+                              </m:rPr>
+                              <a:rPr lang="en-US" sz="1600">
+                                <a:latin typeface="Arial" panose="020B0604020202020204" pitchFamily="34" charset="0"/>
+                                <a:cs typeface="Arial" panose="020B0604020202020204" pitchFamily="34" charset="0"/>
+                              </a:rPr>
+                              <m:t>∂</m:t>
+                            </m:r>
+                            <m:r>
+                              <m:rPr>
+                                <m:nor/>
+                              </m:rPr>
+                              <a:rPr lang="en-US" sz="1600">
+                                <a:latin typeface="Arial" panose="020B0604020202020204" pitchFamily="34" charset="0"/>
+                                <a:cs typeface="Arial" panose="020B0604020202020204" pitchFamily="34" charset="0"/>
+                              </a:rPr>
+                              <m:t>I</m:t>
+                            </m:r>
+                            <m:r>
+                              <a:rPr lang="en-GB" sz="1600" i="1" baseline="30000" smtClean="0">
+                                <a:latin typeface="Cambria Math" panose="02040503050406030204" pitchFamily="18" charset="0"/>
+                              </a:rPr>
+                              <m:t>2</m:t>
+                            </m:r>
+                            <m:r>
+                              <a:rPr lang="en-GB" sz="1600" b="0" i="1" baseline="-25000" smtClean="0">
+                                <a:latin typeface="Cambria Math" panose="02040503050406030204" pitchFamily="18" charset="0"/>
+                              </a:rPr>
+                              <m:t>1</m:t>
+                            </m:r>
+                          </m:den>
+                        </m:f>
+                      </m:oMath>
+                    </m:oMathPara>
+                  </a14:m>
+                  <a:endParaRPr lang="en-US" sz="1600" dirty="0">
+                    <a:latin typeface="Arial" panose="020B0604020202020204" pitchFamily="34" charset="0"/>
+                    <a:cs typeface="Arial" panose="020B0604020202020204" pitchFamily="34" charset="0"/>
+                  </a:endParaRPr>
+                </a:p>
+              </p:txBody>
+            </p:sp>
+          </mc:Choice>
+          <mc:Fallback>
+            <p:sp>
+              <p:nvSpPr>
+                <p:cNvPr id="16" name="TextBox 15">
+                  <a:extLst>
+                    <a:ext uri="{FF2B5EF4-FFF2-40B4-BE49-F238E27FC236}">
+                      <a16:creationId xmlns:a16="http://schemas.microsoft.com/office/drawing/2014/main" id="{EB75F302-D0C7-C568-A9B4-8FA1F96634B6}"/>
+                    </a:ext>
+                  </a:extLst>
+                </p:cNvPr>
+                <p:cNvSpPr txBox="1">
+                  <a:spLocks noRot="1" noChangeAspect="1" noMove="1" noResize="1" noEditPoints="1" noAdjustHandles="1" noChangeArrowheads="1" noChangeShapeType="1" noTextEdit="1"/>
+                </p:cNvSpPr>
+                <p:nvPr/>
+              </p:nvSpPr>
+              <p:spPr>
+                <a:xfrm>
+                  <a:off x="4042668" y="2949646"/>
+                  <a:ext cx="367088" cy="474553"/>
+                </a:xfrm>
+                <a:prstGeom prst="rect">
+                  <a:avLst/>
+                </a:prstGeom>
+                <a:blipFill>
+                  <a:blip r:embed="rId3"/>
+                  <a:stretch>
+                    <a:fillRect b="-6410"/>
+                  </a:stretch>
+                </a:blipFill>
+              </p:spPr>
+              <p:txBody>
+                <a:bodyPr/>
+                <a:lstStyle/>
+                <a:p>
+                  <a:r>
+                    <a:rPr lang="en-US">
+                      <a:noFill/>
+                    </a:rPr>
+                    <a:t> </a:t>
+                  </a:r>
+                </a:p>
+              </p:txBody>
+            </p:sp>
+          </mc:Fallback>
+        </mc:AlternateContent>
+        <p:sp>
+          <p:nvSpPr>
+            <p:cNvPr id="29" name="TextBox 28">
+              <a:extLst>
+                <a:ext uri="{FF2B5EF4-FFF2-40B4-BE49-F238E27FC236}">
+                  <a16:creationId xmlns:a16="http://schemas.microsoft.com/office/drawing/2014/main" id="{E12F6BA6-AE15-A680-A76F-4F8609880DA3}"/>
+                </a:ext>
+              </a:extLst>
+            </p:cNvPr>
+            <p:cNvSpPr txBox="1"/>
+            <p:nvPr/>
+          </p:nvSpPr>
+          <p:spPr>
+            <a:xfrm>
+              <a:off x="4730233" y="1734305"/>
+              <a:ext cx="387927" cy="276999"/>
+            </a:xfrm>
+            <a:prstGeom prst="rect">
+              <a:avLst/>
+            </a:prstGeom>
+            <a:noFill/>
+          </p:spPr>
+          <p:txBody>
+            <a:bodyPr wrap="none" lIns="0" tIns="0" rIns="0" bIns="0" rtlCol="0">
+              <a:spAutoFit/>
+            </a:bodyPr>
+            <a:lstStyle/>
+            <a:p>
+              <a:r>
+                <a:rPr lang="en-GB" dirty="0">
+                  <a:solidFill>
+                    <a:srgbClr val="D97706"/>
+                  </a:solidFill>
+                </a:rPr>
+                <a:t>L(</a:t>
+              </a:r>
+              <a:r>
+                <a:rPr lang="en-GB" b="1" dirty="0">
+                  <a:solidFill>
+                    <a:srgbClr val="D97706"/>
+                  </a:solidFill>
+                  <a:latin typeface="Arial" panose="020B0604020202020204" pitchFamily="34" charset="0"/>
+                  <a:cs typeface="Arial" panose="020B0604020202020204" pitchFamily="34" charset="0"/>
+                </a:rPr>
+                <a:t>l</a:t>
+              </a:r>
+              <a:r>
+                <a:rPr lang="en-GB" b="1" baseline="30000" dirty="0">
+                  <a:solidFill>
+                    <a:srgbClr val="D97706"/>
+                  </a:solidFill>
+                  <a:latin typeface="Arial" panose="020B0604020202020204" pitchFamily="34" charset="0"/>
+                  <a:cs typeface="Arial" panose="020B0604020202020204" pitchFamily="34" charset="0"/>
+                </a:rPr>
+                <a:t>3</a:t>
+              </a:r>
+              <a:r>
+                <a:rPr lang="en-GB" dirty="0">
+                  <a:solidFill>
+                    <a:srgbClr val="D97706"/>
+                  </a:solidFill>
+                </a:rPr>
+                <a:t>)</a:t>
+              </a:r>
+              <a:endParaRPr lang="en-US" dirty="0">
+                <a:solidFill>
+                  <a:srgbClr val="D97706"/>
+                </a:solidFill>
+              </a:endParaRPr>
+            </a:p>
+          </p:txBody>
+        </p:sp>
+        <mc:AlternateContent xmlns:mc="http://schemas.openxmlformats.org/markup-compatibility/2006">
+          <mc:Choice xmlns:a14="http://schemas.microsoft.com/office/drawing/2010/main" Requires="a14">
+            <p:sp>
+              <p:nvSpPr>
+                <p:cNvPr id="31" name="TextBox 30">
+                  <a:extLst>
+                    <a:ext uri="{FF2B5EF4-FFF2-40B4-BE49-F238E27FC236}">
+                      <a16:creationId xmlns:a16="http://schemas.microsoft.com/office/drawing/2014/main" id="{7E054045-C10E-1FBE-2628-A68B6D6FDDC0}"/>
+                    </a:ext>
+                  </a:extLst>
+                </p:cNvPr>
+                <p:cNvSpPr txBox="1"/>
+                <p:nvPr/>
+              </p:nvSpPr>
+              <p:spPr>
+                <a:xfrm>
+                  <a:off x="4764697" y="2949646"/>
+                  <a:ext cx="291747" cy="474553"/>
+                </a:xfrm>
+                <a:prstGeom prst="rect">
+                  <a:avLst/>
+                </a:prstGeom>
+                <a:noFill/>
+              </p:spPr>
+              <p:txBody>
+                <a:bodyPr wrap="none" lIns="0" tIns="0" rIns="0" bIns="0" rtlCol="0">
+                  <a:spAutoFit/>
+                </a:bodyPr>
+                <a:lstStyle/>
+                <a:p>
+                  <a14:m>
+                    <m:oMathPara xmlns:m="http://schemas.openxmlformats.org/officeDocument/2006/math">
+                      <m:oMathParaPr>
+                        <m:jc m:val="centerGroup"/>
+                      </m:oMathParaPr>
+                      <m:oMath xmlns:m="http://schemas.openxmlformats.org/officeDocument/2006/math">
+                        <m:f>
+                          <m:fPr>
+                            <m:ctrlPr>
+                              <a:rPr lang="en-US" sz="1600" i="1" smtClean="0">
+                                <a:latin typeface="Cambria Math" panose="02040503050406030204" pitchFamily="18" charset="0"/>
+                              </a:rPr>
+                            </m:ctrlPr>
+                          </m:fPr>
+                          <m:num>
+                            <m:r>
+                              <m:rPr>
+                                <m:nor/>
+                              </m:rPr>
+                              <a:rPr lang="en-US" sz="1600">
+                                <a:latin typeface="Arial" panose="020B0604020202020204" pitchFamily="34" charset="0"/>
+                                <a:cs typeface="Arial" panose="020B0604020202020204" pitchFamily="34" charset="0"/>
+                              </a:rPr>
+                              <m:t>∂</m:t>
+                            </m:r>
+                            <m:r>
+                              <a:rPr lang="en-GB" sz="1600" i="1" smtClean="0">
+                                <a:latin typeface="Cambria Math" panose="02040503050406030204" pitchFamily="18" charset="0"/>
+                              </a:rPr>
+                              <m:t>𝐿</m:t>
+                            </m:r>
+                          </m:num>
+                          <m:den>
+                            <m:r>
+                              <m:rPr>
+                                <m:nor/>
+                              </m:rPr>
+                              <a:rPr lang="en-US" sz="1600">
+                                <a:latin typeface="Arial" panose="020B0604020202020204" pitchFamily="34" charset="0"/>
+                                <a:cs typeface="Arial" panose="020B0604020202020204" pitchFamily="34" charset="0"/>
+                              </a:rPr>
+                              <m:t>∂</m:t>
+                            </m:r>
+                            <m:r>
+                              <m:rPr>
+                                <m:nor/>
+                              </m:rPr>
+                              <a:rPr lang="en-US" sz="1600">
+                                <a:latin typeface="Arial" panose="020B0604020202020204" pitchFamily="34" charset="0"/>
+                                <a:cs typeface="Arial" panose="020B0604020202020204" pitchFamily="34" charset="0"/>
+                              </a:rPr>
+                              <m:t>I</m:t>
+                            </m:r>
+                            <m:r>
+                              <a:rPr lang="en-GB" sz="1600" i="1" baseline="30000">
+                                <a:latin typeface="Cambria Math" panose="02040503050406030204" pitchFamily="18" charset="0"/>
+                              </a:rPr>
+                              <m:t>3</m:t>
+                            </m:r>
+                          </m:den>
+                        </m:f>
+                      </m:oMath>
+                    </m:oMathPara>
+                  </a14:m>
+                  <a:endParaRPr lang="en-US" sz="1600" dirty="0">
+                    <a:latin typeface="Arial" panose="020B0604020202020204" pitchFamily="34" charset="0"/>
+                    <a:cs typeface="Arial" panose="020B0604020202020204" pitchFamily="34" charset="0"/>
+                  </a:endParaRPr>
+                </a:p>
+              </p:txBody>
+            </p:sp>
+          </mc:Choice>
+          <mc:Fallback>
+            <p:sp>
+              <p:nvSpPr>
+                <p:cNvPr id="31" name="TextBox 30">
+                  <a:extLst>
+                    <a:ext uri="{FF2B5EF4-FFF2-40B4-BE49-F238E27FC236}">
+                      <a16:creationId xmlns:a16="http://schemas.microsoft.com/office/drawing/2014/main" id="{7E054045-C10E-1FBE-2628-A68B6D6FDDC0}"/>
+                    </a:ext>
+                  </a:extLst>
+                </p:cNvPr>
+                <p:cNvSpPr txBox="1">
+                  <a:spLocks noRot="1" noChangeAspect="1" noMove="1" noResize="1" noEditPoints="1" noAdjustHandles="1" noChangeArrowheads="1" noChangeShapeType="1" noTextEdit="1"/>
+                </p:cNvSpPr>
+                <p:nvPr/>
+              </p:nvSpPr>
+              <p:spPr>
+                <a:xfrm>
+                  <a:off x="4764697" y="2949646"/>
+                  <a:ext cx="291747" cy="474553"/>
+                </a:xfrm>
+                <a:prstGeom prst="rect">
+                  <a:avLst/>
+                </a:prstGeom>
+                <a:blipFill>
+                  <a:blip r:embed="rId4"/>
+                  <a:stretch>
+                    <a:fillRect/>
+                  </a:stretch>
+                </a:blipFill>
+              </p:spPr>
+              <p:txBody>
+                <a:bodyPr/>
+                <a:lstStyle/>
+                <a:p>
+                  <a:r>
+                    <a:rPr lang="en-US">
+                      <a:noFill/>
+                    </a:rPr>
+                    <a:t> </a:t>
+                  </a:r>
+                </a:p>
+              </p:txBody>
+            </p:sp>
+          </mc:Fallback>
+        </mc:AlternateContent>
+        <p:sp>
+          <p:nvSpPr>
+            <p:cNvPr id="32" name="TextBox 31">
+              <a:extLst>
+                <a:ext uri="{FF2B5EF4-FFF2-40B4-BE49-F238E27FC236}">
+                  <a16:creationId xmlns:a16="http://schemas.microsoft.com/office/drawing/2014/main" id="{495D53D1-CD57-124F-B916-708ECAF8BAE9}"/>
+                </a:ext>
+              </a:extLst>
+            </p:cNvPr>
+            <p:cNvSpPr txBox="1"/>
+            <p:nvPr/>
+          </p:nvSpPr>
+          <p:spPr>
+            <a:xfrm>
+              <a:off x="2455289" y="577311"/>
+              <a:ext cx="301686" cy="307777"/>
+            </a:xfrm>
+            <a:prstGeom prst="rect">
+              <a:avLst/>
+            </a:prstGeom>
+            <a:noFill/>
+          </p:spPr>
+          <p:txBody>
+            <a:bodyPr wrap="none" rtlCol="0">
+              <a:spAutoFit/>
+            </a:bodyPr>
+            <a:lstStyle/>
+            <a:p>
+              <a:r>
+                <a:rPr lang="en-GB" sz="1400" b="1" dirty="0">
+                  <a:latin typeface="Arial" panose="020B0604020202020204" pitchFamily="34" charset="0"/>
+                  <a:cs typeface="Arial" panose="020B0604020202020204" pitchFamily="34" charset="0"/>
+                </a:rPr>
+                <a:t>l</a:t>
+              </a:r>
+              <a:r>
+                <a:rPr lang="en-GB" sz="1400" b="1" baseline="30000" dirty="0">
+                  <a:latin typeface="Arial" panose="020B0604020202020204" pitchFamily="34" charset="0"/>
+                  <a:cs typeface="Arial" panose="020B0604020202020204" pitchFamily="34" charset="0"/>
+                </a:rPr>
+                <a:t>1</a:t>
+              </a:r>
+            </a:p>
+          </p:txBody>
+        </p:sp>
+        <p:sp>
+          <p:nvSpPr>
+            <p:cNvPr id="33" name="TextBox 32">
+              <a:extLst>
+                <a:ext uri="{FF2B5EF4-FFF2-40B4-BE49-F238E27FC236}">
+                  <a16:creationId xmlns:a16="http://schemas.microsoft.com/office/drawing/2014/main" id="{B7FA0739-A6FC-340C-51F6-A21F5254EF2D}"/>
+                </a:ext>
+              </a:extLst>
+            </p:cNvPr>
+            <p:cNvSpPr txBox="1"/>
+            <p:nvPr/>
+          </p:nvSpPr>
+          <p:spPr>
+            <a:xfrm>
+              <a:off x="3278370" y="604937"/>
+              <a:ext cx="301686" cy="307777"/>
+            </a:xfrm>
+            <a:prstGeom prst="rect">
+              <a:avLst/>
+            </a:prstGeom>
+            <a:noFill/>
+          </p:spPr>
+          <p:txBody>
+            <a:bodyPr wrap="none" rtlCol="0">
+              <a:spAutoFit/>
+            </a:bodyPr>
+            <a:lstStyle/>
+            <a:p>
+              <a:r>
+                <a:rPr lang="en-GB" sz="1400" b="1" dirty="0">
+                  <a:latin typeface="Arial" panose="020B0604020202020204" pitchFamily="34" charset="0"/>
+                  <a:cs typeface="Arial" panose="020B0604020202020204" pitchFamily="34" charset="0"/>
+                </a:rPr>
+                <a:t>l</a:t>
+              </a:r>
+              <a:r>
+                <a:rPr lang="en-GB" sz="1400" b="1" baseline="30000" dirty="0">
+                  <a:latin typeface="Arial" panose="020B0604020202020204" pitchFamily="34" charset="0"/>
+                  <a:cs typeface="Arial" panose="020B0604020202020204" pitchFamily="34" charset="0"/>
+                </a:rPr>
+                <a:t>2</a:t>
+              </a:r>
+            </a:p>
+          </p:txBody>
+        </p:sp>
+        <p:sp>
+          <p:nvSpPr>
+            <p:cNvPr id="34" name="TextBox 33">
+              <a:extLst>
+                <a:ext uri="{FF2B5EF4-FFF2-40B4-BE49-F238E27FC236}">
+                  <a16:creationId xmlns:a16="http://schemas.microsoft.com/office/drawing/2014/main" id="{38AE43F1-763B-192A-08AC-21065834C560}"/>
+                </a:ext>
+              </a:extLst>
+            </p:cNvPr>
+            <p:cNvSpPr txBox="1"/>
+            <p:nvPr/>
+          </p:nvSpPr>
+          <p:spPr>
+            <a:xfrm>
+              <a:off x="4061019" y="920852"/>
+              <a:ext cx="301686" cy="307777"/>
+            </a:xfrm>
+            <a:prstGeom prst="rect">
+              <a:avLst/>
+            </a:prstGeom>
+            <a:noFill/>
+          </p:spPr>
+          <p:txBody>
+            <a:bodyPr wrap="none" rtlCol="0">
+              <a:spAutoFit/>
+            </a:bodyPr>
+            <a:lstStyle/>
+            <a:p>
+              <a:r>
+                <a:rPr lang="en-GB" sz="1400" b="1" dirty="0">
+                  <a:latin typeface="Arial" panose="020B0604020202020204" pitchFamily="34" charset="0"/>
+                  <a:cs typeface="Arial" panose="020B0604020202020204" pitchFamily="34" charset="0"/>
+                </a:rPr>
+                <a:t>l</a:t>
+              </a:r>
+              <a:r>
+                <a:rPr lang="en-GB" sz="1400" b="1" baseline="30000" dirty="0">
+                  <a:latin typeface="Arial" panose="020B0604020202020204" pitchFamily="34" charset="0"/>
+                  <a:cs typeface="Arial" panose="020B0604020202020204" pitchFamily="34" charset="0"/>
+                </a:rPr>
+                <a:t>3</a:t>
+              </a:r>
+            </a:p>
+          </p:txBody>
+        </p:sp>
+        <p:sp>
+          <p:nvSpPr>
+            <p:cNvPr id="35" name="TextBox 34">
+              <a:extLst>
+                <a:ext uri="{FF2B5EF4-FFF2-40B4-BE49-F238E27FC236}">
+                  <a16:creationId xmlns:a16="http://schemas.microsoft.com/office/drawing/2014/main" id="{C68409F3-CC95-FD15-443A-85B57DF763BB}"/>
+                </a:ext>
+              </a:extLst>
+            </p:cNvPr>
+            <p:cNvSpPr txBox="1"/>
+            <p:nvPr/>
+          </p:nvSpPr>
+          <p:spPr>
+            <a:xfrm>
+              <a:off x="1944493" y="647618"/>
+              <a:ext cx="421910" cy="307777"/>
+            </a:xfrm>
+            <a:prstGeom prst="rect">
+              <a:avLst/>
+            </a:prstGeom>
+            <a:noFill/>
+          </p:spPr>
+          <p:txBody>
+            <a:bodyPr wrap="none" rtlCol="0">
+              <a:spAutoFit/>
+            </a:bodyPr>
+            <a:lstStyle/>
+            <a:p>
+              <a:r>
+                <a:rPr lang="en-GB" sz="1400" b="1" dirty="0">
+                  <a:latin typeface="Arial" panose="020B0604020202020204" pitchFamily="34" charset="0"/>
+                  <a:cs typeface="Arial" panose="020B0604020202020204" pitchFamily="34" charset="0"/>
+                </a:rPr>
+                <a:t>W</a:t>
+              </a:r>
+              <a:r>
+                <a:rPr lang="en-GB" sz="1400" b="1" baseline="30000" dirty="0">
+                  <a:latin typeface="Arial" panose="020B0604020202020204" pitchFamily="34" charset="0"/>
+                  <a:cs typeface="Arial" panose="020B0604020202020204" pitchFamily="34" charset="0"/>
+                </a:rPr>
+                <a:t>1</a:t>
+              </a:r>
+            </a:p>
+          </p:txBody>
+        </p:sp>
+        <p:sp>
+          <p:nvSpPr>
+            <p:cNvPr id="36" name="TextBox 35">
+              <a:extLst>
+                <a:ext uri="{FF2B5EF4-FFF2-40B4-BE49-F238E27FC236}">
+                  <a16:creationId xmlns:a16="http://schemas.microsoft.com/office/drawing/2014/main" id="{78105636-1DD7-C2FB-075E-E7F6F3F2E918}"/>
+                </a:ext>
+              </a:extLst>
+            </p:cNvPr>
+            <p:cNvSpPr txBox="1"/>
+            <p:nvPr/>
+          </p:nvSpPr>
+          <p:spPr>
+            <a:xfrm>
+              <a:off x="2800055" y="652523"/>
+              <a:ext cx="590226" cy="307777"/>
+            </a:xfrm>
+            <a:prstGeom prst="rect">
+              <a:avLst/>
+            </a:prstGeom>
+            <a:noFill/>
+          </p:spPr>
+          <p:txBody>
+            <a:bodyPr wrap="none" rtlCol="0">
+              <a:spAutoFit/>
+            </a:bodyPr>
+            <a:lstStyle/>
+            <a:p>
+              <a:r>
+                <a:rPr lang="en-GB" sz="1400" b="1" dirty="0">
+                  <a:solidFill>
+                    <a:srgbClr val="F8C64A"/>
+                  </a:solidFill>
+                  <a:latin typeface="Arial" panose="020B0604020202020204" pitchFamily="34" charset="0"/>
+                  <a:cs typeface="Arial" panose="020B0604020202020204" pitchFamily="34" charset="0"/>
+                </a:rPr>
+                <a:t>W</a:t>
+              </a:r>
+              <a:r>
+                <a:rPr lang="en-GB" sz="1400" b="1" baseline="30000" dirty="0">
+                  <a:solidFill>
+                    <a:srgbClr val="F8C64A"/>
+                  </a:solidFill>
+                  <a:latin typeface="Arial" panose="020B0604020202020204" pitchFamily="34" charset="0"/>
+                  <a:cs typeface="Arial" panose="020B0604020202020204" pitchFamily="34" charset="0"/>
+                </a:rPr>
+                <a:t>2</a:t>
+              </a:r>
+              <a:r>
+                <a:rPr lang="en-GB" sz="1400" b="1" baseline="-25000" dirty="0">
+                  <a:solidFill>
+                    <a:srgbClr val="F8C64A"/>
+                  </a:solidFill>
+                  <a:latin typeface="Arial" panose="020B0604020202020204" pitchFamily="34" charset="0"/>
+                  <a:cs typeface="Arial" panose="020B0604020202020204" pitchFamily="34" charset="0"/>
+                </a:rPr>
+                <a:t>1,1</a:t>
+              </a:r>
+            </a:p>
+          </p:txBody>
+        </p:sp>
+        <p:sp>
+          <p:nvSpPr>
+            <p:cNvPr id="37" name="TextBox 36">
+              <a:extLst>
+                <a:ext uri="{FF2B5EF4-FFF2-40B4-BE49-F238E27FC236}">
+                  <a16:creationId xmlns:a16="http://schemas.microsoft.com/office/drawing/2014/main" id="{F8106EC0-A37C-9FDE-3D66-79079319806F}"/>
+                </a:ext>
+              </a:extLst>
+            </p:cNvPr>
+            <p:cNvSpPr txBox="1"/>
+            <p:nvPr/>
+          </p:nvSpPr>
+          <p:spPr>
+            <a:xfrm>
+              <a:off x="3643663" y="845083"/>
+              <a:ext cx="421910" cy="307777"/>
+            </a:xfrm>
+            <a:prstGeom prst="rect">
+              <a:avLst/>
+            </a:prstGeom>
+            <a:noFill/>
+          </p:spPr>
+          <p:txBody>
+            <a:bodyPr wrap="none" rtlCol="0">
+              <a:spAutoFit/>
+            </a:bodyPr>
+            <a:lstStyle/>
+            <a:p>
+              <a:r>
+                <a:rPr lang="en-GB" sz="1400" b="1" dirty="0">
+                  <a:latin typeface="Arial" panose="020B0604020202020204" pitchFamily="34" charset="0"/>
+                  <a:cs typeface="Arial" panose="020B0604020202020204" pitchFamily="34" charset="0"/>
+                </a:rPr>
+                <a:t>W</a:t>
+              </a:r>
+              <a:r>
+                <a:rPr lang="en-GB" sz="1400" b="1" baseline="30000" dirty="0">
+                  <a:latin typeface="Arial" panose="020B0604020202020204" pitchFamily="34" charset="0"/>
+                  <a:cs typeface="Arial" panose="020B0604020202020204" pitchFamily="34" charset="0"/>
+                </a:rPr>
+                <a:t>3</a:t>
+              </a:r>
+            </a:p>
+          </p:txBody>
+        </p:sp>
+        <p:sp>
+          <p:nvSpPr>
+            <p:cNvPr id="38" name="TextBox 37">
+              <a:extLst>
+                <a:ext uri="{FF2B5EF4-FFF2-40B4-BE49-F238E27FC236}">
+                  <a16:creationId xmlns:a16="http://schemas.microsoft.com/office/drawing/2014/main" id="{C8B4363F-9D70-1EB4-EBCD-ADA1C31F2782}"/>
+                </a:ext>
+              </a:extLst>
+            </p:cNvPr>
+            <p:cNvSpPr txBox="1"/>
+            <p:nvPr/>
+          </p:nvSpPr>
+          <p:spPr>
+            <a:xfrm>
+              <a:off x="1525224" y="466317"/>
+              <a:ext cx="284052" cy="307777"/>
+            </a:xfrm>
+            <a:prstGeom prst="rect">
+              <a:avLst/>
+            </a:prstGeom>
+            <a:noFill/>
+          </p:spPr>
+          <p:txBody>
+            <a:bodyPr wrap="none" rtlCol="0">
+              <a:spAutoFit/>
+            </a:bodyPr>
+            <a:lstStyle/>
+            <a:p>
+              <a:r>
+                <a:rPr lang="en-GB" sz="1400" b="1" dirty="0">
+                  <a:latin typeface="Arial" panose="020B0604020202020204" pitchFamily="34" charset="0"/>
+                  <a:cs typeface="Arial" panose="020B0604020202020204" pitchFamily="34" charset="0"/>
+                </a:rPr>
+                <a:t>x</a:t>
+              </a:r>
+              <a:endParaRPr lang="en-GB" sz="1400" b="1" baseline="30000" dirty="0">
+                <a:latin typeface="Arial" panose="020B0604020202020204" pitchFamily="34" charset="0"/>
+                <a:cs typeface="Arial" panose="020B0604020202020204" pitchFamily="34" charset="0"/>
+              </a:endParaRPr>
+            </a:p>
+          </p:txBody>
+        </p:sp>
+      </p:grpSp>
+    </p:spTree>
+    <p:extLst>
+      <p:ext uri="{BB962C8B-B14F-4D97-AF65-F5344CB8AC3E}">
+        <p14:creationId xmlns:p14="http://schemas.microsoft.com/office/powerpoint/2010/main" val="1229028317"/>
+      </p:ext>
+    </p:extLst>
+  </p:cSld>
+  <p:clrMapOvr>
+    <a:masterClrMapping/>
+  </p:clrMapOvr>
+</p:sld>
+</file>
+
 <file path=ppt/theme/theme1.xml><?xml version="1.0" encoding="utf-8"?>
 <a:theme xmlns:a="http://schemas.openxmlformats.org/drawingml/2006/main" name="Office Theme">
   <a:themeElements>

--- a/docs/source/deep-learning/nn-introduction/nn-image.pptx
+++ b/docs/source/deep-learning/nn-introduction/nn-image.pptx
@@ -11565,9 +11565,9 @@
         <p:grpSpPr>
           <a:xfrm>
             <a:off x="1569674" y="454817"/>
-            <a:ext cx="3592936" cy="2973784"/>
+            <a:ext cx="3592936" cy="2912421"/>
             <a:chOff x="1525224" y="466317"/>
-            <a:chExt cx="3592936" cy="2973784"/>
+            <a:chExt cx="3592936" cy="2912421"/>
           </a:xfrm>
         </p:grpSpPr>
         <p:sp>
@@ -15399,7 +15399,7 @@
               <p:spPr>
                 <a:xfrm>
                   <a:off x="3166631" y="2949646"/>
-                  <a:ext cx="607539" cy="490455"/>
+                  <a:ext cx="528991" cy="429092"/>
                 </a:xfrm>
                 <a:prstGeom prst="rect">
                   <a:avLst/>
@@ -15412,6 +15412,7 @@
                 </a:bodyPr>
                 <a:lstStyle/>
                 <a:p>
+                  <a:pPr/>
                   <a14:m>
                     <m:oMathPara xmlns:m="http://schemas.openxmlformats.org/officeDocument/2006/math">
                       <m:oMathParaPr>
@@ -15421,7 +15422,7 @@
                         <m:f>
                           <m:fPr>
                             <m:ctrlPr>
-                              <a:rPr lang="en-US" sz="1600" i="1" smtClean="0">
+                              <a:rPr lang="en-US" sz="1400" i="1" smtClean="0">
                                 <a:latin typeface="Cambria Math" panose="02040503050406030204" pitchFamily="18" charset="0"/>
                               </a:rPr>
                             </m:ctrlPr>
@@ -15431,7 +15432,7 @@
                               <m:rPr>
                                 <m:nor/>
                               </m:rPr>
-                              <a:rPr lang="en-US" sz="1600">
+                              <a:rPr lang="en-US" sz="1400">
                                 <a:latin typeface="Arial" panose="020B0604020202020204" pitchFamily="34" charset="0"/>
                                 <a:cs typeface="Arial" panose="020B0604020202020204" pitchFamily="34" charset="0"/>
                               </a:rPr>
@@ -15441,20 +15442,20 @@
                               <m:rPr>
                                 <m:nor/>
                               </m:rPr>
-                              <a:rPr lang="en-US" sz="1600">
+                              <a:rPr lang="en-US" sz="1400">
                                 <a:latin typeface="Arial" panose="020B0604020202020204" pitchFamily="34" charset="0"/>
                                 <a:cs typeface="Arial" panose="020B0604020202020204" pitchFamily="34" charset="0"/>
                               </a:rPr>
                               <m:t>I</m:t>
                             </m:r>
                             <m:r>
-                              <a:rPr lang="en-GB" sz="1600" b="0" i="1" baseline="30000" smtClean="0">
+                              <a:rPr lang="en-GB" sz="1400" b="0" i="1" baseline="30000" smtClean="0">
                                 <a:latin typeface="Cambria Math" panose="02040503050406030204" pitchFamily="18" charset="0"/>
                               </a:rPr>
                               <m:t>2</m:t>
                             </m:r>
                             <m:r>
-                              <a:rPr lang="en-GB" sz="1600" b="0" i="1" baseline="-25000" smtClean="0">
+                              <a:rPr lang="en-GB" sz="1400" b="0" i="1" baseline="-25000" smtClean="0">
                                 <a:latin typeface="Cambria Math" panose="02040503050406030204" pitchFamily="18" charset="0"/>
                               </a:rPr>
                               <m:t>1</m:t>
@@ -15465,26 +15466,26 @@
                               <m:rPr>
                                 <m:nor/>
                               </m:rPr>
-                              <a:rPr lang="en-US" sz="1600">
+                              <a:rPr lang="en-US" sz="1400">
                                 <a:latin typeface="Arial" panose="020B0604020202020204" pitchFamily="34" charset="0"/>
                                 <a:cs typeface="Arial" panose="020B0604020202020204" pitchFamily="34" charset="0"/>
                               </a:rPr>
                               <m:t>∂</m:t>
                             </m:r>
                             <m:r>
-                              <a:rPr lang="en-GB" sz="1600" b="0" i="1" smtClean="0">
+                              <a:rPr lang="en-GB" sz="1400" b="0" i="1" smtClean="0">
                                 <a:latin typeface="Cambria Math" panose="02040503050406030204" pitchFamily="18" charset="0"/>
                               </a:rPr>
                               <m:t>𝑊</m:t>
                             </m:r>
                             <m:r>
-                              <a:rPr lang="en-GB" sz="1600" b="0" i="1" baseline="30000" smtClean="0">
+                              <a:rPr lang="en-GB" sz="1400" b="0" i="1" baseline="30000" smtClean="0">
                                 <a:latin typeface="Cambria Math" panose="02040503050406030204" pitchFamily="18" charset="0"/>
                               </a:rPr>
                               <m:t>2</m:t>
                             </m:r>
                             <m:r>
-                              <a:rPr lang="en-GB" sz="1600" b="0" i="1" baseline="-25000" smtClean="0">
+                              <a:rPr lang="en-GB" sz="1400" b="0" i="1" baseline="-25000" smtClean="0">
                                 <a:latin typeface="Cambria Math" panose="02040503050406030204" pitchFamily="18" charset="0"/>
                               </a:rPr>
                               <m:t>1,1</m:t>
@@ -15494,7 +15495,7 @@
                       </m:oMath>
                     </m:oMathPara>
                   </a14:m>
-                  <a:endParaRPr lang="en-US" sz="1600" dirty="0">
+                  <a:endParaRPr lang="en-US" sz="1400" dirty="0">
                     <a:latin typeface="Arial" panose="020B0604020202020204" pitchFamily="34" charset="0"/>
                     <a:cs typeface="Arial" panose="020B0604020202020204" pitchFamily="34" charset="0"/>
                   </a:endParaRPr>
@@ -15520,7 +15521,7 @@
               <p:spPr>
                 <a:xfrm>
                   <a:off x="3166631" y="2949646"/>
-                  <a:ext cx="607539" cy="490455"/>
+                  <a:ext cx="528991" cy="429092"/>
                 </a:xfrm>
                 <a:prstGeom prst="rect">
                   <a:avLst/>
@@ -15528,7 +15529,7 @@
                 <a:blipFill>
                   <a:blip r:embed="rId2"/>
                   <a:stretch>
-                    <a:fillRect b="-16250"/>
+                    <a:fillRect l="-8046" t="-1429" r="-3448" b="-21429"/>
                   </a:stretch>
                 </a:blipFill>
               </p:spPr>
@@ -15564,7 +15565,7 @@
               <p:spPr>
                 <a:xfrm>
                   <a:off x="4042668" y="2949646"/>
-                  <a:ext cx="367088" cy="474553"/>
+                  <a:ext cx="318997" cy="415178"/>
                 </a:xfrm>
                 <a:prstGeom prst="rect">
                   <a:avLst/>
@@ -15577,6 +15578,7 @@
                 </a:bodyPr>
                 <a:lstStyle/>
                 <a:p>
+                  <a:pPr/>
                   <a14:m>
                     <m:oMathPara xmlns:m="http://schemas.openxmlformats.org/officeDocument/2006/math">
                       <m:oMathParaPr>
@@ -15586,7 +15588,7 @@
                         <m:f>
                           <m:fPr>
                             <m:ctrlPr>
-                              <a:rPr lang="en-US" sz="1600" i="1" smtClean="0">
+                              <a:rPr lang="en-US" sz="1400" i="1" smtClean="0">
                                 <a:latin typeface="Cambria Math" panose="02040503050406030204" pitchFamily="18" charset="0"/>
                               </a:rPr>
                             </m:ctrlPr>
@@ -15596,7 +15598,7 @@
                               <m:rPr>
                                 <m:nor/>
                               </m:rPr>
-                              <a:rPr lang="en-US" sz="1600">
+                              <a:rPr lang="en-US" sz="1400">
                                 <a:latin typeface="Arial" panose="020B0604020202020204" pitchFamily="34" charset="0"/>
                                 <a:cs typeface="Arial" panose="020B0604020202020204" pitchFamily="34" charset="0"/>
                               </a:rPr>
@@ -15606,14 +15608,14 @@
                               <m:rPr>
                                 <m:nor/>
                               </m:rPr>
-                              <a:rPr lang="en-US" sz="1600">
+                              <a:rPr lang="en-US" sz="1400">
                                 <a:latin typeface="Arial" panose="020B0604020202020204" pitchFamily="34" charset="0"/>
                                 <a:cs typeface="Arial" panose="020B0604020202020204" pitchFamily="34" charset="0"/>
                               </a:rPr>
                               <m:t>I</m:t>
                             </m:r>
                             <m:r>
-                              <a:rPr lang="en-GB" sz="1600" b="0" i="1" baseline="30000" smtClean="0">
+                              <a:rPr lang="en-GB" sz="1400" b="0" i="1" baseline="30000" smtClean="0">
                                 <a:latin typeface="Cambria Math" panose="02040503050406030204" pitchFamily="18" charset="0"/>
                               </a:rPr>
                               <m:t>3</m:t>
@@ -15624,7 +15626,7 @@
                               <m:rPr>
                                 <m:nor/>
                               </m:rPr>
-                              <a:rPr lang="en-US" sz="1600">
+                              <a:rPr lang="en-US" sz="1400">
                                 <a:latin typeface="Arial" panose="020B0604020202020204" pitchFamily="34" charset="0"/>
                                 <a:cs typeface="Arial" panose="020B0604020202020204" pitchFamily="34" charset="0"/>
                               </a:rPr>
@@ -15634,20 +15636,20 @@
                               <m:rPr>
                                 <m:nor/>
                               </m:rPr>
-                              <a:rPr lang="en-US" sz="1600">
+                              <a:rPr lang="en-US" sz="1400">
                                 <a:latin typeface="Arial" panose="020B0604020202020204" pitchFamily="34" charset="0"/>
                                 <a:cs typeface="Arial" panose="020B0604020202020204" pitchFamily="34" charset="0"/>
                               </a:rPr>
                               <m:t>I</m:t>
                             </m:r>
                             <m:r>
-                              <a:rPr lang="en-GB" sz="1600" i="1" baseline="30000" smtClean="0">
+                              <a:rPr lang="en-GB" sz="1400" i="1" baseline="30000" smtClean="0">
                                 <a:latin typeface="Cambria Math" panose="02040503050406030204" pitchFamily="18" charset="0"/>
                               </a:rPr>
                               <m:t>2</m:t>
                             </m:r>
                             <m:r>
-                              <a:rPr lang="en-GB" sz="1600" b="0" i="1" baseline="-25000" smtClean="0">
+                              <a:rPr lang="en-GB" sz="1400" b="0" i="1" baseline="-25000" smtClean="0">
                                 <a:latin typeface="Cambria Math" panose="02040503050406030204" pitchFamily="18" charset="0"/>
                               </a:rPr>
                               <m:t>1</m:t>
@@ -15657,7 +15659,7 @@
                       </m:oMath>
                     </m:oMathPara>
                   </a14:m>
-                  <a:endParaRPr lang="en-US" sz="1600" dirty="0">
+                  <a:endParaRPr lang="en-US" sz="1400" dirty="0">
                     <a:latin typeface="Arial" panose="020B0604020202020204" pitchFamily="34" charset="0"/>
                     <a:cs typeface="Arial" panose="020B0604020202020204" pitchFamily="34" charset="0"/>
                   </a:endParaRPr>
@@ -15683,7 +15685,7 @@
               <p:spPr>
                 <a:xfrm>
                   <a:off x="4042668" y="2949646"/>
-                  <a:ext cx="367088" cy="474553"/>
+                  <a:ext cx="318997" cy="415178"/>
                 </a:xfrm>
                 <a:prstGeom prst="rect">
                   <a:avLst/>
@@ -15691,7 +15693,7 @@
                 <a:blipFill>
                   <a:blip r:embed="rId3"/>
                   <a:stretch>
-                    <a:fillRect b="-6410"/>
+                    <a:fillRect l="-13208" t="-1471" r="-3774" b="-17647"/>
                   </a:stretch>
                 </a:blipFill>
               </p:spPr>
@@ -15799,7 +15801,7 @@
               <p:spPr>
                 <a:xfrm>
                   <a:off x="4764697" y="2949646"/>
-                  <a:ext cx="291747" cy="474553"/>
+                  <a:ext cx="253274" cy="415178"/>
                 </a:xfrm>
                 <a:prstGeom prst="rect">
                   <a:avLst/>
@@ -15812,6 +15814,7 @@
                 </a:bodyPr>
                 <a:lstStyle/>
                 <a:p>
+                  <a:pPr/>
                   <a14:m>
                     <m:oMathPara xmlns:m="http://schemas.openxmlformats.org/officeDocument/2006/math">
                       <m:oMathParaPr>
@@ -15821,7 +15824,7 @@
                         <m:f>
                           <m:fPr>
                             <m:ctrlPr>
-                              <a:rPr lang="en-US" sz="1600" i="1" smtClean="0">
+                              <a:rPr lang="en-US" sz="1400" i="1" smtClean="0">
                                 <a:latin typeface="Cambria Math" panose="02040503050406030204" pitchFamily="18" charset="0"/>
                               </a:rPr>
                             </m:ctrlPr>
@@ -15831,14 +15834,14 @@
                               <m:rPr>
                                 <m:nor/>
                               </m:rPr>
-                              <a:rPr lang="en-US" sz="1600">
+                              <a:rPr lang="en-US" sz="1400">
                                 <a:latin typeface="Arial" panose="020B0604020202020204" pitchFamily="34" charset="0"/>
                                 <a:cs typeface="Arial" panose="020B0604020202020204" pitchFamily="34" charset="0"/>
                               </a:rPr>
                               <m:t>∂</m:t>
                             </m:r>
                             <m:r>
-                              <a:rPr lang="en-GB" sz="1600" i="1" smtClean="0">
+                              <a:rPr lang="en-GB" sz="1400" i="1" smtClean="0">
                                 <a:latin typeface="Cambria Math" panose="02040503050406030204" pitchFamily="18" charset="0"/>
                               </a:rPr>
                               <m:t>𝐿</m:t>
@@ -15849,7 +15852,7 @@
                               <m:rPr>
                                 <m:nor/>
                               </m:rPr>
-                              <a:rPr lang="en-US" sz="1600">
+                              <a:rPr lang="en-US" sz="1400">
                                 <a:latin typeface="Arial" panose="020B0604020202020204" pitchFamily="34" charset="0"/>
                                 <a:cs typeface="Arial" panose="020B0604020202020204" pitchFamily="34" charset="0"/>
                               </a:rPr>
@@ -15859,14 +15862,14 @@
                               <m:rPr>
                                 <m:nor/>
                               </m:rPr>
-                              <a:rPr lang="en-US" sz="1600">
+                              <a:rPr lang="en-US" sz="1400">
                                 <a:latin typeface="Arial" panose="020B0604020202020204" pitchFamily="34" charset="0"/>
                                 <a:cs typeface="Arial" panose="020B0604020202020204" pitchFamily="34" charset="0"/>
                               </a:rPr>
                               <m:t>I</m:t>
                             </m:r>
                             <m:r>
-                              <a:rPr lang="en-GB" sz="1600" i="1" baseline="30000">
+                              <a:rPr lang="en-GB" sz="1400" i="1" baseline="30000">
                                 <a:latin typeface="Cambria Math" panose="02040503050406030204" pitchFamily="18" charset="0"/>
                               </a:rPr>
                               <m:t>3</m:t>
@@ -15876,7 +15879,7 @@
                       </m:oMath>
                     </m:oMathPara>
                   </a14:m>
-                  <a:endParaRPr lang="en-US" sz="1600" dirty="0">
+                  <a:endParaRPr lang="en-US" sz="1400" dirty="0">
                     <a:latin typeface="Arial" panose="020B0604020202020204" pitchFamily="34" charset="0"/>
                     <a:cs typeface="Arial" panose="020B0604020202020204" pitchFamily="34" charset="0"/>
                   </a:endParaRPr>
@@ -15902,7 +15905,7 @@
               <p:spPr>
                 <a:xfrm>
                   <a:off x="4764697" y="2949646"/>
-                  <a:ext cx="291747" cy="474553"/>
+                  <a:ext cx="253274" cy="415178"/>
                 </a:xfrm>
                 <a:prstGeom prst="rect">
                   <a:avLst/>
@@ -15910,7 +15913,7 @@
                 <a:blipFill>
                   <a:blip r:embed="rId4"/>
                   <a:stretch>
-                    <a:fillRect/>
+                    <a:fillRect l="-17073" t="-1471" r="-7317" b="-14706"/>
                   </a:stretch>
                 </a:blipFill>
               </p:spPr>
